--- a/Presentaties/Final/TestDesign v01/8dec.pptx
+++ b/Presentaties/Final/TestDesign v01/8dec.pptx
@@ -146,7 +146,7 @@
 <file path=ppt/charts/chart1.xml><?xml version="1.0" encoding="utf-8"?>
 <c:chartSpace xmlns:c="http://schemas.openxmlformats.org/drawingml/2006/chart" xmlns:a="http://schemas.openxmlformats.org/drawingml/2006/main" xmlns:r="http://schemas.openxmlformats.org/officeDocument/2006/relationships">
   <c:date1904 val="0"/>
-  <c:lang val="nl-NL"/>
+  <c:lang val="en-US"/>
   <c:roundedCorners val="0"/>
   <mc:AlternateContent xmlns:mc="http://schemas.openxmlformats.org/markup-compatibility/2006">
     <mc:Choice xmlns:c14="http://schemas.microsoft.com/office/drawing/2007/8/2/chart" Requires="c14">
@@ -839,64 +839,64 @@
                 <c:formatCode>General</c:formatCode>
                 <c:ptCount val="50"/>
                 <c:pt idx="0">
-                  <c:v>1.0</c:v>
+                  <c:v>1</c:v>
                 </c:pt>
                 <c:pt idx="1">
-                  <c:v>2.0</c:v>
+                  <c:v>2</c:v>
                 </c:pt>
                 <c:pt idx="2">
-                  <c:v>3.0</c:v>
+                  <c:v>3</c:v>
                 </c:pt>
                 <c:pt idx="3">
-                  <c:v>4.0</c:v>
+                  <c:v>4</c:v>
                 </c:pt>
                 <c:pt idx="4">
-                  <c:v>5.0</c:v>
+                  <c:v>5</c:v>
                 </c:pt>
                 <c:pt idx="5">
-                  <c:v>6.0</c:v>
+                  <c:v>6</c:v>
                 </c:pt>
                 <c:pt idx="6">
-                  <c:v>7.0</c:v>
+                  <c:v>7</c:v>
                 </c:pt>
                 <c:pt idx="7">
-                  <c:v>8.0</c:v>
+                  <c:v>8</c:v>
                 </c:pt>
                 <c:pt idx="8">
-                  <c:v>9.0</c:v>
+                  <c:v>9</c:v>
                 </c:pt>
                 <c:pt idx="9">
-                  <c:v>10.0</c:v>
+                  <c:v>10</c:v>
                 </c:pt>
                 <c:pt idx="10">
-                  <c:v>11.0</c:v>
+                  <c:v>11</c:v>
                 </c:pt>
                 <c:pt idx="11">
-                  <c:v>12.0</c:v>
+                  <c:v>12</c:v>
                 </c:pt>
                 <c:pt idx="12">
-                  <c:v>13.0</c:v>
+                  <c:v>13</c:v>
                 </c:pt>
                 <c:pt idx="13">
-                  <c:v>14.0</c:v>
+                  <c:v>14</c:v>
                 </c:pt>
                 <c:pt idx="14">
-                  <c:v>15.0</c:v>
+                  <c:v>15</c:v>
                 </c:pt>
                 <c:pt idx="15">
-                  <c:v>16.0</c:v>
+                  <c:v>16</c:v>
                 </c:pt>
                 <c:pt idx="16">
-                  <c:v>17.0</c:v>
+                  <c:v>17</c:v>
                 </c:pt>
                 <c:pt idx="17">
-                  <c:v>18.0</c:v>
+                  <c:v>18</c:v>
                 </c:pt>
                 <c:pt idx="18">
-                  <c:v>19.0</c:v>
+                  <c:v>19</c:v>
                 </c:pt>
                 <c:pt idx="19">
-                  <c:v>20.0</c:v>
+                  <c:v>20</c:v>
                 </c:pt>
               </c:numCache>
             </c:numRef>
@@ -1099,7 +1099,7 @@
       <a:pPr>
         <a:defRPr/>
       </a:pPr>
-      <a:endParaRPr lang="nl-NL"/>
+      <a:endParaRPr lang="en-US"/>
     </a:p>
   </c:txPr>
   <c:externalData r:id="rId3">
@@ -1111,7 +1111,7 @@
 <file path=ppt/charts/chart10.xml><?xml version="1.0" encoding="utf-8"?>
 <c:chartSpace xmlns:c="http://schemas.openxmlformats.org/drawingml/2006/chart" xmlns:a="http://schemas.openxmlformats.org/drawingml/2006/main" xmlns:r="http://schemas.openxmlformats.org/officeDocument/2006/relationships">
   <c:date1904 val="0"/>
-  <c:lang val="nl-NL"/>
+  <c:lang val="en-US"/>
   <c:roundedCorners val="0"/>
   <mc:AlternateContent xmlns:mc="http://schemas.openxmlformats.org/markup-compatibility/2006">
     <mc:Choice xmlns:c14="http://schemas.microsoft.com/office/drawing/2007/8/2/chart" Requires="c14">
@@ -1229,7 +1229,7 @@
                     <a:cs typeface="+mn-cs"/>
                   </a:defRPr>
                 </a:pPr>
-                <a:endParaRPr lang="nl-NL"/>
+                <a:endParaRPr lang="en-US"/>
               </a:p>
             </c:txPr>
             <c:showLegendKey val="0"/>
@@ -1410,7 +1410,7 @@
                     <a:cs typeface="+mn-cs"/>
                   </a:defRPr>
                 </a:pPr>
-                <a:endParaRPr lang="nl-NL"/>
+                <a:endParaRPr lang="en-US"/>
               </a:p>
             </c:txPr>
             <c:showLegendKey val="0"/>
@@ -1496,7 +1496,7 @@
       <a:pPr>
         <a:defRPr/>
       </a:pPr>
-      <a:endParaRPr lang="nl-NL"/>
+      <a:endParaRPr lang="en-US"/>
     </a:p>
   </c:txPr>
   <c:externalData r:id="rId3">
@@ -1508,7 +1508,7 @@
 <file path=ppt/charts/chart2.xml><?xml version="1.0" encoding="utf-8"?>
 <c:chartSpace xmlns:c="http://schemas.openxmlformats.org/drawingml/2006/chart" xmlns:a="http://schemas.openxmlformats.org/drawingml/2006/main" xmlns:r="http://schemas.openxmlformats.org/officeDocument/2006/relationships">
   <c:date1904 val="0"/>
-  <c:lang val="nl-NL"/>
+  <c:lang val="en-US"/>
   <c:roundedCorners val="0"/>
   <mc:AlternateContent xmlns:mc="http://schemas.openxmlformats.org/markup-compatibility/2006">
     <mc:Choice xmlns:c14="http://schemas.microsoft.com/office/drawing/2007/8/2/chart" Requires="c14">
@@ -1587,28 +1587,28 @@
                 <c:formatCode>General</c:formatCode>
                 <c:ptCount val="8"/>
                 <c:pt idx="0">
-                  <c:v>0.0</c:v>
+                  <c:v>0</c:v>
                 </c:pt>
                 <c:pt idx="1">
-                  <c:v>12.0</c:v>
+                  <c:v>12</c:v>
                 </c:pt>
                 <c:pt idx="2">
-                  <c:v>10.0</c:v>
+                  <c:v>10</c:v>
                 </c:pt>
                 <c:pt idx="3">
-                  <c:v>18.0</c:v>
+                  <c:v>18</c:v>
                 </c:pt>
                 <c:pt idx="4">
-                  <c:v>14.0</c:v>
+                  <c:v>14</c:v>
                 </c:pt>
                 <c:pt idx="5">
-                  <c:v>26.0</c:v>
+                  <c:v>26</c:v>
                 </c:pt>
                 <c:pt idx="6">
-                  <c:v>13.0</c:v>
+                  <c:v>13</c:v>
                 </c:pt>
                 <c:pt idx="7">
-                  <c:v>0.0</c:v>
+                  <c:v>0</c:v>
                 </c:pt>
               </c:numCache>
             </c:numRef>
@@ -1622,11 +1622,11 @@
           <c:showPercent val="0"/>
           <c:showBubbleSize val="0"/>
         </c:dLbls>
-        <c:axId val="-1993825632"/>
-        <c:axId val="-1993693728"/>
+        <c:axId val="-251649728"/>
+        <c:axId val="-251654080"/>
       </c:areaChart>
       <c:catAx>
-        <c:axId val="-1993825632"/>
+        <c:axId val="-251649728"/>
         <c:scaling>
           <c:orientation val="minMax"/>
         </c:scaling>
@@ -1666,10 +1666,10 @@
                 <a:cs typeface="+mn-cs"/>
               </a:defRPr>
             </a:pPr>
-            <a:endParaRPr lang="nl-NL"/>
+            <a:endParaRPr lang="en-US"/>
           </a:p>
         </c:txPr>
-        <c:crossAx val="-1993693728"/>
+        <c:crossAx val="-251654080"/>
         <c:crosses val="autoZero"/>
         <c:auto val="1"/>
         <c:lblAlgn val="ctr"/>
@@ -1677,7 +1677,7 @@
         <c:noMultiLvlLbl val="0"/>
       </c:catAx>
       <c:valAx>
-        <c:axId val="-1993693728"/>
+        <c:axId val="-251654080"/>
         <c:scaling>
           <c:orientation val="minMax"/>
         </c:scaling>
@@ -1711,10 +1711,10 @@
                 <a:cs typeface="+mn-cs"/>
               </a:defRPr>
             </a:pPr>
-            <a:endParaRPr lang="nl-NL"/>
+            <a:endParaRPr lang="en-US"/>
           </a:p>
         </c:txPr>
-        <c:crossAx val="-1993825632"/>
+        <c:crossAx val="-251649728"/>
         <c:crosses val="autoZero"/>
         <c:crossBetween val="midCat"/>
       </c:valAx>
@@ -1744,7 +1744,7 @@
       <a:pPr>
         <a:defRPr/>
       </a:pPr>
-      <a:endParaRPr lang="nl-NL"/>
+      <a:endParaRPr lang="en-US"/>
     </a:p>
   </c:txPr>
   <c:externalData r:id="rId3">
@@ -1756,7 +1756,7 @@
 <file path=ppt/charts/chart3.xml><?xml version="1.0" encoding="utf-8"?>
 <c:chartSpace xmlns:c="http://schemas.openxmlformats.org/drawingml/2006/chart" xmlns:a="http://schemas.openxmlformats.org/drawingml/2006/main" xmlns:r="http://schemas.openxmlformats.org/officeDocument/2006/relationships">
   <c:date1904 val="0"/>
-  <c:lang val="nl-NL"/>
+  <c:lang val="en-US"/>
   <c:roundedCorners val="0"/>
   <mc:AlternateContent xmlns:mc="http://schemas.openxmlformats.org/markup-compatibility/2006">
     <mc:Choice xmlns:c14="http://schemas.microsoft.com/office/drawing/2007/8/2/chart" Requires="c14">
@@ -1832,25 +1832,25 @@
                 <c:formatCode>General</c:formatCode>
                 <c:ptCount val="7"/>
                 <c:pt idx="0">
-                  <c:v>16.0</c:v>
+                  <c:v>16</c:v>
                 </c:pt>
                 <c:pt idx="1">
-                  <c:v>32.0</c:v>
+                  <c:v>32</c:v>
                 </c:pt>
                 <c:pt idx="2">
-                  <c:v>22.0</c:v>
+                  <c:v>22</c:v>
                 </c:pt>
                 <c:pt idx="3">
-                  <c:v>34.0</c:v>
+                  <c:v>34</c:v>
                 </c:pt>
                 <c:pt idx="4">
-                  <c:v>26.0</c:v>
+                  <c:v>26</c:v>
                 </c:pt>
                 <c:pt idx="5">
-                  <c:v>40.0</c:v>
+                  <c:v>40</c:v>
                 </c:pt>
                 <c:pt idx="6">
-                  <c:v>16.0</c:v>
+                  <c:v>16</c:v>
                 </c:pt>
               </c:numCache>
             </c:numRef>
@@ -1864,11 +1864,11 @@
           <c:showPercent val="0"/>
           <c:showBubbleSize val="0"/>
         </c:dLbls>
-        <c:axId val="-2049178624"/>
-        <c:axId val="-2049189216"/>
+        <c:axId val="-464613200"/>
+        <c:axId val="-147430464"/>
       </c:areaChart>
       <c:catAx>
-        <c:axId val="-2049178624"/>
+        <c:axId val="-464613200"/>
         <c:scaling>
           <c:orientation val="minMax"/>
         </c:scaling>
@@ -1908,10 +1908,10 @@
                 <a:cs typeface="+mn-cs"/>
               </a:defRPr>
             </a:pPr>
-            <a:endParaRPr lang="nl-NL"/>
+            <a:endParaRPr lang="en-US"/>
           </a:p>
         </c:txPr>
-        <c:crossAx val="-2049189216"/>
+        <c:crossAx val="-147430464"/>
         <c:crosses val="autoZero"/>
         <c:auto val="1"/>
         <c:lblAlgn val="ctr"/>
@@ -1919,10 +1919,10 @@
         <c:noMultiLvlLbl val="0"/>
       </c:catAx>
       <c:valAx>
-        <c:axId val="-2049189216"/>
+        <c:axId val="-147430464"/>
         <c:scaling>
           <c:orientation val="minMax"/>
-          <c:min val="16.0"/>
+          <c:min val="16"/>
         </c:scaling>
         <c:delete val="0"/>
         <c:axPos val="l"/>
@@ -1954,10 +1954,10 @@
                 <a:cs typeface="+mn-cs"/>
               </a:defRPr>
             </a:pPr>
-            <a:endParaRPr lang="nl-NL"/>
+            <a:endParaRPr lang="en-US"/>
           </a:p>
         </c:txPr>
-        <c:crossAx val="-2049178624"/>
+        <c:crossAx val="-464613200"/>
         <c:crosses val="autoZero"/>
         <c:crossBetween val="midCat"/>
       </c:valAx>
@@ -1987,7 +1987,7 @@
       <a:pPr>
         <a:defRPr/>
       </a:pPr>
-      <a:endParaRPr lang="nl-NL"/>
+      <a:endParaRPr lang="en-US"/>
     </a:p>
   </c:txPr>
   <c:externalData r:id="rId3">
@@ -1999,7 +1999,7 @@
 <file path=ppt/charts/chart4.xml><?xml version="1.0" encoding="utf-8"?>
 <c:chartSpace xmlns:c="http://schemas.openxmlformats.org/drawingml/2006/chart" xmlns:a="http://schemas.openxmlformats.org/drawingml/2006/main" xmlns:r="http://schemas.openxmlformats.org/officeDocument/2006/relationships">
   <c:date1904 val="0"/>
-  <c:lang val="nl-NL"/>
+  <c:lang val="en-US"/>
   <c:roundedCorners val="0"/>
   <mc:AlternateContent xmlns:mc="http://schemas.openxmlformats.org/markup-compatibility/2006">
     <mc:Choice xmlns:c14="http://schemas.microsoft.com/office/drawing/2007/8/2/chart" Requires="c14">
@@ -2123,7 +2123,7 @@
                 <c:formatCode>General</c:formatCode>
                 <c:ptCount val="4"/>
                 <c:pt idx="0">
-                  <c:v>8.200000000000001</c:v>
+                  <c:v>8.2000000000000011</c:v>
                 </c:pt>
                 <c:pt idx="1">
                   <c:v>3.2</c:v>
@@ -2185,7 +2185,7 @@
               <a:cs typeface="+mn-cs"/>
             </a:defRPr>
           </a:pPr>
-          <a:endParaRPr lang="nl-NL"/>
+          <a:endParaRPr lang="en-US"/>
         </a:p>
       </c:txPr>
     </c:legend>
@@ -2207,7 +2207,7 @@
       <a:pPr>
         <a:defRPr/>
       </a:pPr>
-      <a:endParaRPr lang="nl-NL"/>
+      <a:endParaRPr lang="en-US"/>
     </a:p>
   </c:txPr>
   <c:externalData r:id="rId3">
@@ -2219,7 +2219,7 @@
 <file path=ppt/charts/chart5.xml><?xml version="1.0" encoding="utf-8"?>
 <c:chartSpace xmlns:c="http://schemas.openxmlformats.org/drawingml/2006/chart" xmlns:a="http://schemas.openxmlformats.org/drawingml/2006/main" xmlns:r="http://schemas.openxmlformats.org/officeDocument/2006/relationships">
   <c:date1904 val="0"/>
-  <c:lang val="nl-NL"/>
+  <c:lang val="en-US"/>
   <c:roundedCorners val="0"/>
   <mc:AlternateContent xmlns:mc="http://schemas.openxmlformats.org/markup-compatibility/2006">
     <mc:Choice xmlns:c14="http://schemas.microsoft.com/office/drawing/2007/8/2/chart" Requires="c14">
@@ -2306,7 +2306,7 @@
                     <a:cs typeface="+mn-cs"/>
                   </a:defRPr>
                 </a:pPr>
-                <a:endParaRPr lang="nl-NL"/>
+                <a:endParaRPr lang="en-US"/>
               </a:p>
             </c:txPr>
             <c:dLblPos val="inEnd"/>
@@ -2358,7 +2358,7 @@
                 <c:formatCode>General</c:formatCode>
                 <c:ptCount val="2"/>
                 <c:pt idx="0">
-                  <c:v>8.200000000000001</c:v>
+                  <c:v>8.2000000000000011</c:v>
                 </c:pt>
                 <c:pt idx="1">
                   <c:v>3.2</c:v>
@@ -2404,7 +2404,7 @@
       <a:pPr>
         <a:defRPr/>
       </a:pPr>
-      <a:endParaRPr lang="nl-NL"/>
+      <a:endParaRPr lang="en-US"/>
     </a:p>
   </c:txPr>
   <c:externalData r:id="rId3">
@@ -2416,7 +2416,7 @@
 <file path=ppt/charts/chart6.xml><?xml version="1.0" encoding="utf-8"?>
 <c:chartSpace xmlns:c="http://schemas.openxmlformats.org/drawingml/2006/chart" xmlns:a="http://schemas.openxmlformats.org/drawingml/2006/main" xmlns:r="http://schemas.openxmlformats.org/officeDocument/2006/relationships">
   <c:date1904 val="0"/>
-  <c:lang val="nl-NL"/>
+  <c:lang val="en-US"/>
   <c:roundedCorners val="0"/>
   <mc:AlternateContent xmlns:mc="http://schemas.openxmlformats.org/markup-compatibility/2006">
     <mc:Choice xmlns:c14="http://schemas.microsoft.com/office/drawing/2007/8/2/chart" Requires="c14">
@@ -2503,7 +2503,7 @@
                     <a:cs typeface="+mn-cs"/>
                   </a:defRPr>
                 </a:pPr>
-                <a:endParaRPr lang="nl-NL"/>
+                <a:endParaRPr lang="en-US"/>
               </a:p>
             </c:txPr>
             <c:showLegendKey val="0"/>
@@ -2600,7 +2600,7 @@
       <a:pPr>
         <a:defRPr/>
       </a:pPr>
-      <a:endParaRPr lang="nl-NL"/>
+      <a:endParaRPr lang="en-US"/>
     </a:p>
   </c:txPr>
   <c:externalData r:id="rId3">
@@ -2612,7 +2612,7 @@
 <file path=ppt/charts/chart7.xml><?xml version="1.0" encoding="utf-8"?>
 <c:chartSpace xmlns:c="http://schemas.openxmlformats.org/drawingml/2006/chart" xmlns:a="http://schemas.openxmlformats.org/drawingml/2006/main" xmlns:r="http://schemas.openxmlformats.org/officeDocument/2006/relationships">
   <c:date1904 val="0"/>
-  <c:lang val="nl-NL"/>
+  <c:lang val="en-US"/>
   <c:roundedCorners val="0"/>
   <mc:AlternateContent xmlns:mc="http://schemas.openxmlformats.org/markup-compatibility/2006">
     <mc:Choice xmlns:c14="http://schemas.microsoft.com/office/drawing/2007/8/2/chart" Requires="c14">
@@ -2699,7 +2699,7 @@
                     <a:cs typeface="+mn-cs"/>
                   </a:defRPr>
                 </a:pPr>
-                <a:endParaRPr lang="nl-NL"/>
+                <a:endParaRPr lang="en-US"/>
               </a:p>
             </c:txPr>
             <c:showLegendKey val="0"/>
@@ -2750,7 +2750,7 @@
                 <c:formatCode>General</c:formatCode>
                 <c:ptCount val="2"/>
                 <c:pt idx="0">
-                  <c:v>8.200000000000001</c:v>
+                  <c:v>8.2000000000000011</c:v>
                 </c:pt>
                 <c:pt idx="1">
                   <c:v>3.2</c:v>
@@ -2796,7 +2796,7 @@
       <a:pPr>
         <a:defRPr/>
       </a:pPr>
-      <a:endParaRPr lang="nl-NL"/>
+      <a:endParaRPr lang="en-US"/>
     </a:p>
   </c:txPr>
   <c:externalData r:id="rId3">
@@ -2808,7 +2808,7 @@
 <file path=ppt/charts/chart8.xml><?xml version="1.0" encoding="utf-8"?>
 <c:chartSpace xmlns:c="http://schemas.openxmlformats.org/drawingml/2006/chart" xmlns:a="http://schemas.openxmlformats.org/drawingml/2006/main" xmlns:r="http://schemas.openxmlformats.org/officeDocument/2006/relationships">
   <c:date1904 val="0"/>
-  <c:lang val="nl-NL"/>
+  <c:lang val="en-US"/>
   <c:roundedCorners val="0"/>
   <mc:AlternateContent xmlns:mc="http://schemas.openxmlformats.org/markup-compatibility/2006">
     <mc:Choice xmlns:c14="http://schemas.microsoft.com/office/drawing/2007/8/2/chart" Requires="c14">
@@ -2876,7 +2876,7 @@
               <a:cs typeface="+mn-cs"/>
             </a:defRPr>
           </a:pPr>
-          <a:endParaRPr lang="nl-NL"/>
+          <a:endParaRPr lang="en-US"/>
         </a:p>
       </c:txPr>
     </c:title>
@@ -3019,7 +3019,7 @@
                   <c:v>2.4</c:v>
                 </c:pt>
                 <c:pt idx="1">
-                  <c:v>4.4</c:v>
+                  <c:v>4.4000000000000004</c:v>
                 </c:pt>
                 <c:pt idx="2">
                   <c:v>1.8</c:v>
@@ -3088,16 +3088,16 @@
                 <c:formatCode>General</c:formatCode>
                 <c:ptCount val="4"/>
                 <c:pt idx="0">
-                  <c:v>2.0</c:v>
+                  <c:v>2</c:v>
                 </c:pt>
                 <c:pt idx="1">
-                  <c:v>2.0</c:v>
+                  <c:v>2</c:v>
                 </c:pt>
                 <c:pt idx="2">
-                  <c:v>3.0</c:v>
+                  <c:v>3</c:v>
                 </c:pt>
                 <c:pt idx="3">
-                  <c:v>5.0</c:v>
+                  <c:v>5</c:v>
                 </c:pt>
               </c:numCache>
             </c:numRef>
@@ -3113,11 +3113,11 @@
         </c:dLbls>
         <c:gapWidth val="468"/>
         <c:overlap val="-27"/>
-        <c:axId val="-2087740240"/>
-        <c:axId val="-2088527504"/>
+        <c:axId val="-147431552"/>
+        <c:axId val="-147039840"/>
       </c:barChart>
       <c:catAx>
-        <c:axId val="-2087740240"/>
+        <c:axId val="-147431552"/>
         <c:scaling>
           <c:orientation val="minMax"/>
         </c:scaling>
@@ -3157,10 +3157,10 @@
                 <a:cs typeface="+mn-cs"/>
               </a:defRPr>
             </a:pPr>
-            <a:endParaRPr lang="nl-NL"/>
+            <a:endParaRPr lang="en-US"/>
           </a:p>
         </c:txPr>
-        <c:crossAx val="-2088527504"/>
+        <c:crossAx val="-147039840"/>
         <c:crosses val="autoZero"/>
         <c:auto val="1"/>
         <c:lblAlgn val="ctr"/>
@@ -3168,7 +3168,7 @@
         <c:noMultiLvlLbl val="0"/>
       </c:catAx>
       <c:valAx>
-        <c:axId val="-2088527504"/>
+        <c:axId val="-147039840"/>
         <c:scaling>
           <c:orientation val="minMax"/>
         </c:scaling>
@@ -3211,10 +3211,10 @@
                 <a:cs typeface="+mn-cs"/>
               </a:defRPr>
             </a:pPr>
-            <a:endParaRPr lang="nl-NL"/>
+            <a:endParaRPr lang="en-US"/>
           </a:p>
         </c:txPr>
-        <c:crossAx val="-2087740240"/>
+        <c:crossAx val="-147431552"/>
         <c:crosses val="autoZero"/>
         <c:crossBetween val="between"/>
       </c:valAx>
@@ -3254,7 +3254,7 @@
               <a:cs typeface="+mn-cs"/>
             </a:defRPr>
           </a:pPr>
-          <a:endParaRPr lang="nl-NL"/>
+          <a:endParaRPr lang="en-US"/>
         </a:p>
       </c:txPr>
     </c:legend>
@@ -3276,7 +3276,7 @@
       <a:pPr>
         <a:defRPr/>
       </a:pPr>
-      <a:endParaRPr lang="nl-NL"/>
+      <a:endParaRPr lang="en-US"/>
     </a:p>
   </c:txPr>
   <c:externalData r:id="rId6">
@@ -3288,7 +3288,7 @@
 <file path=ppt/charts/chart9.xml><?xml version="1.0" encoding="utf-8"?>
 <c:chartSpace xmlns:c="http://schemas.openxmlformats.org/drawingml/2006/chart" xmlns:a="http://schemas.openxmlformats.org/drawingml/2006/main" xmlns:r="http://schemas.openxmlformats.org/officeDocument/2006/relationships">
   <c:date1904 val="0"/>
-  <c:lang val="nl-NL"/>
+  <c:lang val="en-US"/>
   <c:roundedCorners val="0"/>
   <mc:AlternateContent xmlns:mc="http://schemas.openxmlformats.org/markup-compatibility/2006">
     <mc:Choice xmlns:c14="http://schemas.microsoft.com/office/drawing/2007/8/2/chart" Requires="c14">
@@ -3351,8 +3351,8 @@
               <c:idx val="0"/>
               <c:layout>
                 <c:manualLayout>
-                  <c:x val="-0.171909340596524"/>
-                  <c:y val="-0.0940855346988769"/>
+                  <c:x val="-0.17190934059652399"/>
+                  <c:y val="-9.4085534698876899E-2"/>
                 </c:manualLayout>
               </c:layout>
               <c:showLegendKey val="0"/>
@@ -3393,7 +3393,7 @@
                     <a:cs typeface="+mn-cs"/>
                   </a:defRPr>
                 </a:pPr>
-                <a:endParaRPr lang="nl-NL"/>
+                <a:endParaRPr lang="en-US"/>
               </a:p>
             </c:txPr>
             <c:showLegendKey val="0"/>
@@ -3483,8 +3483,8 @@
               <c:idx val="0"/>
               <c:layout>
                 <c:manualLayout>
-                  <c:x val="-0.232309919725033"/>
-                  <c:y val="-0.292710552396506"/>
+                  <c:x val="-0.23230991972503301"/>
+                  <c:y val="-0.29271055239650601"/>
                 </c:manualLayout>
               </c:layout>
               <c:showLegendKey val="0"/>
@@ -3525,7 +3525,7 @@
                     <a:cs typeface="+mn-cs"/>
                   </a:defRPr>
                 </a:pPr>
-                <a:endParaRPr lang="nl-NL"/>
+                <a:endParaRPr lang="en-US"/>
               </a:p>
             </c:txPr>
             <c:showLegendKey val="0"/>
@@ -3615,8 +3615,8 @@
               <c:idx val="0"/>
               <c:layout>
                 <c:manualLayout>
-                  <c:x val="-0.241602316514034"/>
-                  <c:y val="-0.473912322927676"/>
+                  <c:x val="-0.24160231651403399"/>
+                  <c:y val="-0.47391232292767599"/>
                 </c:manualLayout>
               </c:layout>
               <c:showLegendKey val="0"/>
@@ -3657,7 +3657,7 @@
                     <a:cs typeface="+mn-cs"/>
                   </a:defRPr>
                 </a:pPr>
-                <a:endParaRPr lang="nl-NL"/>
+                <a:endParaRPr lang="en-US"/>
               </a:p>
             </c:txPr>
             <c:showLegendKey val="0"/>
@@ -3748,7 +3748,7 @@
               <c:layout>
                 <c:manualLayout>
                   <c:x val="-0.239279217316784"/>
-                  <c:y val="-0.609813650826054"/>
+                  <c:y val="-0.60981365082605399"/>
                 </c:manualLayout>
               </c:layout>
               <c:showLegendKey val="0"/>
@@ -3796,7 +3796,7 @@
                     <a:cs typeface="+mn-cs"/>
                   </a:defRPr>
                 </a:pPr>
-                <a:endParaRPr lang="nl-NL"/>
+                <a:endParaRPr lang="en-US"/>
               </a:p>
             </c:txPr>
             <c:showLegendKey val="0"/>
@@ -3878,7 +3878,7 @@
       <a:pPr>
         <a:defRPr/>
       </a:pPr>
-      <a:endParaRPr lang="nl-NL"/>
+      <a:endParaRPr lang="en-US"/>
     </a:p>
   </c:txPr>
   <c:externalData r:id="rId3">
@@ -12258,7 +12258,7 @@
           <a:p>
             <a:fld id="{13EF56E6-C67D-7746-9A34-D97F8BD73856}" type="datetimeFigureOut">
               <a:rPr lang="nl-NL" smtClean="0"/>
-              <a:t>08-12-15</a:t>
+              <a:t>15-12-2015</a:t>
             </a:fld>
             <a:endParaRPr lang="nl-NL"/>
           </a:p>
@@ -12417,7 +12417,7 @@
           <a:p>
             <a:fld id="{07AFDD2F-8185-AE44-B151-7DD2FEC944A2}" type="slidenum">
               <a:rPr lang="nl-NL" smtClean="0"/>
-              <a:t>‹nr.›</a:t>
+              <a:t>‹#›</a:t>
             </a:fld>
             <a:endParaRPr lang="nl-NL"/>
           </a:p>
@@ -13355,7 +13355,7 @@
           <a:p>
             <a:fld id="{FA2F5F57-D093-4DAE-BD96-8F9DB750D69B}" type="datetimeFigureOut">
               <a:rPr lang="zh-CN" altLang="en-US" smtClean="0"/>
-              <a:t>15/12/8</a:t>
+              <a:t>2015/12/15</a:t>
             </a:fld>
             <a:endParaRPr lang="zh-CN" altLang="en-US"/>
           </a:p>
@@ -13397,7 +13397,7 @@
           <a:p>
             <a:fld id="{AA692AF4-1282-45B3-92EA-7114EA10F338}" type="slidenum">
               <a:rPr lang="zh-CN" altLang="en-US" smtClean="0"/>
-              <a:t>‹nr.›</a:t>
+              <a:t>‹#›</a:t>
             </a:fld>
             <a:endParaRPr lang="zh-CN" altLang="en-US"/>
           </a:p>
@@ -13612,7 +13612,7 @@
           <a:p>
             <a:fld id="{FA2F5F57-D093-4DAE-BD96-8F9DB750D69B}" type="datetimeFigureOut">
               <a:rPr lang="zh-CN" altLang="en-US" smtClean="0"/>
-              <a:t>15/12/8</a:t>
+              <a:t>2015/12/15</a:t>
             </a:fld>
             <a:endParaRPr lang="zh-CN" altLang="en-US"/>
           </a:p>
@@ -13654,7 +13654,7 @@
           <a:p>
             <a:fld id="{AA692AF4-1282-45B3-92EA-7114EA10F338}" type="slidenum">
               <a:rPr lang="zh-CN" altLang="en-US" smtClean="0"/>
-              <a:t>‹nr.›</a:t>
+              <a:t>‹#›</a:t>
             </a:fld>
             <a:endParaRPr lang="zh-CN" altLang="en-US"/>
           </a:p>
@@ -13782,7 +13782,7 @@
           <a:p>
             <a:fld id="{FA2F5F57-D093-4DAE-BD96-8F9DB750D69B}" type="datetimeFigureOut">
               <a:rPr lang="zh-CN" altLang="en-US" smtClean="0"/>
-              <a:t>15/12/8</a:t>
+              <a:t>2015/12/15</a:t>
             </a:fld>
             <a:endParaRPr lang="zh-CN" altLang="en-US"/>
           </a:p>
@@ -13824,7 +13824,7 @@
           <a:p>
             <a:fld id="{AA692AF4-1282-45B3-92EA-7114EA10F338}" type="slidenum">
               <a:rPr lang="zh-CN" altLang="en-US" smtClean="0"/>
-              <a:t>‹nr.›</a:t>
+              <a:t>‹#›</a:t>
             </a:fld>
             <a:endParaRPr lang="zh-CN" altLang="en-US"/>
           </a:p>
@@ -13962,7 +13962,7 @@
           <a:p>
             <a:fld id="{FA2F5F57-D093-4DAE-BD96-8F9DB750D69B}" type="datetimeFigureOut">
               <a:rPr lang="zh-CN" altLang="en-US" smtClean="0"/>
-              <a:t>15/12/8</a:t>
+              <a:t>2015/12/15</a:t>
             </a:fld>
             <a:endParaRPr lang="zh-CN" altLang="en-US"/>
           </a:p>
@@ -14004,7 +14004,7 @@
           <a:p>
             <a:fld id="{AA692AF4-1282-45B3-92EA-7114EA10F338}" type="slidenum">
               <a:rPr lang="zh-CN" altLang="en-US" smtClean="0"/>
-              <a:t>‹nr.›</a:t>
+              <a:t>‹#›</a:t>
             </a:fld>
             <a:endParaRPr lang="zh-CN" altLang="en-US"/>
           </a:p>
@@ -14812,7 +14812,7 @@
           <a:p>
             <a:fld id="{FA2F5F57-D093-4DAE-BD96-8F9DB750D69B}" type="datetimeFigureOut">
               <a:rPr lang="zh-CN" altLang="en-US" smtClean="0"/>
-              <a:t>15/12/8</a:t>
+              <a:t>2015/12/15</a:t>
             </a:fld>
             <a:endParaRPr lang="zh-CN" altLang="en-US"/>
           </a:p>
@@ -14911,7 +14911,7 @@
           <a:p>
             <a:fld id="{FA2F5F57-D093-4DAE-BD96-8F9DB750D69B}" type="datetimeFigureOut">
               <a:rPr lang="zh-CN" altLang="en-US" smtClean="0"/>
-              <a:t>15/12/8</a:t>
+              <a:t>2015/12/15</a:t>
             </a:fld>
             <a:endParaRPr lang="zh-CN" altLang="en-US"/>
           </a:p>
@@ -15165,7 +15165,7 @@
           <a:p>
             <a:fld id="{FA2F5F57-D093-4DAE-BD96-8F9DB750D69B}" type="datetimeFigureOut">
               <a:rPr lang="zh-CN" altLang="en-US" smtClean="0"/>
-              <a:t>15/12/8</a:t>
+              <a:t>2015/12/15</a:t>
             </a:fld>
             <a:endParaRPr lang="zh-CN" altLang="en-US"/>
           </a:p>
@@ -15207,7 +15207,7 @@
           <a:p>
             <a:fld id="{AA692AF4-1282-45B3-92EA-7114EA10F338}" type="slidenum">
               <a:rPr lang="zh-CN" altLang="en-US" smtClean="0"/>
-              <a:t>‹nr.›</a:t>
+              <a:t>‹#›</a:t>
             </a:fld>
             <a:endParaRPr lang="zh-CN" altLang="en-US"/>
           </a:p>
@@ -15400,7 +15400,7 @@
           <a:p>
             <a:fld id="{FA2F5F57-D093-4DAE-BD96-8F9DB750D69B}" type="datetimeFigureOut">
               <a:rPr lang="zh-CN" altLang="en-US" smtClean="0"/>
-              <a:t>15/12/8</a:t>
+              <a:t>2015/12/15</a:t>
             </a:fld>
             <a:endParaRPr lang="zh-CN" altLang="en-US"/>
           </a:p>
@@ -15478,7 +15478,7 @@
           <a:p>
             <a:fld id="{AA692AF4-1282-45B3-92EA-7114EA10F338}" type="slidenum">
               <a:rPr lang="zh-CN" altLang="en-US" smtClean="0"/>
-              <a:t>‹nr.›</a:t>
+              <a:t>‹#›</a:t>
             </a:fld>
             <a:endParaRPr lang="zh-CN" altLang="en-US"/>
           </a:p>
@@ -17200,15 +17200,7 @@
                     <a:schemeClr val="bg1"/>
                   </a:solidFill>
                 </a:rPr>
-                <a:t> </a:t>
-              </a:r>
-              <a:r>
-                <a:rPr lang="en-US" altLang="zh-CN" sz="1200" dirty="0" smtClean="0">
-                  <a:solidFill>
-                    <a:schemeClr val="bg1"/>
-                  </a:solidFill>
-                </a:rPr>
-                <a:t>add text here</a:t>
+                <a:t> add text here</a:t>
               </a:r>
               <a:endParaRPr lang="zh-CN" altLang="en-US" sz="1200" dirty="0">
                 <a:solidFill>
@@ -22942,11 +22934,15 @@
             </a:r>
             <a:r>
               <a:rPr lang="en-US" altLang="zh-CN" sz="2400" dirty="0" err="1" smtClean="0"/>
-              <a:t>gebasseerd</a:t>
+              <a:t>gebaseerd</a:t>
             </a:r>
             <a:r>
               <a:rPr lang="en-US" altLang="zh-CN" sz="2400" dirty="0" smtClean="0"/>
-              <a:t> op </a:t>
+              <a:t> </a:t>
+            </a:r>
+            <a:r>
+              <a:rPr lang="en-US" altLang="zh-CN" sz="2400" dirty="0" smtClean="0"/>
+              <a:t>op </a:t>
             </a:r>
             <a:r>
               <a:rPr lang="en-US" altLang="zh-CN" sz="2400" dirty="0" err="1" smtClean="0"/>

--- a/Presentaties/Final/TestDesign v01/8dec.pptx
+++ b/Presentaties/Final/TestDesign v01/8dec.pptx
@@ -5,7 +5,7 @@
     <p:sldMasterId id="2147483660" r:id="rId1"/>
   </p:sldMasterIdLst>
   <p:notesMasterIdLst>
-    <p:notesMasterId r:id="rId28"/>
+    <p:notesMasterId r:id="rId33"/>
   </p:notesMasterIdLst>
   <p:sldIdLst>
     <p:sldId id="256" r:id="rId2"/>
@@ -22,18 +22,23 @@
     <p:sldId id="289" r:id="rId13"/>
     <p:sldId id="284" r:id="rId14"/>
     <p:sldId id="290" r:id="rId15"/>
-    <p:sldId id="300" r:id="rId16"/>
-    <p:sldId id="287" r:id="rId17"/>
-    <p:sldId id="291" r:id="rId18"/>
-    <p:sldId id="274" r:id="rId19"/>
-    <p:sldId id="264" r:id="rId20"/>
-    <p:sldId id="259" r:id="rId21"/>
-    <p:sldId id="260" r:id="rId22"/>
-    <p:sldId id="261" r:id="rId23"/>
-    <p:sldId id="263" r:id="rId24"/>
-    <p:sldId id="265" r:id="rId25"/>
-    <p:sldId id="266" r:id="rId26"/>
-    <p:sldId id="268" r:id="rId27"/>
+    <p:sldId id="301" r:id="rId16"/>
+    <p:sldId id="302" r:id="rId17"/>
+    <p:sldId id="300" r:id="rId18"/>
+    <p:sldId id="303" r:id="rId19"/>
+    <p:sldId id="304" r:id="rId20"/>
+    <p:sldId id="305" r:id="rId21"/>
+    <p:sldId id="287" r:id="rId22"/>
+    <p:sldId id="291" r:id="rId23"/>
+    <p:sldId id="274" r:id="rId24"/>
+    <p:sldId id="264" r:id="rId25"/>
+    <p:sldId id="259" r:id="rId26"/>
+    <p:sldId id="260" r:id="rId27"/>
+    <p:sldId id="261" r:id="rId28"/>
+    <p:sldId id="263" r:id="rId29"/>
+    <p:sldId id="265" r:id="rId30"/>
+    <p:sldId id="266" r:id="rId31"/>
+    <p:sldId id="268" r:id="rId32"/>
   </p:sldIdLst>
   <p:sldSz cx="9144000" cy="6858000" type="screen4x3"/>
   <p:notesSz cx="6858000" cy="9144000"/>
@@ -12767,7 +12772,7 @@
     </p:spTree>
     <p:extLst>
       <p:ext uri="{BB962C8B-B14F-4D97-AF65-F5344CB8AC3E}">
-        <p14:creationId xmlns:p14="http://schemas.microsoft.com/office/powerpoint/2010/main" val="1569115921"/>
+        <p14:creationId xmlns:p14="http://schemas.microsoft.com/office/powerpoint/2010/main" val="1047196295"/>
       </p:ext>
     </p:extLst>
   </p:cSld>
@@ -12851,7 +12856,7 @@
     </p:spTree>
     <p:extLst>
       <p:ext uri="{BB962C8B-B14F-4D97-AF65-F5344CB8AC3E}">
-        <p14:creationId xmlns:p14="http://schemas.microsoft.com/office/powerpoint/2010/main" val="929588156"/>
+        <p14:creationId xmlns:p14="http://schemas.microsoft.com/office/powerpoint/2010/main" val="1718264801"/>
       </p:ext>
     </p:extLst>
   </p:cSld>
@@ -12927,6 +12932,426 @@
             <a:fld id="{07AFDD2F-8185-AE44-B151-7DD2FEC944A2}" type="slidenum">
               <a:rPr lang="nl-NL" smtClean="0"/>
               <a:t>17</a:t>
+            </a:fld>
+            <a:endParaRPr lang="nl-NL"/>
+          </a:p>
+        </p:txBody>
+      </p:sp>
+    </p:spTree>
+    <p:extLst>
+      <p:ext uri="{BB962C8B-B14F-4D97-AF65-F5344CB8AC3E}">
+        <p14:creationId xmlns:p14="http://schemas.microsoft.com/office/powerpoint/2010/main" val="1569115921"/>
+      </p:ext>
+    </p:extLst>
+  </p:cSld>
+  <p:clrMapOvr>
+    <a:masterClrMapping/>
+  </p:clrMapOvr>
+</p:notes>
+</file>
+
+<file path=ppt/notesSlides/notesSlide14.xml><?xml version="1.0" encoding="utf-8"?>
+<p:notes xmlns:a="http://schemas.openxmlformats.org/drawingml/2006/main" xmlns:r="http://schemas.openxmlformats.org/officeDocument/2006/relationships" xmlns:p="http://schemas.openxmlformats.org/presentationml/2006/main">
+  <p:cSld>
+    <p:spTree>
+      <p:nvGrpSpPr>
+        <p:cNvPr id="1" name=""/>
+        <p:cNvGrpSpPr/>
+        <p:nvPr/>
+      </p:nvGrpSpPr>
+      <p:grpSpPr>
+        <a:xfrm>
+          <a:off x="0" y="0"/>
+          <a:ext cx="0" cy="0"/>
+          <a:chOff x="0" y="0"/>
+          <a:chExt cx="0" cy="0"/>
+        </a:xfrm>
+      </p:grpSpPr>
+      <p:sp>
+        <p:nvSpPr>
+          <p:cNvPr id="2" name="Tijdelijke aanduiding voor dia-afbeelding 1"/>
+          <p:cNvSpPr>
+            <a:spLocks noGrp="1" noRot="1" noChangeAspect="1"/>
+          </p:cNvSpPr>
+          <p:nvPr>
+            <p:ph type="sldImg"/>
+          </p:nvPr>
+        </p:nvSpPr>
+        <p:spPr/>
+      </p:sp>
+      <p:sp>
+        <p:nvSpPr>
+          <p:cNvPr id="3" name="Tijdelijke aanduiding voor notities 2"/>
+          <p:cNvSpPr>
+            <a:spLocks noGrp="1"/>
+          </p:cNvSpPr>
+          <p:nvPr>
+            <p:ph type="body" idx="1"/>
+          </p:nvPr>
+        </p:nvSpPr>
+        <p:spPr/>
+        <p:txBody>
+          <a:bodyPr/>
+          <a:lstStyle/>
+          <a:p>
+            <a:endParaRPr lang="nl-NL" dirty="0"/>
+          </a:p>
+        </p:txBody>
+      </p:sp>
+      <p:sp>
+        <p:nvSpPr>
+          <p:cNvPr id="4" name="Tijdelijke aanduiding voor dianummer 3"/>
+          <p:cNvSpPr>
+            <a:spLocks noGrp="1"/>
+          </p:cNvSpPr>
+          <p:nvPr>
+            <p:ph type="sldNum" sz="quarter" idx="10"/>
+          </p:nvPr>
+        </p:nvSpPr>
+        <p:spPr/>
+        <p:txBody>
+          <a:bodyPr/>
+          <a:lstStyle/>
+          <a:p>
+            <a:fld id="{07AFDD2F-8185-AE44-B151-7DD2FEC944A2}" type="slidenum">
+              <a:rPr lang="nl-NL" smtClean="0"/>
+              <a:t>18</a:t>
+            </a:fld>
+            <a:endParaRPr lang="nl-NL"/>
+          </a:p>
+        </p:txBody>
+      </p:sp>
+    </p:spTree>
+    <p:extLst>
+      <p:ext uri="{BB962C8B-B14F-4D97-AF65-F5344CB8AC3E}">
+        <p14:creationId xmlns:p14="http://schemas.microsoft.com/office/powerpoint/2010/main" val="62299853"/>
+      </p:ext>
+    </p:extLst>
+  </p:cSld>
+  <p:clrMapOvr>
+    <a:masterClrMapping/>
+  </p:clrMapOvr>
+</p:notes>
+</file>
+
+<file path=ppt/notesSlides/notesSlide15.xml><?xml version="1.0" encoding="utf-8"?>
+<p:notes xmlns:a="http://schemas.openxmlformats.org/drawingml/2006/main" xmlns:r="http://schemas.openxmlformats.org/officeDocument/2006/relationships" xmlns:p="http://schemas.openxmlformats.org/presentationml/2006/main">
+  <p:cSld>
+    <p:spTree>
+      <p:nvGrpSpPr>
+        <p:cNvPr id="1" name=""/>
+        <p:cNvGrpSpPr/>
+        <p:nvPr/>
+      </p:nvGrpSpPr>
+      <p:grpSpPr>
+        <a:xfrm>
+          <a:off x="0" y="0"/>
+          <a:ext cx="0" cy="0"/>
+          <a:chOff x="0" y="0"/>
+          <a:chExt cx="0" cy="0"/>
+        </a:xfrm>
+      </p:grpSpPr>
+      <p:sp>
+        <p:nvSpPr>
+          <p:cNvPr id="2" name="Tijdelijke aanduiding voor dia-afbeelding 1"/>
+          <p:cNvSpPr>
+            <a:spLocks noGrp="1" noRot="1" noChangeAspect="1"/>
+          </p:cNvSpPr>
+          <p:nvPr>
+            <p:ph type="sldImg"/>
+          </p:nvPr>
+        </p:nvSpPr>
+        <p:spPr/>
+      </p:sp>
+      <p:sp>
+        <p:nvSpPr>
+          <p:cNvPr id="3" name="Tijdelijke aanduiding voor notities 2"/>
+          <p:cNvSpPr>
+            <a:spLocks noGrp="1"/>
+          </p:cNvSpPr>
+          <p:nvPr>
+            <p:ph type="body" idx="1"/>
+          </p:nvPr>
+        </p:nvSpPr>
+        <p:spPr/>
+        <p:txBody>
+          <a:bodyPr/>
+          <a:lstStyle/>
+          <a:p>
+            <a:endParaRPr lang="nl-NL" dirty="0"/>
+          </a:p>
+        </p:txBody>
+      </p:sp>
+      <p:sp>
+        <p:nvSpPr>
+          <p:cNvPr id="4" name="Tijdelijke aanduiding voor dianummer 3"/>
+          <p:cNvSpPr>
+            <a:spLocks noGrp="1"/>
+          </p:cNvSpPr>
+          <p:nvPr>
+            <p:ph type="sldNum" sz="quarter" idx="10"/>
+          </p:nvPr>
+        </p:nvSpPr>
+        <p:spPr/>
+        <p:txBody>
+          <a:bodyPr/>
+          <a:lstStyle/>
+          <a:p>
+            <a:fld id="{07AFDD2F-8185-AE44-B151-7DD2FEC944A2}" type="slidenum">
+              <a:rPr lang="nl-NL" smtClean="0"/>
+              <a:t>19</a:t>
+            </a:fld>
+            <a:endParaRPr lang="nl-NL"/>
+          </a:p>
+        </p:txBody>
+      </p:sp>
+    </p:spTree>
+    <p:extLst>
+      <p:ext uri="{BB962C8B-B14F-4D97-AF65-F5344CB8AC3E}">
+        <p14:creationId xmlns:p14="http://schemas.microsoft.com/office/powerpoint/2010/main" val="1933084303"/>
+      </p:ext>
+    </p:extLst>
+  </p:cSld>
+  <p:clrMapOvr>
+    <a:masterClrMapping/>
+  </p:clrMapOvr>
+</p:notes>
+</file>
+
+<file path=ppt/notesSlides/notesSlide16.xml><?xml version="1.0" encoding="utf-8"?>
+<p:notes xmlns:a="http://schemas.openxmlformats.org/drawingml/2006/main" xmlns:r="http://schemas.openxmlformats.org/officeDocument/2006/relationships" xmlns:p="http://schemas.openxmlformats.org/presentationml/2006/main">
+  <p:cSld>
+    <p:spTree>
+      <p:nvGrpSpPr>
+        <p:cNvPr id="1" name=""/>
+        <p:cNvGrpSpPr/>
+        <p:nvPr/>
+      </p:nvGrpSpPr>
+      <p:grpSpPr>
+        <a:xfrm>
+          <a:off x="0" y="0"/>
+          <a:ext cx="0" cy="0"/>
+          <a:chOff x="0" y="0"/>
+          <a:chExt cx="0" cy="0"/>
+        </a:xfrm>
+      </p:grpSpPr>
+      <p:sp>
+        <p:nvSpPr>
+          <p:cNvPr id="2" name="Tijdelijke aanduiding voor dia-afbeelding 1"/>
+          <p:cNvSpPr>
+            <a:spLocks noGrp="1" noRot="1" noChangeAspect="1"/>
+          </p:cNvSpPr>
+          <p:nvPr>
+            <p:ph type="sldImg"/>
+          </p:nvPr>
+        </p:nvSpPr>
+        <p:spPr/>
+      </p:sp>
+      <p:sp>
+        <p:nvSpPr>
+          <p:cNvPr id="3" name="Tijdelijke aanduiding voor notities 2"/>
+          <p:cNvSpPr>
+            <a:spLocks noGrp="1"/>
+          </p:cNvSpPr>
+          <p:nvPr>
+            <p:ph type="body" idx="1"/>
+          </p:nvPr>
+        </p:nvSpPr>
+        <p:spPr/>
+        <p:txBody>
+          <a:bodyPr/>
+          <a:lstStyle/>
+          <a:p>
+            <a:endParaRPr lang="nl-NL" dirty="0"/>
+          </a:p>
+        </p:txBody>
+      </p:sp>
+      <p:sp>
+        <p:nvSpPr>
+          <p:cNvPr id="4" name="Tijdelijke aanduiding voor dianummer 3"/>
+          <p:cNvSpPr>
+            <a:spLocks noGrp="1"/>
+          </p:cNvSpPr>
+          <p:nvPr>
+            <p:ph type="sldNum" sz="quarter" idx="10"/>
+          </p:nvPr>
+        </p:nvSpPr>
+        <p:spPr/>
+        <p:txBody>
+          <a:bodyPr/>
+          <a:lstStyle/>
+          <a:p>
+            <a:fld id="{07AFDD2F-8185-AE44-B151-7DD2FEC944A2}" type="slidenum">
+              <a:rPr lang="nl-NL" smtClean="0"/>
+              <a:t>20</a:t>
+            </a:fld>
+            <a:endParaRPr lang="nl-NL"/>
+          </a:p>
+        </p:txBody>
+      </p:sp>
+    </p:spTree>
+    <p:extLst>
+      <p:ext uri="{BB962C8B-B14F-4D97-AF65-F5344CB8AC3E}">
+        <p14:creationId xmlns:p14="http://schemas.microsoft.com/office/powerpoint/2010/main" val="1098193842"/>
+      </p:ext>
+    </p:extLst>
+  </p:cSld>
+  <p:clrMapOvr>
+    <a:masterClrMapping/>
+  </p:clrMapOvr>
+</p:notes>
+</file>
+
+<file path=ppt/notesSlides/notesSlide17.xml><?xml version="1.0" encoding="utf-8"?>
+<p:notes xmlns:a="http://schemas.openxmlformats.org/drawingml/2006/main" xmlns:r="http://schemas.openxmlformats.org/officeDocument/2006/relationships" xmlns:p="http://schemas.openxmlformats.org/presentationml/2006/main">
+  <p:cSld>
+    <p:spTree>
+      <p:nvGrpSpPr>
+        <p:cNvPr id="1" name=""/>
+        <p:cNvGrpSpPr/>
+        <p:nvPr/>
+      </p:nvGrpSpPr>
+      <p:grpSpPr>
+        <a:xfrm>
+          <a:off x="0" y="0"/>
+          <a:ext cx="0" cy="0"/>
+          <a:chOff x="0" y="0"/>
+          <a:chExt cx="0" cy="0"/>
+        </a:xfrm>
+      </p:grpSpPr>
+      <p:sp>
+        <p:nvSpPr>
+          <p:cNvPr id="2" name="Tijdelijke aanduiding voor dia-afbeelding 1"/>
+          <p:cNvSpPr>
+            <a:spLocks noGrp="1" noRot="1" noChangeAspect="1"/>
+          </p:cNvSpPr>
+          <p:nvPr>
+            <p:ph type="sldImg"/>
+          </p:nvPr>
+        </p:nvSpPr>
+        <p:spPr/>
+      </p:sp>
+      <p:sp>
+        <p:nvSpPr>
+          <p:cNvPr id="3" name="Tijdelijke aanduiding voor notities 2"/>
+          <p:cNvSpPr>
+            <a:spLocks noGrp="1"/>
+          </p:cNvSpPr>
+          <p:nvPr>
+            <p:ph type="body" idx="1"/>
+          </p:nvPr>
+        </p:nvSpPr>
+        <p:spPr/>
+        <p:txBody>
+          <a:bodyPr/>
+          <a:lstStyle/>
+          <a:p>
+            <a:endParaRPr lang="nl-NL" dirty="0"/>
+          </a:p>
+        </p:txBody>
+      </p:sp>
+      <p:sp>
+        <p:nvSpPr>
+          <p:cNvPr id="4" name="Tijdelijke aanduiding voor dianummer 3"/>
+          <p:cNvSpPr>
+            <a:spLocks noGrp="1"/>
+          </p:cNvSpPr>
+          <p:nvPr>
+            <p:ph type="sldNum" sz="quarter" idx="10"/>
+          </p:nvPr>
+        </p:nvSpPr>
+        <p:spPr/>
+        <p:txBody>
+          <a:bodyPr/>
+          <a:lstStyle/>
+          <a:p>
+            <a:fld id="{07AFDD2F-8185-AE44-B151-7DD2FEC944A2}" type="slidenum">
+              <a:rPr lang="nl-NL" smtClean="0"/>
+              <a:t>21</a:t>
+            </a:fld>
+            <a:endParaRPr lang="nl-NL"/>
+          </a:p>
+        </p:txBody>
+      </p:sp>
+    </p:spTree>
+    <p:extLst>
+      <p:ext uri="{BB962C8B-B14F-4D97-AF65-F5344CB8AC3E}">
+        <p14:creationId xmlns:p14="http://schemas.microsoft.com/office/powerpoint/2010/main" val="929588156"/>
+      </p:ext>
+    </p:extLst>
+  </p:cSld>
+  <p:clrMapOvr>
+    <a:masterClrMapping/>
+  </p:clrMapOvr>
+</p:notes>
+</file>
+
+<file path=ppt/notesSlides/notesSlide18.xml><?xml version="1.0" encoding="utf-8"?>
+<p:notes xmlns:a="http://schemas.openxmlformats.org/drawingml/2006/main" xmlns:r="http://schemas.openxmlformats.org/officeDocument/2006/relationships" xmlns:p="http://schemas.openxmlformats.org/presentationml/2006/main">
+  <p:cSld>
+    <p:spTree>
+      <p:nvGrpSpPr>
+        <p:cNvPr id="1" name=""/>
+        <p:cNvGrpSpPr/>
+        <p:nvPr/>
+      </p:nvGrpSpPr>
+      <p:grpSpPr>
+        <a:xfrm>
+          <a:off x="0" y="0"/>
+          <a:ext cx="0" cy="0"/>
+          <a:chOff x="0" y="0"/>
+          <a:chExt cx="0" cy="0"/>
+        </a:xfrm>
+      </p:grpSpPr>
+      <p:sp>
+        <p:nvSpPr>
+          <p:cNvPr id="2" name="Tijdelijke aanduiding voor dia-afbeelding 1"/>
+          <p:cNvSpPr>
+            <a:spLocks noGrp="1" noRot="1" noChangeAspect="1"/>
+          </p:cNvSpPr>
+          <p:nvPr>
+            <p:ph type="sldImg"/>
+          </p:nvPr>
+        </p:nvSpPr>
+        <p:spPr/>
+      </p:sp>
+      <p:sp>
+        <p:nvSpPr>
+          <p:cNvPr id="3" name="Tijdelijke aanduiding voor notities 2"/>
+          <p:cNvSpPr>
+            <a:spLocks noGrp="1"/>
+          </p:cNvSpPr>
+          <p:nvPr>
+            <p:ph type="body" idx="1"/>
+          </p:nvPr>
+        </p:nvSpPr>
+        <p:spPr/>
+        <p:txBody>
+          <a:bodyPr/>
+          <a:lstStyle/>
+          <a:p>
+            <a:endParaRPr lang="nl-NL" dirty="0"/>
+          </a:p>
+        </p:txBody>
+      </p:sp>
+      <p:sp>
+        <p:nvSpPr>
+          <p:cNvPr id="4" name="Tijdelijke aanduiding voor dianummer 3"/>
+          <p:cNvSpPr>
+            <a:spLocks noGrp="1"/>
+          </p:cNvSpPr>
+          <p:nvPr>
+            <p:ph type="sldNum" sz="quarter" idx="10"/>
+          </p:nvPr>
+        </p:nvSpPr>
+        <p:spPr/>
+        <p:txBody>
+          <a:bodyPr/>
+          <a:lstStyle/>
+          <a:p>
+            <a:fld id="{07AFDD2F-8185-AE44-B151-7DD2FEC944A2}" type="slidenum">
+              <a:rPr lang="nl-NL" smtClean="0"/>
+              <a:t>22</a:t>
             </a:fld>
             <a:endParaRPr lang="nl-NL"/>
           </a:p>
@@ -16620,14 +17045,14 @@
       </p:grpSpPr>
       <p:pic>
         <p:nvPicPr>
-          <p:cNvPr id="3" name="Afbeelding 2"/>
+          <p:cNvPr id="17" name="Afbeelding 16"/>
           <p:cNvPicPr>
             <a:picLocks noChangeAspect="1"/>
           </p:cNvPicPr>
           <p:nvPr/>
         </p:nvPicPr>
         <p:blipFill>
-          <a:blip r:embed="rId3" cstate="print">
+          <a:blip r:embed="rId3">
             <a:extLst>
               <a:ext uri="{28A0092B-C50C-407E-A947-70E740481C1C}">
                 <a14:useLocalDpi xmlns:a14="http://schemas.microsoft.com/office/drawing/2010/main" val="0"/>
@@ -16640,8 +17065,8 @@
         </p:blipFill>
         <p:spPr>
           <a:xfrm>
-            <a:off x="2706579" y="2106831"/>
-            <a:ext cx="5066727" cy="4413576"/>
+            <a:off x="2413575" y="1950283"/>
+            <a:ext cx="5586708" cy="4680275"/>
           </a:xfrm>
           <a:prstGeom prst="rect">
             <a:avLst/>
@@ -19094,9 +19519,18 @@
             </a:r>
           </a:p>
           <a:p>
+            <a:pPr lvl="1"/>
             <a:r>
               <a:rPr lang="nl-NL" dirty="0" smtClean="0"/>
-              <a:t>Zeg hier iets XXXXXXXXC@#$@#@%$!</a:t>
+              <a:t>Resultaat voor kaart 1 : </a:t>
+            </a:r>
+            <a:r>
+              <a:rPr lang="nl-NL" dirty="0" err="1" smtClean="0"/>
+              <a:t>Rajasthan</a:t>
+            </a:r>
+            <a:r>
+              <a:rPr lang="nl-NL" dirty="0" smtClean="0"/>
+              <a:t> , India</a:t>
             </a:r>
             <a:endParaRPr lang="nl-NL" dirty="0"/>
           </a:p>
@@ -19134,14 +19568,14 @@
       </p:pic>
       <p:pic>
         <p:nvPicPr>
-          <p:cNvPr id="26" name="Afbeelding 25"/>
+          <p:cNvPr id="27" name="Afbeelding 26"/>
           <p:cNvPicPr>
             <a:picLocks noChangeAspect="1"/>
           </p:cNvPicPr>
           <p:nvPr/>
         </p:nvPicPr>
         <p:blipFill>
-          <a:blip r:embed="rId4" cstate="print">
+          <a:blip r:embed="rId4">
             <a:extLst>
               <a:ext uri="{28A0092B-C50C-407E-A947-70E740481C1C}">
                 <a14:useLocalDpi xmlns:a14="http://schemas.microsoft.com/office/drawing/2010/main" val="0"/>
@@ -19154,8 +19588,8 @@
         </p:blipFill>
         <p:spPr>
           <a:xfrm>
-            <a:off x="5059770" y="3315476"/>
-            <a:ext cx="2855297" cy="2487221"/>
+            <a:off x="4761319" y="3159462"/>
+            <a:ext cx="3256960" cy="2728524"/>
           </a:xfrm>
           <a:prstGeom prst="rect">
             <a:avLst/>
@@ -20810,6 +21244,825 @@
           <a:chExt cx="0" cy="0"/>
         </a:xfrm>
       </p:grpSpPr>
+      <p:pic>
+        <p:nvPicPr>
+          <p:cNvPr id="6" name="Afbeelding 5"/>
+          <p:cNvPicPr>
+            <a:picLocks noChangeAspect="1"/>
+          </p:cNvPicPr>
+          <p:nvPr/>
+        </p:nvPicPr>
+        <p:blipFill>
+          <a:blip r:embed="rId3">
+            <a:extLst>
+              <a:ext uri="{28A0092B-C50C-407E-A947-70E740481C1C}">
+                <a14:useLocalDpi xmlns:a14="http://schemas.microsoft.com/office/drawing/2010/main" val="0"/>
+              </a:ext>
+            </a:extLst>
+          </a:blip>
+          <a:stretch>
+            <a:fillRect/>
+          </a:stretch>
+        </p:blipFill>
+        <p:spPr>
+          <a:xfrm>
+            <a:off x="988937" y="1947967"/>
+            <a:ext cx="5586708" cy="4680275"/>
+          </a:xfrm>
+          <a:prstGeom prst="rect">
+            <a:avLst/>
+          </a:prstGeom>
+        </p:spPr>
+      </p:pic>
+      <p:grpSp>
+        <p:nvGrpSpPr>
+          <p:cNvPr id="4" name="组合 1"/>
+          <p:cNvGrpSpPr/>
+          <p:nvPr/>
+        </p:nvGrpSpPr>
+        <p:grpSpPr>
+          <a:xfrm rot="5400000">
+            <a:off x="4883389" y="3070657"/>
+            <a:ext cx="6858000" cy="716692"/>
+            <a:chOff x="0" y="2391141"/>
+            <a:chExt cx="9144000" cy="1021271"/>
+          </a:xfrm>
+        </p:grpSpPr>
+        <p:cxnSp>
+          <p:nvCxnSpPr>
+            <p:cNvPr id="5" name="直接连接符 4"/>
+            <p:cNvCxnSpPr/>
+            <p:nvPr/>
+          </p:nvCxnSpPr>
+          <p:spPr>
+            <a:xfrm>
+              <a:off x="0" y="2899719"/>
+              <a:ext cx="9144000" cy="0"/>
+            </a:xfrm>
+            <a:prstGeom prst="line">
+              <a:avLst/>
+            </a:prstGeom>
+          </p:spPr>
+          <p:style>
+            <a:lnRef idx="1">
+              <a:schemeClr val="accent1"/>
+            </a:lnRef>
+            <a:fillRef idx="0">
+              <a:schemeClr val="accent1"/>
+            </a:fillRef>
+            <a:effectRef idx="0">
+              <a:schemeClr val="accent1"/>
+            </a:effectRef>
+            <a:fontRef idx="minor">
+              <a:schemeClr val="tx1"/>
+            </a:fontRef>
+          </p:style>
+        </p:cxnSp>
+        <p:sp>
+          <p:nvSpPr>
+            <p:cNvPr id="8" name="椭圆 7"/>
+            <p:cNvSpPr/>
+            <p:nvPr/>
+          </p:nvSpPr>
+          <p:spPr>
+            <a:xfrm>
+              <a:off x="4923650" y="2763793"/>
+              <a:ext cx="275970" cy="275970"/>
+            </a:xfrm>
+            <a:prstGeom prst="ellipse">
+              <a:avLst/>
+            </a:prstGeom>
+            <a:solidFill>
+              <a:srgbClr val="94CF50"/>
+            </a:solidFill>
+            <a:ln w="9525">
+              <a:solidFill>
+                <a:srgbClr val="10B349"/>
+              </a:solidFill>
+            </a:ln>
+          </p:spPr>
+          <p:style>
+            <a:lnRef idx="2">
+              <a:schemeClr val="accent1">
+                <a:shade val="50000"/>
+              </a:schemeClr>
+            </a:lnRef>
+            <a:fillRef idx="1">
+              <a:schemeClr val="accent1"/>
+            </a:fillRef>
+            <a:effectRef idx="0">
+              <a:schemeClr val="accent1"/>
+            </a:effectRef>
+            <a:fontRef idx="minor">
+              <a:schemeClr val="lt1"/>
+            </a:fontRef>
+          </p:style>
+          <p:txBody>
+            <a:bodyPr rtlCol="0" anchor="ctr"/>
+            <a:lstStyle/>
+            <a:p>
+              <a:pPr algn="ctr"/>
+              <a:endParaRPr lang="zh-CN" altLang="en-US"/>
+            </a:p>
+          </p:txBody>
+        </p:sp>
+        <p:sp>
+          <p:nvSpPr>
+            <p:cNvPr id="9" name="椭圆 8"/>
+            <p:cNvSpPr/>
+            <p:nvPr/>
+          </p:nvSpPr>
+          <p:spPr>
+            <a:xfrm>
+              <a:off x="6123802" y="2763793"/>
+              <a:ext cx="275970" cy="275970"/>
+            </a:xfrm>
+            <a:prstGeom prst="ellipse">
+              <a:avLst/>
+            </a:prstGeom>
+            <a:solidFill>
+              <a:srgbClr val="94CF50"/>
+            </a:solidFill>
+            <a:ln w="9525">
+              <a:solidFill>
+                <a:srgbClr val="10B349"/>
+              </a:solidFill>
+            </a:ln>
+          </p:spPr>
+          <p:style>
+            <a:lnRef idx="2">
+              <a:schemeClr val="accent1">
+                <a:shade val="50000"/>
+              </a:schemeClr>
+            </a:lnRef>
+            <a:fillRef idx="1">
+              <a:schemeClr val="accent1"/>
+            </a:fillRef>
+            <a:effectRef idx="0">
+              <a:schemeClr val="accent1"/>
+            </a:effectRef>
+            <a:fontRef idx="minor">
+              <a:schemeClr val="lt1"/>
+            </a:fontRef>
+          </p:style>
+          <p:txBody>
+            <a:bodyPr rtlCol="0" anchor="ctr"/>
+            <a:lstStyle/>
+            <a:p>
+              <a:pPr algn="ctr"/>
+              <a:endParaRPr lang="zh-CN" altLang="en-US"/>
+            </a:p>
+          </p:txBody>
+        </p:sp>
+        <p:sp>
+          <p:nvSpPr>
+            <p:cNvPr id="14" name="文本框 13"/>
+            <p:cNvSpPr txBox="1"/>
+            <p:nvPr/>
+          </p:nvSpPr>
+          <p:spPr>
+            <a:xfrm rot="16200000">
+              <a:off x="1614726" y="2429853"/>
+              <a:ext cx="1021271" cy="943848"/>
+            </a:xfrm>
+            <a:prstGeom prst="rect">
+              <a:avLst/>
+            </a:prstGeom>
+            <a:noFill/>
+          </p:spPr>
+          <p:txBody>
+            <a:bodyPr wrap="square" rtlCol="0">
+              <a:spAutoFit/>
+            </a:bodyPr>
+            <a:lstStyle/>
+            <a:p>
+              <a:pPr algn="ctr"/>
+              <a:r>
+                <a:rPr lang="en-US" altLang="zh-CN" sz="4000" dirty="0">
+                  <a:solidFill>
+                    <a:schemeClr val="bg1"/>
+                  </a:solidFill>
+                </a:rPr>
+                <a:t>1</a:t>
+              </a:r>
+              <a:endParaRPr lang="zh-CN" altLang="en-US" sz="4000" dirty="0">
+                <a:solidFill>
+                  <a:schemeClr val="bg1"/>
+                </a:solidFill>
+              </a:endParaRPr>
+            </a:p>
+          </p:txBody>
+        </p:sp>
+      </p:grpSp>
+      <p:sp>
+        <p:nvSpPr>
+          <p:cNvPr id="19" name="椭圆 9"/>
+          <p:cNvSpPr/>
+          <p:nvPr/>
+        </p:nvSpPr>
+        <p:spPr>
+          <a:xfrm rot="5400000">
+            <a:off x="8144024" y="2317181"/>
+            <a:ext cx="336725" cy="336534"/>
+          </a:xfrm>
+          <a:prstGeom prst="ellipse">
+            <a:avLst/>
+          </a:prstGeom>
+          <a:solidFill>
+            <a:srgbClr val="94CF50"/>
+          </a:solidFill>
+          <a:ln>
+            <a:solidFill>
+              <a:srgbClr val="10B349"/>
+            </a:solidFill>
+          </a:ln>
+        </p:spPr>
+        <p:style>
+          <a:lnRef idx="2">
+            <a:schemeClr val="accent1">
+              <a:shade val="50000"/>
+            </a:schemeClr>
+          </a:lnRef>
+          <a:fillRef idx="1">
+            <a:schemeClr val="accent1"/>
+          </a:fillRef>
+          <a:effectRef idx="0">
+            <a:schemeClr val="accent1"/>
+          </a:effectRef>
+          <a:fontRef idx="minor">
+            <a:schemeClr val="lt1"/>
+          </a:fontRef>
+        </p:style>
+        <p:txBody>
+          <a:bodyPr rtlCol="0" anchor="ctr"/>
+          <a:lstStyle/>
+          <a:p>
+            <a:pPr algn="ctr"/>
+            <a:endParaRPr lang="zh-CN" altLang="en-US"/>
+          </a:p>
+        </p:txBody>
+      </p:sp>
+      <p:sp>
+        <p:nvSpPr>
+          <p:cNvPr id="20" name="椭圆 9"/>
+          <p:cNvSpPr/>
+          <p:nvPr/>
+        </p:nvSpPr>
+        <p:spPr>
+          <a:xfrm rot="5400000">
+            <a:off x="8133291" y="3634138"/>
+            <a:ext cx="336725" cy="336534"/>
+          </a:xfrm>
+          <a:prstGeom prst="ellipse">
+            <a:avLst/>
+          </a:prstGeom>
+          <a:solidFill>
+            <a:srgbClr val="94CF50"/>
+          </a:solidFill>
+          <a:ln>
+            <a:solidFill>
+              <a:srgbClr val="10B349"/>
+            </a:solidFill>
+          </a:ln>
+        </p:spPr>
+        <p:style>
+          <a:lnRef idx="2">
+            <a:schemeClr val="accent1">
+              <a:shade val="50000"/>
+            </a:schemeClr>
+          </a:lnRef>
+          <a:fillRef idx="1">
+            <a:schemeClr val="accent1"/>
+          </a:fillRef>
+          <a:effectRef idx="0">
+            <a:schemeClr val="accent1"/>
+          </a:effectRef>
+          <a:fontRef idx="minor">
+            <a:schemeClr val="lt1"/>
+          </a:fontRef>
+        </p:style>
+        <p:txBody>
+          <a:bodyPr rtlCol="0" anchor="ctr"/>
+          <a:lstStyle/>
+          <a:p>
+            <a:pPr algn="ctr"/>
+            <a:endParaRPr lang="zh-CN" altLang="en-US"/>
+          </a:p>
+        </p:txBody>
+      </p:sp>
+      <p:sp>
+        <p:nvSpPr>
+          <p:cNvPr id="21" name="椭圆 9"/>
+          <p:cNvSpPr/>
+          <p:nvPr/>
+        </p:nvSpPr>
+        <p:spPr>
+          <a:xfrm rot="5400000">
+            <a:off x="8133290" y="4559183"/>
+            <a:ext cx="336725" cy="336534"/>
+          </a:xfrm>
+          <a:prstGeom prst="ellipse">
+            <a:avLst/>
+          </a:prstGeom>
+          <a:solidFill>
+            <a:srgbClr val="94CF50"/>
+          </a:solidFill>
+          <a:ln>
+            <a:solidFill>
+              <a:srgbClr val="10B349"/>
+            </a:solidFill>
+          </a:ln>
+        </p:spPr>
+        <p:style>
+          <a:lnRef idx="2">
+            <a:schemeClr val="accent1">
+              <a:shade val="50000"/>
+            </a:schemeClr>
+          </a:lnRef>
+          <a:fillRef idx="1">
+            <a:schemeClr val="accent1"/>
+          </a:fillRef>
+          <a:effectRef idx="0">
+            <a:schemeClr val="accent1"/>
+          </a:effectRef>
+          <a:fontRef idx="minor">
+            <a:schemeClr val="lt1"/>
+          </a:fontRef>
+        </p:style>
+        <p:txBody>
+          <a:bodyPr rtlCol="0" anchor="ctr"/>
+          <a:lstStyle/>
+          <a:p>
+            <a:pPr algn="ctr"/>
+            <a:endParaRPr lang="zh-CN" altLang="en-US"/>
+          </a:p>
+        </p:txBody>
+      </p:sp>
+      <p:sp>
+        <p:nvSpPr>
+          <p:cNvPr id="15" name="椭圆 5"/>
+          <p:cNvSpPr/>
+          <p:nvPr/>
+        </p:nvSpPr>
+        <p:spPr>
+          <a:xfrm rot="5400000">
+            <a:off x="7799582" y="3221026"/>
+            <a:ext cx="1025611" cy="959650"/>
+          </a:xfrm>
+          <a:prstGeom prst="ellipse">
+            <a:avLst/>
+          </a:prstGeom>
+          <a:solidFill>
+            <a:srgbClr val="94CF50"/>
+          </a:solidFill>
+          <a:ln w="76200">
+            <a:solidFill>
+              <a:srgbClr val="10B349"/>
+            </a:solidFill>
+          </a:ln>
+        </p:spPr>
+        <p:style>
+          <a:lnRef idx="2">
+            <a:schemeClr val="accent1">
+              <a:shade val="50000"/>
+            </a:schemeClr>
+          </a:lnRef>
+          <a:fillRef idx="1">
+            <a:schemeClr val="accent1"/>
+          </a:fillRef>
+          <a:effectRef idx="0">
+            <a:schemeClr val="accent1"/>
+          </a:effectRef>
+          <a:fontRef idx="minor">
+            <a:schemeClr val="lt1"/>
+          </a:fontRef>
+        </p:style>
+        <p:txBody>
+          <a:bodyPr rtlCol="0" anchor="ctr"/>
+          <a:lstStyle/>
+          <a:p>
+            <a:pPr algn="ctr"/>
+            <a:endParaRPr lang="zh-CN" altLang="en-US"/>
+          </a:p>
+        </p:txBody>
+      </p:sp>
+      <p:sp>
+        <p:nvSpPr>
+          <p:cNvPr id="17" name="椭圆 9"/>
+          <p:cNvSpPr/>
+          <p:nvPr/>
+        </p:nvSpPr>
+        <p:spPr>
+          <a:xfrm rot="5400000">
+            <a:off x="8144024" y="1441550"/>
+            <a:ext cx="336725" cy="336534"/>
+          </a:xfrm>
+          <a:prstGeom prst="ellipse">
+            <a:avLst/>
+          </a:prstGeom>
+          <a:solidFill>
+            <a:srgbClr val="94CF50"/>
+          </a:solidFill>
+          <a:ln>
+            <a:solidFill>
+              <a:srgbClr val="10B349"/>
+            </a:solidFill>
+          </a:ln>
+        </p:spPr>
+        <p:style>
+          <a:lnRef idx="2">
+            <a:schemeClr val="accent1">
+              <a:shade val="50000"/>
+            </a:schemeClr>
+          </a:lnRef>
+          <a:fillRef idx="1">
+            <a:schemeClr val="accent1"/>
+          </a:fillRef>
+          <a:effectRef idx="0">
+            <a:schemeClr val="accent1"/>
+          </a:effectRef>
+          <a:fontRef idx="minor">
+            <a:schemeClr val="lt1"/>
+          </a:fontRef>
+        </p:style>
+        <p:txBody>
+          <a:bodyPr rtlCol="0" anchor="ctr"/>
+          <a:lstStyle/>
+          <a:p>
+            <a:pPr algn="ctr"/>
+            <a:endParaRPr lang="zh-CN" altLang="en-US"/>
+          </a:p>
+        </p:txBody>
+      </p:sp>
+      <p:sp>
+        <p:nvSpPr>
+          <p:cNvPr id="18" name="文本框 13"/>
+          <p:cNvSpPr txBox="1"/>
+          <p:nvPr/>
+        </p:nvSpPr>
+        <p:spPr>
+          <a:xfrm>
+            <a:off x="7933248" y="3338797"/>
+            <a:ext cx="778065" cy="707886"/>
+          </a:xfrm>
+          <a:prstGeom prst="rect">
+            <a:avLst/>
+          </a:prstGeom>
+          <a:noFill/>
+        </p:spPr>
+        <p:txBody>
+          <a:bodyPr wrap="square" rtlCol="0">
+            <a:spAutoFit/>
+          </a:bodyPr>
+          <a:lstStyle/>
+          <a:p>
+            <a:pPr algn="ctr"/>
+            <a:r>
+              <a:rPr lang="en-US" altLang="zh-CN" sz="4000" smtClean="0">
+                <a:solidFill>
+                  <a:schemeClr val="bg1"/>
+                </a:solidFill>
+              </a:rPr>
+              <a:t>V3</a:t>
+            </a:r>
+            <a:endParaRPr lang="zh-CN" altLang="en-US" sz="4000" dirty="0">
+              <a:solidFill>
+                <a:schemeClr val="bg1"/>
+              </a:solidFill>
+            </a:endParaRPr>
+          </a:p>
+        </p:txBody>
+      </p:sp>
+      <p:sp>
+        <p:nvSpPr>
+          <p:cNvPr id="23" name="矩形 3"/>
+          <p:cNvSpPr/>
+          <p:nvPr/>
+        </p:nvSpPr>
+        <p:spPr>
+          <a:xfrm>
+            <a:off x="0" y="708454"/>
+            <a:ext cx="238897" cy="749643"/>
+          </a:xfrm>
+          <a:prstGeom prst="rect">
+            <a:avLst/>
+          </a:prstGeom>
+          <a:solidFill>
+            <a:srgbClr val="10B349"/>
+          </a:solidFill>
+          <a:ln>
+            <a:noFill/>
+          </a:ln>
+        </p:spPr>
+        <p:style>
+          <a:lnRef idx="2">
+            <a:schemeClr val="accent1">
+              <a:shade val="50000"/>
+            </a:schemeClr>
+          </a:lnRef>
+          <a:fillRef idx="1">
+            <a:schemeClr val="accent1"/>
+          </a:fillRef>
+          <a:effectRef idx="0">
+            <a:schemeClr val="accent1"/>
+          </a:effectRef>
+          <a:fontRef idx="minor">
+            <a:schemeClr val="lt1"/>
+          </a:fontRef>
+        </p:style>
+        <p:txBody>
+          <a:bodyPr rtlCol="0" anchor="ctr"/>
+          <a:lstStyle/>
+          <a:p>
+            <a:pPr algn="ctr"/>
+            <a:endParaRPr lang="zh-CN" altLang="en-US"/>
+          </a:p>
+        </p:txBody>
+      </p:sp>
+      <p:sp>
+        <p:nvSpPr>
+          <p:cNvPr id="24" name="文本框 4"/>
+          <p:cNvSpPr txBox="1"/>
+          <p:nvPr/>
+        </p:nvSpPr>
+        <p:spPr>
+          <a:xfrm>
+            <a:off x="238897" y="852442"/>
+            <a:ext cx="3543394" cy="461665"/>
+          </a:xfrm>
+          <a:prstGeom prst="rect">
+            <a:avLst/>
+          </a:prstGeom>
+          <a:noFill/>
+        </p:spPr>
+        <p:txBody>
+          <a:bodyPr wrap="square" rtlCol="0">
+            <a:spAutoFit/>
+          </a:bodyPr>
+          <a:lstStyle/>
+          <a:p>
+            <a:r>
+              <a:rPr lang="en-US" altLang="zh-CN" sz="2400" u="sng" dirty="0" smtClean="0"/>
+              <a:t>RESULTAAT</a:t>
+            </a:r>
+            <a:r>
+              <a:rPr lang="en-US" altLang="zh-CN" sz="2400" dirty="0" smtClean="0"/>
+              <a:t>: </a:t>
+            </a:r>
+            <a:r>
+              <a:rPr lang="en-US" altLang="zh-CN" sz="2400" dirty="0" err="1" smtClean="0"/>
+              <a:t>Aantal</a:t>
+            </a:r>
+            <a:r>
+              <a:rPr lang="en-US" altLang="zh-CN" sz="2400" dirty="0" smtClean="0"/>
+              <a:t> </a:t>
+            </a:r>
+            <a:r>
+              <a:rPr lang="en-US" altLang="zh-CN" sz="2400" dirty="0" err="1" smtClean="0"/>
+              <a:t>buren</a:t>
+            </a:r>
+            <a:endParaRPr lang="zh-CN" altLang="en-US" sz="2400" dirty="0"/>
+          </a:p>
+        </p:txBody>
+      </p:sp>
+      <p:sp>
+        <p:nvSpPr>
+          <p:cNvPr id="22" name="Content Placeholder 2"/>
+          <p:cNvSpPr txBox="1">
+            <a:spLocks/>
+          </p:cNvSpPr>
+          <p:nvPr/>
+        </p:nvSpPr>
+        <p:spPr>
+          <a:xfrm rot="16200000">
+            <a:off x="202734" y="1922674"/>
+            <a:ext cx="7315200" cy="6098067"/>
+          </a:xfrm>
+          <a:prstGeom prst="rect">
+            <a:avLst/>
+          </a:prstGeom>
+        </p:spPr>
+        <p:txBody>
+          <a:bodyPr vert="eaVert" lIns="91440" tIns="45720" rIns="91440" bIns="45720" rtlCol="0">
+            <a:normAutofit/>
+          </a:bodyPr>
+          <a:lstStyle>
+            <a:lvl1pPr marL="228600" indent="-228600" algn="l" defTabSz="914400" rtl="0" eaLnBrk="1" latinLnBrk="0" hangingPunct="1">
+              <a:lnSpc>
+                <a:spcPct val="90000"/>
+              </a:lnSpc>
+              <a:spcBef>
+                <a:spcPts val="1000"/>
+              </a:spcBef>
+              <a:buFont typeface="Arial" panose="020B0604020202020204" pitchFamily="34" charset="0"/>
+              <a:buChar char="•"/>
+              <a:defRPr sz="2800" kern="1200">
+                <a:solidFill>
+                  <a:schemeClr val="tx1"/>
+                </a:solidFill>
+                <a:latin typeface="+mn-lt"/>
+                <a:ea typeface="+mn-ea"/>
+                <a:cs typeface="+mn-cs"/>
+              </a:defRPr>
+            </a:lvl1pPr>
+            <a:lvl2pPr marL="685800" indent="-228600" algn="l" defTabSz="914400" rtl="0" eaLnBrk="1" latinLnBrk="0" hangingPunct="1">
+              <a:lnSpc>
+                <a:spcPct val="90000"/>
+              </a:lnSpc>
+              <a:spcBef>
+                <a:spcPts val="500"/>
+              </a:spcBef>
+              <a:buFont typeface="Arial" panose="020B0604020202020204" pitchFamily="34" charset="0"/>
+              <a:buChar char="•"/>
+              <a:defRPr sz="2400" kern="1200">
+                <a:solidFill>
+                  <a:schemeClr val="tx1"/>
+                </a:solidFill>
+                <a:latin typeface="+mn-lt"/>
+                <a:ea typeface="+mn-ea"/>
+                <a:cs typeface="+mn-cs"/>
+              </a:defRPr>
+            </a:lvl2pPr>
+            <a:lvl3pPr marL="1143000" indent="-228600" algn="l" defTabSz="914400" rtl="0" eaLnBrk="1" latinLnBrk="0" hangingPunct="1">
+              <a:lnSpc>
+                <a:spcPct val="90000"/>
+              </a:lnSpc>
+              <a:spcBef>
+                <a:spcPts val="500"/>
+              </a:spcBef>
+              <a:buFont typeface="Arial" panose="020B0604020202020204" pitchFamily="34" charset="0"/>
+              <a:buChar char="•"/>
+              <a:defRPr sz="2000" kern="1200">
+                <a:solidFill>
+                  <a:schemeClr val="tx1"/>
+                </a:solidFill>
+                <a:latin typeface="+mn-lt"/>
+                <a:ea typeface="+mn-ea"/>
+                <a:cs typeface="+mn-cs"/>
+              </a:defRPr>
+            </a:lvl3pPr>
+            <a:lvl4pPr marL="1600200" indent="-228600" algn="l" defTabSz="914400" rtl="0" eaLnBrk="1" latinLnBrk="0" hangingPunct="1">
+              <a:lnSpc>
+                <a:spcPct val="90000"/>
+              </a:lnSpc>
+              <a:spcBef>
+                <a:spcPts val="500"/>
+              </a:spcBef>
+              <a:buFont typeface="Arial" panose="020B0604020202020204" pitchFamily="34" charset="0"/>
+              <a:buChar char="•"/>
+              <a:defRPr sz="1800" kern="1200">
+                <a:solidFill>
+                  <a:schemeClr val="tx1"/>
+                </a:solidFill>
+                <a:latin typeface="+mn-lt"/>
+                <a:ea typeface="+mn-ea"/>
+                <a:cs typeface="+mn-cs"/>
+              </a:defRPr>
+            </a:lvl4pPr>
+            <a:lvl5pPr marL="2057400" indent="-228600" algn="l" defTabSz="914400" rtl="0" eaLnBrk="1" latinLnBrk="0" hangingPunct="1">
+              <a:lnSpc>
+                <a:spcPct val="90000"/>
+              </a:lnSpc>
+              <a:spcBef>
+                <a:spcPts val="500"/>
+              </a:spcBef>
+              <a:buFont typeface="Arial" panose="020B0604020202020204" pitchFamily="34" charset="0"/>
+              <a:buChar char="•"/>
+              <a:defRPr sz="1800" kern="1200">
+                <a:solidFill>
+                  <a:schemeClr val="tx1"/>
+                </a:solidFill>
+                <a:latin typeface="+mn-lt"/>
+                <a:ea typeface="+mn-ea"/>
+                <a:cs typeface="+mn-cs"/>
+              </a:defRPr>
+            </a:lvl5pPr>
+            <a:lvl6pPr marL="2514600" indent="-228600" algn="l" defTabSz="914400" rtl="0" eaLnBrk="1" latinLnBrk="0" hangingPunct="1">
+              <a:lnSpc>
+                <a:spcPct val="90000"/>
+              </a:lnSpc>
+              <a:spcBef>
+                <a:spcPts val="500"/>
+              </a:spcBef>
+              <a:buFont typeface="Arial" panose="020B0604020202020204" pitchFamily="34" charset="0"/>
+              <a:buChar char="•"/>
+              <a:defRPr sz="1800" kern="1200">
+                <a:solidFill>
+                  <a:schemeClr val="tx1"/>
+                </a:solidFill>
+                <a:latin typeface="+mn-lt"/>
+                <a:ea typeface="+mn-ea"/>
+                <a:cs typeface="+mn-cs"/>
+              </a:defRPr>
+            </a:lvl6pPr>
+            <a:lvl7pPr marL="2971800" indent="-228600" algn="l" defTabSz="914400" rtl="0" eaLnBrk="1" latinLnBrk="0" hangingPunct="1">
+              <a:lnSpc>
+                <a:spcPct val="90000"/>
+              </a:lnSpc>
+              <a:spcBef>
+                <a:spcPts val="500"/>
+              </a:spcBef>
+              <a:buFont typeface="Arial" panose="020B0604020202020204" pitchFamily="34" charset="0"/>
+              <a:buChar char="•"/>
+              <a:defRPr sz="1800" kern="1200">
+                <a:solidFill>
+                  <a:schemeClr val="tx1"/>
+                </a:solidFill>
+                <a:latin typeface="+mn-lt"/>
+                <a:ea typeface="+mn-ea"/>
+                <a:cs typeface="+mn-cs"/>
+              </a:defRPr>
+            </a:lvl7pPr>
+            <a:lvl8pPr marL="3429000" indent="-228600" algn="l" defTabSz="914400" rtl="0" eaLnBrk="1" latinLnBrk="0" hangingPunct="1">
+              <a:lnSpc>
+                <a:spcPct val="90000"/>
+              </a:lnSpc>
+              <a:spcBef>
+                <a:spcPts val="500"/>
+              </a:spcBef>
+              <a:buFont typeface="Arial" panose="020B0604020202020204" pitchFamily="34" charset="0"/>
+              <a:buChar char="•"/>
+              <a:defRPr sz="1800" kern="1200">
+                <a:solidFill>
+                  <a:schemeClr val="tx1"/>
+                </a:solidFill>
+                <a:latin typeface="+mn-lt"/>
+                <a:ea typeface="+mn-ea"/>
+                <a:cs typeface="+mn-cs"/>
+              </a:defRPr>
+            </a:lvl8pPr>
+            <a:lvl9pPr marL="3886200" indent="-228600" algn="l" defTabSz="914400" rtl="0" eaLnBrk="1" latinLnBrk="0" hangingPunct="1">
+              <a:lnSpc>
+                <a:spcPct val="90000"/>
+              </a:lnSpc>
+              <a:spcBef>
+                <a:spcPts val="500"/>
+              </a:spcBef>
+              <a:buFont typeface="Arial" panose="020B0604020202020204" pitchFamily="34" charset="0"/>
+              <a:buChar char="•"/>
+              <a:defRPr sz="1800" kern="1200">
+                <a:solidFill>
+                  <a:schemeClr val="tx1"/>
+                </a:solidFill>
+                <a:latin typeface="+mn-lt"/>
+                <a:ea typeface="+mn-ea"/>
+                <a:cs typeface="+mn-cs"/>
+              </a:defRPr>
+            </a:lvl9pPr>
+          </a:lstStyle>
+          <a:p>
+            <a:pPr marL="0" indent="0">
+              <a:buNone/>
+            </a:pPr>
+            <a:endParaRPr lang="nl-NL" sz="1050" dirty="0" smtClean="0"/>
+          </a:p>
+          <a:p>
+            <a:r>
+              <a:rPr lang="nl-NL" dirty="0" smtClean="0"/>
+              <a:t>Kaarten: </a:t>
+            </a:r>
+            <a:r>
+              <a:rPr lang="nl-NL" dirty="0" err="1" smtClean="0"/>
+              <a:t>Rajasthan</a:t>
+            </a:r>
+            <a:r>
+              <a:rPr lang="nl-NL" dirty="0" smtClean="0"/>
+              <a:t>, Indië</a:t>
+            </a:r>
+            <a:endParaRPr lang="nl-NL" dirty="0"/>
+          </a:p>
+        </p:txBody>
+      </p:sp>
+    </p:spTree>
+    <p:extLst>
+      <p:ext uri="{BB962C8B-B14F-4D97-AF65-F5344CB8AC3E}">
+        <p14:creationId xmlns:p14="http://schemas.microsoft.com/office/powerpoint/2010/main" val="1435001171"/>
+      </p:ext>
+    </p:extLst>
+  </p:cSld>
+  <p:clrMapOvr>
+    <a:masterClrMapping/>
+  </p:clrMapOvr>
+</p:sld>
+</file>
+
+<file path=ppt/slides/slide16.xml><?xml version="1.0" encoding="utf-8"?>
+<p:sld xmlns:a="http://schemas.openxmlformats.org/drawingml/2006/main" xmlns:r="http://schemas.openxmlformats.org/officeDocument/2006/relationships" xmlns:p="http://schemas.openxmlformats.org/presentationml/2006/main">
+  <p:cSld>
+    <p:spTree>
+      <p:nvGrpSpPr>
+        <p:cNvPr id="1" name=""/>
+        <p:cNvGrpSpPr/>
+        <p:nvPr/>
+      </p:nvGrpSpPr>
+      <p:grpSpPr>
+        <a:xfrm>
+          <a:off x="0" y="0"/>
+          <a:ext cx="0" cy="0"/>
+          <a:chOff x="0" y="0"/>
+          <a:chExt cx="0" cy="0"/>
+        </a:xfrm>
+      </p:grpSpPr>
       <p:grpSp>
         <p:nvGrpSpPr>
           <p:cNvPr id="4" name="组合 1"/>
@@ -21554,17 +22807,47 @@
           </a:p>
           <a:p>
             <a:r>
-              <a:rPr lang="nl-NL" smtClean="0"/>
-              <a:t>Kaarten: India</a:t>
+              <a:rPr lang="nl-NL" dirty="0" smtClean="0"/>
+              <a:t>Kaarten: Spanje</a:t>
             </a:r>
             <a:endParaRPr lang="nl-NL" dirty="0"/>
           </a:p>
         </p:txBody>
       </p:sp>
+      <p:pic>
+        <p:nvPicPr>
+          <p:cNvPr id="3" name="Afbeelding 2"/>
+          <p:cNvPicPr>
+            <a:picLocks noChangeAspect="1"/>
+          </p:cNvPicPr>
+          <p:nvPr/>
+        </p:nvPicPr>
+        <p:blipFill>
+          <a:blip r:embed="rId3" cstate="print">
+            <a:extLst>
+              <a:ext uri="{28A0092B-C50C-407E-A947-70E740481C1C}">
+                <a14:useLocalDpi xmlns:a14="http://schemas.microsoft.com/office/drawing/2010/main" val="0"/>
+              </a:ext>
+            </a:extLst>
+          </a:blip>
+          <a:stretch>
+            <a:fillRect/>
+          </a:stretch>
+        </p:blipFill>
+        <p:spPr>
+          <a:xfrm>
+            <a:off x="1439179" y="2385526"/>
+            <a:ext cx="5334945" cy="4414655"/>
+          </a:xfrm>
+          <a:prstGeom prst="rect">
+            <a:avLst/>
+          </a:prstGeom>
+        </p:spPr>
+      </p:pic>
     </p:spTree>
     <p:extLst>
       <p:ext uri="{BB962C8B-B14F-4D97-AF65-F5344CB8AC3E}">
-        <p14:creationId xmlns:p14="http://schemas.microsoft.com/office/powerpoint/2010/main" val="750679664"/>
+        <p14:creationId xmlns:p14="http://schemas.microsoft.com/office/powerpoint/2010/main" val="1199680559"/>
       </p:ext>
     </p:extLst>
   </p:cSld>
@@ -21574,17 +22857,9 @@
 </p:sld>
 </file>
 
-<file path=ppt/slides/slide16.xml><?xml version="1.0" encoding="utf-8"?>
+<file path=ppt/slides/slide17.xml><?xml version="1.0" encoding="utf-8"?>
 <p:sld xmlns:a="http://schemas.openxmlformats.org/drawingml/2006/main" xmlns:r="http://schemas.openxmlformats.org/officeDocument/2006/relationships" xmlns:p="http://schemas.openxmlformats.org/presentationml/2006/main">
   <p:cSld>
-    <p:bg>
-      <p:bgPr>
-        <a:solidFill>
-          <a:schemeClr val="bg1"/>
-        </a:solidFill>
-        <a:effectLst/>
-      </p:bgPr>
-    </p:bg>
     <p:spTree>
       <p:nvGrpSpPr>
         <p:cNvPr id="1" name=""/>
@@ -21599,6 +22874,36 @@
           <a:chExt cx="0" cy="0"/>
         </a:xfrm>
       </p:grpSpPr>
+      <p:pic>
+        <p:nvPicPr>
+          <p:cNvPr id="2" name="Afbeelding 1"/>
+          <p:cNvPicPr>
+            <a:picLocks noChangeAspect="1"/>
+          </p:cNvPicPr>
+          <p:nvPr/>
+        </p:nvPicPr>
+        <p:blipFill>
+          <a:blip r:embed="rId3" cstate="print">
+            <a:extLst>
+              <a:ext uri="{28A0092B-C50C-407E-A947-70E740481C1C}">
+                <a14:useLocalDpi xmlns:a14="http://schemas.microsoft.com/office/drawing/2010/main" val="0"/>
+              </a:ext>
+            </a:extLst>
+          </a:blip>
+          <a:stretch>
+            <a:fillRect/>
+          </a:stretch>
+        </p:blipFill>
+        <p:spPr>
+          <a:xfrm>
+            <a:off x="541598" y="2317085"/>
+            <a:ext cx="6708365" cy="4205157"/>
+          </a:xfrm>
+          <a:prstGeom prst="rect">
+            <a:avLst/>
+          </a:prstGeom>
+        </p:spPr>
+      </p:pic>
       <p:grpSp>
         <p:nvGrpSpPr>
           <p:cNvPr id="4" name="组合 1"/>
@@ -21643,6 +22948,54 @@
             </a:fontRef>
           </p:style>
         </p:cxnSp>
+        <p:sp>
+          <p:nvSpPr>
+            <p:cNvPr id="8" name="椭圆 7"/>
+            <p:cNvSpPr/>
+            <p:nvPr/>
+          </p:nvSpPr>
+          <p:spPr>
+            <a:xfrm>
+              <a:off x="4923650" y="2763793"/>
+              <a:ext cx="275970" cy="275970"/>
+            </a:xfrm>
+            <a:prstGeom prst="ellipse">
+              <a:avLst/>
+            </a:prstGeom>
+            <a:solidFill>
+              <a:srgbClr val="94CF50"/>
+            </a:solidFill>
+            <a:ln w="9525">
+              <a:solidFill>
+                <a:srgbClr val="10B349"/>
+              </a:solidFill>
+            </a:ln>
+          </p:spPr>
+          <p:style>
+            <a:lnRef idx="2">
+              <a:schemeClr val="accent1">
+                <a:shade val="50000"/>
+              </a:schemeClr>
+            </a:lnRef>
+            <a:fillRef idx="1">
+              <a:schemeClr val="accent1"/>
+            </a:fillRef>
+            <a:effectRef idx="0">
+              <a:schemeClr val="accent1"/>
+            </a:effectRef>
+            <a:fontRef idx="minor">
+              <a:schemeClr val="lt1"/>
+            </a:fontRef>
+          </p:style>
+          <p:txBody>
+            <a:bodyPr rtlCol="0" anchor="ctr"/>
+            <a:lstStyle/>
+            <a:p>
+              <a:pPr algn="ctr"/>
+              <a:endParaRPr lang="zh-CN" altLang="en-US"/>
+            </a:p>
+          </p:txBody>
+        </p:sp>
         <p:sp>
           <p:nvSpPr>
             <p:cNvPr id="9" name="椭圆 8"/>
@@ -21787,7 +23140,7 @@
         </p:nvSpPr>
         <p:spPr>
           <a:xfrm rot="5400000">
-            <a:off x="8133290" y="3305329"/>
+            <a:off x="8133291" y="3634138"/>
             <a:ext cx="336725" cy="336534"/>
           </a:xfrm>
           <a:prstGeom prst="ellipse">
@@ -21877,6 +23230,54 @@
       </p:sp>
       <p:sp>
         <p:nvSpPr>
+          <p:cNvPr id="15" name="椭圆 5"/>
+          <p:cNvSpPr/>
+          <p:nvPr/>
+        </p:nvSpPr>
+        <p:spPr>
+          <a:xfrm rot="5400000">
+            <a:off x="7799582" y="3221026"/>
+            <a:ext cx="1025611" cy="959650"/>
+          </a:xfrm>
+          <a:prstGeom prst="ellipse">
+            <a:avLst/>
+          </a:prstGeom>
+          <a:solidFill>
+            <a:srgbClr val="94CF50"/>
+          </a:solidFill>
+          <a:ln w="76200">
+            <a:solidFill>
+              <a:srgbClr val="10B349"/>
+            </a:solidFill>
+          </a:ln>
+        </p:spPr>
+        <p:style>
+          <a:lnRef idx="2">
+            <a:schemeClr val="accent1">
+              <a:shade val="50000"/>
+            </a:schemeClr>
+          </a:lnRef>
+          <a:fillRef idx="1">
+            <a:schemeClr val="accent1"/>
+          </a:fillRef>
+          <a:effectRef idx="0">
+            <a:schemeClr val="accent1"/>
+          </a:effectRef>
+          <a:fontRef idx="minor">
+            <a:schemeClr val="lt1"/>
+          </a:fontRef>
+        </p:style>
+        <p:txBody>
+          <a:bodyPr rtlCol="0" anchor="ctr"/>
+          <a:lstStyle/>
+          <a:p>
+            <a:pPr algn="ctr"/>
+            <a:endParaRPr lang="zh-CN" altLang="en-US"/>
+          </a:p>
+        </p:txBody>
+      </p:sp>
+      <p:sp>
+        <p:nvSpPr>
           <p:cNvPr id="17" name="椭圆 9"/>
           <p:cNvSpPr/>
           <p:nvPr/>
@@ -21925,62 +23326,14 @@
       </p:sp>
       <p:sp>
         <p:nvSpPr>
-          <p:cNvPr id="23" name="椭圆 5"/>
-          <p:cNvSpPr/>
-          <p:nvPr/>
-        </p:nvSpPr>
-        <p:spPr>
-          <a:xfrm rot="5400000">
-            <a:off x="7801028" y="4320007"/>
-            <a:ext cx="1025611" cy="959650"/>
-          </a:xfrm>
-          <a:prstGeom prst="ellipse">
-            <a:avLst/>
-          </a:prstGeom>
-          <a:solidFill>
-            <a:srgbClr val="94CF50"/>
-          </a:solidFill>
-          <a:ln w="76200">
-            <a:solidFill>
-              <a:srgbClr val="10B349"/>
-            </a:solidFill>
-          </a:ln>
-        </p:spPr>
-        <p:style>
-          <a:lnRef idx="2">
-            <a:schemeClr val="accent1">
-              <a:shade val="50000"/>
-            </a:schemeClr>
-          </a:lnRef>
-          <a:fillRef idx="1">
-            <a:schemeClr val="accent1"/>
-          </a:fillRef>
-          <a:effectRef idx="0">
-            <a:schemeClr val="accent1"/>
-          </a:effectRef>
-          <a:fontRef idx="minor">
-            <a:schemeClr val="lt1"/>
-          </a:fontRef>
-        </p:style>
-        <p:txBody>
-          <a:bodyPr rtlCol="0" anchor="ctr"/>
-          <a:lstStyle/>
-          <a:p>
-            <a:pPr algn="ctr"/>
-            <a:endParaRPr lang="zh-CN" altLang="en-US"/>
-          </a:p>
-        </p:txBody>
-      </p:sp>
-      <p:sp>
-        <p:nvSpPr>
-          <p:cNvPr id="24" name="文本框 13"/>
+          <p:cNvPr id="18" name="文本框 13"/>
           <p:cNvSpPr txBox="1"/>
           <p:nvPr/>
         </p:nvSpPr>
         <p:spPr>
           <a:xfrm>
-            <a:off x="7893301" y="4445889"/>
-            <a:ext cx="838170" cy="707886"/>
+            <a:off x="7933248" y="3338797"/>
+            <a:ext cx="778065" cy="707886"/>
           </a:xfrm>
           <a:prstGeom prst="rect">
             <a:avLst/>
@@ -22000,7 +23353,7 @@
                   <a:schemeClr val="bg1"/>
                 </a:solidFill>
               </a:rPr>
-              <a:t>V4</a:t>
+              <a:t>V3</a:t>
             </a:r>
             <a:endParaRPr lang="zh-CN" altLang="en-US" sz="4000" dirty="0">
               <a:solidFill>
@@ -22012,7 +23365,7 @@
       </p:sp>
       <p:sp>
         <p:nvSpPr>
-          <p:cNvPr id="25" name="矩形 3"/>
+          <p:cNvPr id="23" name="矩形 3"/>
           <p:cNvSpPr/>
           <p:nvPr/>
         </p:nvSpPr>
@@ -22058,14 +23411,14 @@
       </p:sp>
       <p:sp>
         <p:nvSpPr>
-          <p:cNvPr id="26" name="文本框 4"/>
+          <p:cNvPr id="24" name="文本框 4"/>
           <p:cNvSpPr txBox="1"/>
           <p:nvPr/>
         </p:nvSpPr>
         <p:spPr>
           <a:xfrm>
-            <a:off x="238896" y="852442"/>
-            <a:ext cx="6064921" cy="461665"/>
+            <a:off x="238897" y="852442"/>
+            <a:ext cx="3543394" cy="461665"/>
           </a:xfrm>
           <a:prstGeom prst="rect">
             <a:avLst/>
@@ -22080,7 +23433,7 @@
           <a:p>
             <a:r>
               <a:rPr lang="en-US" altLang="zh-CN" sz="2400" u="sng" dirty="0" smtClean="0"/>
-              <a:t>METHODE</a:t>
+              <a:t>RESULTAAT</a:t>
             </a:r>
             <a:r>
               <a:rPr lang="en-US" altLang="zh-CN" sz="2400" dirty="0" smtClean="0"/>
@@ -22088,7 +23441,7 @@
             </a:r>
             <a:r>
               <a:rPr lang="en-US" altLang="zh-CN" sz="2400" dirty="0" err="1" smtClean="0"/>
-              <a:t>Toepassen</a:t>
+              <a:t>Aantal</a:t>
             </a:r>
             <a:r>
               <a:rPr lang="en-US" altLang="zh-CN" sz="2400" dirty="0" smtClean="0"/>
@@ -22096,24 +23449,216 @@
             </a:r>
             <a:r>
               <a:rPr lang="en-US" altLang="zh-CN" sz="2400" dirty="0" err="1" smtClean="0"/>
-              <a:t>controle</a:t>
-            </a:r>
-            <a:r>
-              <a:rPr lang="en-US" altLang="zh-CN" sz="2400" dirty="0" smtClean="0"/>
-              <a:t> </a:t>
-            </a:r>
-            <a:r>
-              <a:rPr lang="en-US" altLang="zh-CN" sz="2400" dirty="0" err="1" smtClean="0"/>
-              <a:t>theorie</a:t>
+              <a:t>buren</a:t>
             </a:r>
             <a:endParaRPr lang="zh-CN" altLang="en-US" sz="2400" dirty="0"/>
+          </a:p>
+        </p:txBody>
+      </p:sp>
+      <p:sp>
+        <p:nvSpPr>
+          <p:cNvPr id="22" name="Content Placeholder 2"/>
+          <p:cNvSpPr txBox="1">
+            <a:spLocks/>
+          </p:cNvSpPr>
+          <p:nvPr/>
+        </p:nvSpPr>
+        <p:spPr>
+          <a:xfrm rot="16200000">
+            <a:off x="219367" y="2186628"/>
+            <a:ext cx="7315200" cy="6098067"/>
+          </a:xfrm>
+          <a:prstGeom prst="rect">
+            <a:avLst/>
+          </a:prstGeom>
+        </p:spPr>
+        <p:txBody>
+          <a:bodyPr vert="eaVert" lIns="91440" tIns="45720" rIns="91440" bIns="45720" rtlCol="0">
+            <a:normAutofit/>
+          </a:bodyPr>
+          <a:lstStyle>
+            <a:lvl1pPr marL="228600" indent="-228600" algn="l" defTabSz="914400" rtl="0" eaLnBrk="1" latinLnBrk="0" hangingPunct="1">
+              <a:lnSpc>
+                <a:spcPct val="90000"/>
+              </a:lnSpc>
+              <a:spcBef>
+                <a:spcPts val="1000"/>
+              </a:spcBef>
+              <a:buFont typeface="Arial" panose="020B0604020202020204" pitchFamily="34" charset="0"/>
+              <a:buChar char="•"/>
+              <a:defRPr sz="2800" kern="1200">
+                <a:solidFill>
+                  <a:schemeClr val="tx1"/>
+                </a:solidFill>
+                <a:latin typeface="+mn-lt"/>
+                <a:ea typeface="+mn-ea"/>
+                <a:cs typeface="+mn-cs"/>
+              </a:defRPr>
+            </a:lvl1pPr>
+            <a:lvl2pPr marL="685800" indent="-228600" algn="l" defTabSz="914400" rtl="0" eaLnBrk="1" latinLnBrk="0" hangingPunct="1">
+              <a:lnSpc>
+                <a:spcPct val="90000"/>
+              </a:lnSpc>
+              <a:spcBef>
+                <a:spcPts val="500"/>
+              </a:spcBef>
+              <a:buFont typeface="Arial" panose="020B0604020202020204" pitchFamily="34" charset="0"/>
+              <a:buChar char="•"/>
+              <a:defRPr sz="2400" kern="1200">
+                <a:solidFill>
+                  <a:schemeClr val="tx1"/>
+                </a:solidFill>
+                <a:latin typeface="+mn-lt"/>
+                <a:ea typeface="+mn-ea"/>
+                <a:cs typeface="+mn-cs"/>
+              </a:defRPr>
+            </a:lvl2pPr>
+            <a:lvl3pPr marL="1143000" indent="-228600" algn="l" defTabSz="914400" rtl="0" eaLnBrk="1" latinLnBrk="0" hangingPunct="1">
+              <a:lnSpc>
+                <a:spcPct val="90000"/>
+              </a:lnSpc>
+              <a:spcBef>
+                <a:spcPts val="500"/>
+              </a:spcBef>
+              <a:buFont typeface="Arial" panose="020B0604020202020204" pitchFamily="34" charset="0"/>
+              <a:buChar char="•"/>
+              <a:defRPr sz="2000" kern="1200">
+                <a:solidFill>
+                  <a:schemeClr val="tx1"/>
+                </a:solidFill>
+                <a:latin typeface="+mn-lt"/>
+                <a:ea typeface="+mn-ea"/>
+                <a:cs typeface="+mn-cs"/>
+              </a:defRPr>
+            </a:lvl3pPr>
+            <a:lvl4pPr marL="1600200" indent="-228600" algn="l" defTabSz="914400" rtl="0" eaLnBrk="1" latinLnBrk="0" hangingPunct="1">
+              <a:lnSpc>
+                <a:spcPct val="90000"/>
+              </a:lnSpc>
+              <a:spcBef>
+                <a:spcPts val="500"/>
+              </a:spcBef>
+              <a:buFont typeface="Arial" panose="020B0604020202020204" pitchFamily="34" charset="0"/>
+              <a:buChar char="•"/>
+              <a:defRPr sz="1800" kern="1200">
+                <a:solidFill>
+                  <a:schemeClr val="tx1"/>
+                </a:solidFill>
+                <a:latin typeface="+mn-lt"/>
+                <a:ea typeface="+mn-ea"/>
+                <a:cs typeface="+mn-cs"/>
+              </a:defRPr>
+            </a:lvl4pPr>
+            <a:lvl5pPr marL="2057400" indent="-228600" algn="l" defTabSz="914400" rtl="0" eaLnBrk="1" latinLnBrk="0" hangingPunct="1">
+              <a:lnSpc>
+                <a:spcPct val="90000"/>
+              </a:lnSpc>
+              <a:spcBef>
+                <a:spcPts val="500"/>
+              </a:spcBef>
+              <a:buFont typeface="Arial" panose="020B0604020202020204" pitchFamily="34" charset="0"/>
+              <a:buChar char="•"/>
+              <a:defRPr sz="1800" kern="1200">
+                <a:solidFill>
+                  <a:schemeClr val="tx1"/>
+                </a:solidFill>
+                <a:latin typeface="+mn-lt"/>
+                <a:ea typeface="+mn-ea"/>
+                <a:cs typeface="+mn-cs"/>
+              </a:defRPr>
+            </a:lvl5pPr>
+            <a:lvl6pPr marL="2514600" indent="-228600" algn="l" defTabSz="914400" rtl="0" eaLnBrk="1" latinLnBrk="0" hangingPunct="1">
+              <a:lnSpc>
+                <a:spcPct val="90000"/>
+              </a:lnSpc>
+              <a:spcBef>
+                <a:spcPts val="500"/>
+              </a:spcBef>
+              <a:buFont typeface="Arial" panose="020B0604020202020204" pitchFamily="34" charset="0"/>
+              <a:buChar char="•"/>
+              <a:defRPr sz="1800" kern="1200">
+                <a:solidFill>
+                  <a:schemeClr val="tx1"/>
+                </a:solidFill>
+                <a:latin typeface="+mn-lt"/>
+                <a:ea typeface="+mn-ea"/>
+                <a:cs typeface="+mn-cs"/>
+              </a:defRPr>
+            </a:lvl6pPr>
+            <a:lvl7pPr marL="2971800" indent="-228600" algn="l" defTabSz="914400" rtl="0" eaLnBrk="1" latinLnBrk="0" hangingPunct="1">
+              <a:lnSpc>
+                <a:spcPct val="90000"/>
+              </a:lnSpc>
+              <a:spcBef>
+                <a:spcPts val="500"/>
+              </a:spcBef>
+              <a:buFont typeface="Arial" panose="020B0604020202020204" pitchFamily="34" charset="0"/>
+              <a:buChar char="•"/>
+              <a:defRPr sz="1800" kern="1200">
+                <a:solidFill>
+                  <a:schemeClr val="tx1"/>
+                </a:solidFill>
+                <a:latin typeface="+mn-lt"/>
+                <a:ea typeface="+mn-ea"/>
+                <a:cs typeface="+mn-cs"/>
+              </a:defRPr>
+            </a:lvl7pPr>
+            <a:lvl8pPr marL="3429000" indent="-228600" algn="l" defTabSz="914400" rtl="0" eaLnBrk="1" latinLnBrk="0" hangingPunct="1">
+              <a:lnSpc>
+                <a:spcPct val="90000"/>
+              </a:lnSpc>
+              <a:spcBef>
+                <a:spcPts val="500"/>
+              </a:spcBef>
+              <a:buFont typeface="Arial" panose="020B0604020202020204" pitchFamily="34" charset="0"/>
+              <a:buChar char="•"/>
+              <a:defRPr sz="1800" kern="1200">
+                <a:solidFill>
+                  <a:schemeClr val="tx1"/>
+                </a:solidFill>
+                <a:latin typeface="+mn-lt"/>
+                <a:ea typeface="+mn-ea"/>
+                <a:cs typeface="+mn-cs"/>
+              </a:defRPr>
+            </a:lvl8pPr>
+            <a:lvl9pPr marL="3886200" indent="-228600" algn="l" defTabSz="914400" rtl="0" eaLnBrk="1" latinLnBrk="0" hangingPunct="1">
+              <a:lnSpc>
+                <a:spcPct val="90000"/>
+              </a:lnSpc>
+              <a:spcBef>
+                <a:spcPts val="500"/>
+              </a:spcBef>
+              <a:buFont typeface="Arial" panose="020B0604020202020204" pitchFamily="34" charset="0"/>
+              <a:buChar char="•"/>
+              <a:defRPr sz="1800" kern="1200">
+                <a:solidFill>
+                  <a:schemeClr val="tx1"/>
+                </a:solidFill>
+                <a:latin typeface="+mn-lt"/>
+                <a:ea typeface="+mn-ea"/>
+                <a:cs typeface="+mn-cs"/>
+              </a:defRPr>
+            </a:lvl9pPr>
+          </a:lstStyle>
+          <a:p>
+            <a:pPr marL="0" indent="0">
+              <a:buNone/>
+            </a:pPr>
+            <a:endParaRPr lang="nl-NL" sz="1050" dirty="0" smtClean="0"/>
+          </a:p>
+          <a:p>
+            <a:r>
+              <a:rPr lang="nl-NL" dirty="0" smtClean="0"/>
+              <a:t>Kaarten: Pennsylvania, USA</a:t>
+            </a:r>
+            <a:endParaRPr lang="nl-NL" dirty="0"/>
           </a:p>
         </p:txBody>
       </p:sp>
     </p:spTree>
     <p:extLst>
       <p:ext uri="{BB962C8B-B14F-4D97-AF65-F5344CB8AC3E}">
-        <p14:creationId xmlns:p14="http://schemas.microsoft.com/office/powerpoint/2010/main" val="1369678468"/>
+        <p14:creationId xmlns:p14="http://schemas.microsoft.com/office/powerpoint/2010/main" val="750679664"/>
       </p:ext>
     </p:extLst>
   </p:cSld>
@@ -22123,7 +23668,7 @@
 </p:sld>
 </file>
 
-<file path=ppt/slides/slide17.xml><?xml version="1.0" encoding="utf-8"?>
+<file path=ppt/slides/slide18.xml><?xml version="1.0" encoding="utf-8"?>
 <p:sld xmlns:a="http://schemas.openxmlformats.org/drawingml/2006/main" xmlns:r="http://schemas.openxmlformats.org/officeDocument/2006/relationships" xmlns:p="http://schemas.openxmlformats.org/presentationml/2006/main">
   <p:cSld>
     <p:spTree>
@@ -22184,6 +23729,54 @@
             </a:fontRef>
           </p:style>
         </p:cxnSp>
+        <p:sp>
+          <p:nvSpPr>
+            <p:cNvPr id="8" name="椭圆 7"/>
+            <p:cNvSpPr/>
+            <p:nvPr/>
+          </p:nvSpPr>
+          <p:spPr>
+            <a:xfrm>
+              <a:off x="4923650" y="2763793"/>
+              <a:ext cx="275970" cy="275970"/>
+            </a:xfrm>
+            <a:prstGeom prst="ellipse">
+              <a:avLst/>
+            </a:prstGeom>
+            <a:solidFill>
+              <a:srgbClr val="94CF50"/>
+            </a:solidFill>
+            <a:ln w="9525">
+              <a:solidFill>
+                <a:srgbClr val="10B349"/>
+              </a:solidFill>
+            </a:ln>
+          </p:spPr>
+          <p:style>
+            <a:lnRef idx="2">
+              <a:schemeClr val="accent1">
+                <a:shade val="50000"/>
+              </a:schemeClr>
+            </a:lnRef>
+            <a:fillRef idx="1">
+              <a:schemeClr val="accent1"/>
+            </a:fillRef>
+            <a:effectRef idx="0">
+              <a:schemeClr val="accent1"/>
+            </a:effectRef>
+            <a:fontRef idx="minor">
+              <a:schemeClr val="lt1"/>
+            </a:fontRef>
+          </p:style>
+          <p:txBody>
+            <a:bodyPr rtlCol="0" anchor="ctr"/>
+            <a:lstStyle/>
+            <a:p>
+              <a:pPr algn="ctr"/>
+              <a:endParaRPr lang="zh-CN" altLang="en-US"/>
+            </a:p>
+          </p:txBody>
+        </p:sp>
         <p:sp>
           <p:nvSpPr>
             <p:cNvPr id="9" name="椭圆 8"/>
@@ -22328,7 +23921,7 @@
         </p:nvSpPr>
         <p:spPr>
           <a:xfrm rot="5400000">
-            <a:off x="8133290" y="3305329"/>
+            <a:off x="8133291" y="3634138"/>
             <a:ext cx="336725" cy="336534"/>
           </a:xfrm>
           <a:prstGeom prst="ellipse">
@@ -22418,6 +24011,54 @@
       </p:sp>
       <p:sp>
         <p:nvSpPr>
+          <p:cNvPr id="15" name="椭圆 5"/>
+          <p:cNvSpPr/>
+          <p:nvPr/>
+        </p:nvSpPr>
+        <p:spPr>
+          <a:xfrm rot="5400000">
+            <a:off x="7799582" y="3221026"/>
+            <a:ext cx="1025611" cy="959650"/>
+          </a:xfrm>
+          <a:prstGeom prst="ellipse">
+            <a:avLst/>
+          </a:prstGeom>
+          <a:solidFill>
+            <a:srgbClr val="94CF50"/>
+          </a:solidFill>
+          <a:ln w="76200">
+            <a:solidFill>
+              <a:srgbClr val="10B349"/>
+            </a:solidFill>
+          </a:ln>
+        </p:spPr>
+        <p:style>
+          <a:lnRef idx="2">
+            <a:schemeClr val="accent1">
+              <a:shade val="50000"/>
+            </a:schemeClr>
+          </a:lnRef>
+          <a:fillRef idx="1">
+            <a:schemeClr val="accent1"/>
+          </a:fillRef>
+          <a:effectRef idx="0">
+            <a:schemeClr val="accent1"/>
+          </a:effectRef>
+          <a:fontRef idx="minor">
+            <a:schemeClr val="lt1"/>
+          </a:fontRef>
+        </p:style>
+        <p:txBody>
+          <a:bodyPr rtlCol="0" anchor="ctr"/>
+          <a:lstStyle/>
+          <a:p>
+            <a:pPr algn="ctr"/>
+            <a:endParaRPr lang="zh-CN" altLang="en-US"/>
+          </a:p>
+        </p:txBody>
+      </p:sp>
+      <p:sp>
+        <p:nvSpPr>
           <p:cNvPr id="17" name="椭圆 9"/>
           <p:cNvSpPr/>
           <p:nvPr/>
@@ -22466,62 +24107,14 @@
       </p:sp>
       <p:sp>
         <p:nvSpPr>
-          <p:cNvPr id="23" name="椭圆 5"/>
-          <p:cNvSpPr/>
-          <p:nvPr/>
-        </p:nvSpPr>
-        <p:spPr>
-          <a:xfrm rot="5400000">
-            <a:off x="7801028" y="4320007"/>
-            <a:ext cx="1025611" cy="959650"/>
-          </a:xfrm>
-          <a:prstGeom prst="ellipse">
-            <a:avLst/>
-          </a:prstGeom>
-          <a:solidFill>
-            <a:srgbClr val="94CF50"/>
-          </a:solidFill>
-          <a:ln w="76200">
-            <a:solidFill>
-              <a:srgbClr val="10B349"/>
-            </a:solidFill>
-          </a:ln>
-        </p:spPr>
-        <p:style>
-          <a:lnRef idx="2">
-            <a:schemeClr val="accent1">
-              <a:shade val="50000"/>
-            </a:schemeClr>
-          </a:lnRef>
-          <a:fillRef idx="1">
-            <a:schemeClr val="accent1"/>
-          </a:fillRef>
-          <a:effectRef idx="0">
-            <a:schemeClr val="accent1"/>
-          </a:effectRef>
-          <a:fontRef idx="minor">
-            <a:schemeClr val="lt1"/>
-          </a:fontRef>
-        </p:style>
-        <p:txBody>
-          <a:bodyPr rtlCol="0" anchor="ctr"/>
-          <a:lstStyle/>
-          <a:p>
-            <a:pPr algn="ctr"/>
-            <a:endParaRPr lang="zh-CN" altLang="en-US"/>
-          </a:p>
-        </p:txBody>
-      </p:sp>
-      <p:sp>
-        <p:nvSpPr>
-          <p:cNvPr id="24" name="文本框 13"/>
+          <p:cNvPr id="18" name="文本框 13"/>
           <p:cNvSpPr txBox="1"/>
           <p:nvPr/>
         </p:nvSpPr>
         <p:spPr>
           <a:xfrm>
-            <a:off x="7893301" y="4445889"/>
-            <a:ext cx="838170" cy="707886"/>
+            <a:off x="7933248" y="3338797"/>
+            <a:ext cx="778065" cy="707886"/>
           </a:xfrm>
           <a:prstGeom prst="rect">
             <a:avLst/>
@@ -22541,7 +24134,7 @@
                   <a:schemeClr val="bg1"/>
                 </a:solidFill>
               </a:rPr>
-              <a:t>V4</a:t>
+              <a:t>V3</a:t>
             </a:r>
             <a:endParaRPr lang="zh-CN" altLang="en-US" sz="4000" dirty="0">
               <a:solidFill>
@@ -22553,7 +24146,7 @@
       </p:sp>
       <p:sp>
         <p:nvSpPr>
-          <p:cNvPr id="25" name="矩形 3"/>
+          <p:cNvPr id="23" name="矩形 3"/>
           <p:cNvSpPr/>
           <p:nvPr/>
         </p:nvSpPr>
@@ -22599,14 +24192,14 @@
       </p:sp>
       <p:sp>
         <p:nvSpPr>
-          <p:cNvPr id="26" name="文本框 4"/>
+          <p:cNvPr id="24" name="文本框 4"/>
           <p:cNvSpPr txBox="1"/>
           <p:nvPr/>
         </p:nvSpPr>
         <p:spPr>
           <a:xfrm>
-            <a:off x="238896" y="852442"/>
-            <a:ext cx="6064921" cy="461665"/>
+            <a:off x="238897" y="852442"/>
+            <a:ext cx="3543394" cy="461665"/>
           </a:xfrm>
           <a:prstGeom prst="rect">
             <a:avLst/>
@@ -22624,157 +24217,229 @@
               <a:t>RESULTAAT</a:t>
             </a:r>
             <a:r>
-              <a:rPr lang="en-US" altLang="zh-CN" sz="2400" dirty="0"/>
+              <a:rPr lang="en-US" altLang="zh-CN" sz="2400" dirty="0" smtClean="0"/>
               <a:t>: </a:t>
             </a:r>
             <a:r>
-              <a:rPr lang="en-US" altLang="zh-CN" sz="2400" dirty="0" err="1"/>
-              <a:t>Toepassen</a:t>
+              <a:rPr lang="en-US" altLang="zh-CN" sz="2400" dirty="0" err="1" smtClean="0"/>
+              <a:t>Aantal</a:t>
             </a:r>
             <a:r>
-              <a:rPr lang="en-US" altLang="zh-CN" sz="2400" dirty="0"/>
-              <a:t> </a:t>
-            </a:r>
-            <a:r>
-              <a:rPr lang="en-US" altLang="zh-CN" sz="2400" dirty="0" err="1"/>
-              <a:t>controle</a:t>
-            </a:r>
-            <a:r>
-              <a:rPr lang="en-US" altLang="zh-CN" sz="2400" dirty="0"/>
+              <a:rPr lang="en-US" altLang="zh-CN" sz="2400" dirty="0" smtClean="0"/>
               <a:t> </a:t>
             </a:r>
             <a:r>
               <a:rPr lang="en-US" altLang="zh-CN" sz="2400" dirty="0" err="1" smtClean="0"/>
-              <a:t>theorie</a:t>
+              <a:t>buren</a:t>
             </a:r>
             <a:endParaRPr lang="zh-CN" altLang="en-US" sz="2400" dirty="0"/>
+          </a:p>
+        </p:txBody>
+      </p:sp>
+      <p:sp>
+        <p:nvSpPr>
+          <p:cNvPr id="22" name="Content Placeholder 2"/>
+          <p:cNvSpPr txBox="1">
+            <a:spLocks/>
+          </p:cNvSpPr>
+          <p:nvPr/>
+        </p:nvSpPr>
+        <p:spPr>
+          <a:xfrm rot="16200000">
+            <a:off x="202734" y="1922674"/>
+            <a:ext cx="7315200" cy="6098067"/>
+          </a:xfrm>
+          <a:prstGeom prst="rect">
+            <a:avLst/>
+          </a:prstGeom>
+        </p:spPr>
+        <p:txBody>
+          <a:bodyPr vert="eaVert" lIns="91440" tIns="45720" rIns="91440" bIns="45720" rtlCol="0">
+            <a:normAutofit/>
+          </a:bodyPr>
+          <a:lstStyle>
+            <a:lvl1pPr marL="228600" indent="-228600" algn="l" defTabSz="914400" rtl="0" eaLnBrk="1" latinLnBrk="0" hangingPunct="1">
+              <a:lnSpc>
+                <a:spcPct val="90000"/>
+              </a:lnSpc>
+              <a:spcBef>
+                <a:spcPts val="1000"/>
+              </a:spcBef>
+              <a:buFont typeface="Arial" panose="020B0604020202020204" pitchFamily="34" charset="0"/>
+              <a:buChar char="•"/>
+              <a:defRPr sz="2800" kern="1200">
+                <a:solidFill>
+                  <a:schemeClr val="tx1"/>
+                </a:solidFill>
+                <a:latin typeface="+mn-lt"/>
+                <a:ea typeface="+mn-ea"/>
+                <a:cs typeface="+mn-cs"/>
+              </a:defRPr>
+            </a:lvl1pPr>
+            <a:lvl2pPr marL="685800" indent="-228600" algn="l" defTabSz="914400" rtl="0" eaLnBrk="1" latinLnBrk="0" hangingPunct="1">
+              <a:lnSpc>
+                <a:spcPct val="90000"/>
+              </a:lnSpc>
+              <a:spcBef>
+                <a:spcPts val="500"/>
+              </a:spcBef>
+              <a:buFont typeface="Arial" panose="020B0604020202020204" pitchFamily="34" charset="0"/>
+              <a:buChar char="•"/>
+              <a:defRPr sz="2400" kern="1200">
+                <a:solidFill>
+                  <a:schemeClr val="tx1"/>
+                </a:solidFill>
+                <a:latin typeface="+mn-lt"/>
+                <a:ea typeface="+mn-ea"/>
+                <a:cs typeface="+mn-cs"/>
+              </a:defRPr>
+            </a:lvl2pPr>
+            <a:lvl3pPr marL="1143000" indent="-228600" algn="l" defTabSz="914400" rtl="0" eaLnBrk="1" latinLnBrk="0" hangingPunct="1">
+              <a:lnSpc>
+                <a:spcPct val="90000"/>
+              </a:lnSpc>
+              <a:spcBef>
+                <a:spcPts val="500"/>
+              </a:spcBef>
+              <a:buFont typeface="Arial" panose="020B0604020202020204" pitchFamily="34" charset="0"/>
+              <a:buChar char="•"/>
+              <a:defRPr sz="2000" kern="1200">
+                <a:solidFill>
+                  <a:schemeClr val="tx1"/>
+                </a:solidFill>
+                <a:latin typeface="+mn-lt"/>
+                <a:ea typeface="+mn-ea"/>
+                <a:cs typeface="+mn-cs"/>
+              </a:defRPr>
+            </a:lvl3pPr>
+            <a:lvl4pPr marL="1600200" indent="-228600" algn="l" defTabSz="914400" rtl="0" eaLnBrk="1" latinLnBrk="0" hangingPunct="1">
+              <a:lnSpc>
+                <a:spcPct val="90000"/>
+              </a:lnSpc>
+              <a:spcBef>
+                <a:spcPts val="500"/>
+              </a:spcBef>
+              <a:buFont typeface="Arial" panose="020B0604020202020204" pitchFamily="34" charset="0"/>
+              <a:buChar char="•"/>
+              <a:defRPr sz="1800" kern="1200">
+                <a:solidFill>
+                  <a:schemeClr val="tx1"/>
+                </a:solidFill>
+                <a:latin typeface="+mn-lt"/>
+                <a:ea typeface="+mn-ea"/>
+                <a:cs typeface="+mn-cs"/>
+              </a:defRPr>
+            </a:lvl4pPr>
+            <a:lvl5pPr marL="2057400" indent="-228600" algn="l" defTabSz="914400" rtl="0" eaLnBrk="1" latinLnBrk="0" hangingPunct="1">
+              <a:lnSpc>
+                <a:spcPct val="90000"/>
+              </a:lnSpc>
+              <a:spcBef>
+                <a:spcPts val="500"/>
+              </a:spcBef>
+              <a:buFont typeface="Arial" panose="020B0604020202020204" pitchFamily="34" charset="0"/>
+              <a:buChar char="•"/>
+              <a:defRPr sz="1800" kern="1200">
+                <a:solidFill>
+                  <a:schemeClr val="tx1"/>
+                </a:solidFill>
+                <a:latin typeface="+mn-lt"/>
+                <a:ea typeface="+mn-ea"/>
+                <a:cs typeface="+mn-cs"/>
+              </a:defRPr>
+            </a:lvl5pPr>
+            <a:lvl6pPr marL="2514600" indent="-228600" algn="l" defTabSz="914400" rtl="0" eaLnBrk="1" latinLnBrk="0" hangingPunct="1">
+              <a:lnSpc>
+                <a:spcPct val="90000"/>
+              </a:lnSpc>
+              <a:spcBef>
+                <a:spcPts val="500"/>
+              </a:spcBef>
+              <a:buFont typeface="Arial" panose="020B0604020202020204" pitchFamily="34" charset="0"/>
+              <a:buChar char="•"/>
+              <a:defRPr sz="1800" kern="1200">
+                <a:solidFill>
+                  <a:schemeClr val="tx1"/>
+                </a:solidFill>
+                <a:latin typeface="+mn-lt"/>
+                <a:ea typeface="+mn-ea"/>
+                <a:cs typeface="+mn-cs"/>
+              </a:defRPr>
+            </a:lvl6pPr>
+            <a:lvl7pPr marL="2971800" indent="-228600" algn="l" defTabSz="914400" rtl="0" eaLnBrk="1" latinLnBrk="0" hangingPunct="1">
+              <a:lnSpc>
+                <a:spcPct val="90000"/>
+              </a:lnSpc>
+              <a:spcBef>
+                <a:spcPts val="500"/>
+              </a:spcBef>
+              <a:buFont typeface="Arial" panose="020B0604020202020204" pitchFamily="34" charset="0"/>
+              <a:buChar char="•"/>
+              <a:defRPr sz="1800" kern="1200">
+                <a:solidFill>
+                  <a:schemeClr val="tx1"/>
+                </a:solidFill>
+                <a:latin typeface="+mn-lt"/>
+                <a:ea typeface="+mn-ea"/>
+                <a:cs typeface="+mn-cs"/>
+              </a:defRPr>
+            </a:lvl7pPr>
+            <a:lvl8pPr marL="3429000" indent="-228600" algn="l" defTabSz="914400" rtl="0" eaLnBrk="1" latinLnBrk="0" hangingPunct="1">
+              <a:lnSpc>
+                <a:spcPct val="90000"/>
+              </a:lnSpc>
+              <a:spcBef>
+                <a:spcPts val="500"/>
+              </a:spcBef>
+              <a:buFont typeface="Arial" panose="020B0604020202020204" pitchFamily="34" charset="0"/>
+              <a:buChar char="•"/>
+              <a:defRPr sz="1800" kern="1200">
+                <a:solidFill>
+                  <a:schemeClr val="tx1"/>
+                </a:solidFill>
+                <a:latin typeface="+mn-lt"/>
+                <a:ea typeface="+mn-ea"/>
+                <a:cs typeface="+mn-cs"/>
+              </a:defRPr>
+            </a:lvl8pPr>
+            <a:lvl9pPr marL="3886200" indent="-228600" algn="l" defTabSz="914400" rtl="0" eaLnBrk="1" latinLnBrk="0" hangingPunct="1">
+              <a:lnSpc>
+                <a:spcPct val="90000"/>
+              </a:lnSpc>
+              <a:spcBef>
+                <a:spcPts val="500"/>
+              </a:spcBef>
+              <a:buFont typeface="Arial" panose="020B0604020202020204" pitchFamily="34" charset="0"/>
+              <a:buChar char="•"/>
+              <a:defRPr sz="1800" kern="1200">
+                <a:solidFill>
+                  <a:schemeClr val="tx1"/>
+                </a:solidFill>
+                <a:latin typeface="+mn-lt"/>
+                <a:ea typeface="+mn-ea"/>
+                <a:cs typeface="+mn-cs"/>
+              </a:defRPr>
+            </a:lvl9pPr>
+          </a:lstStyle>
+          <a:p>
+            <a:pPr marL="0" indent="0">
+              <a:buNone/>
+            </a:pPr>
+            <a:endParaRPr lang="nl-NL" sz="1050" dirty="0" smtClean="0"/>
+          </a:p>
+          <a:p>
+            <a:r>
+              <a:rPr lang="nl-NL" dirty="0" smtClean="0"/>
+              <a:t>Netwerk 1</a:t>
+            </a:r>
+            <a:endParaRPr lang="nl-NL" dirty="0"/>
           </a:p>
         </p:txBody>
       </p:sp>
     </p:spTree>
     <p:extLst>
       <p:ext uri="{BB962C8B-B14F-4D97-AF65-F5344CB8AC3E}">
-        <p14:creationId xmlns:p14="http://schemas.microsoft.com/office/powerpoint/2010/main" val="1939964443"/>
-      </p:ext>
-    </p:extLst>
-  </p:cSld>
-  <p:clrMapOvr>
-    <a:masterClrMapping/>
-  </p:clrMapOvr>
-</p:sld>
-</file>
-
-<file path=ppt/slides/slide18.xml><?xml version="1.0" encoding="utf-8"?>
-<p:sld xmlns:a="http://schemas.openxmlformats.org/drawingml/2006/main" xmlns:r="http://schemas.openxmlformats.org/officeDocument/2006/relationships" xmlns:p="http://schemas.openxmlformats.org/presentationml/2006/main">
-  <p:cSld>
-    <p:bg>
-      <p:bgPr>
-        <a:solidFill>
-          <a:schemeClr val="accent2">
-            <a:lumMod val="75000"/>
-          </a:schemeClr>
-        </a:solidFill>
-        <a:effectLst/>
-      </p:bgPr>
-    </p:bg>
-    <p:spTree>
-      <p:nvGrpSpPr>
-        <p:cNvPr id="1" name=""/>
-        <p:cNvGrpSpPr/>
-        <p:nvPr/>
-      </p:nvGrpSpPr>
-      <p:grpSpPr>
-        <a:xfrm>
-          <a:off x="0" y="0"/>
-          <a:ext cx="0" cy="0"/>
-          <a:chOff x="0" y="0"/>
-          <a:chExt cx="0" cy="0"/>
-        </a:xfrm>
-      </p:grpSpPr>
-      <p:sp>
-        <p:nvSpPr>
-          <p:cNvPr id="10" name="文本框 9"/>
-          <p:cNvSpPr txBox="1"/>
-          <p:nvPr/>
-        </p:nvSpPr>
-        <p:spPr>
-          <a:xfrm>
-            <a:off x="3945924" y="2718311"/>
-            <a:ext cx="1219200" cy="1446550"/>
-          </a:xfrm>
-          <a:prstGeom prst="rect">
-            <a:avLst/>
-          </a:prstGeom>
-          <a:noFill/>
-        </p:spPr>
-        <p:txBody>
-          <a:bodyPr wrap="square" rtlCol="0">
-            <a:spAutoFit/>
-          </a:bodyPr>
-          <a:lstStyle/>
-          <a:p>
-            <a:pPr algn="ctr"/>
-            <a:r>
-              <a:rPr lang="en-US" altLang="zh-CN" sz="8800" dirty="0">
-                <a:solidFill>
-                  <a:schemeClr val="bg1"/>
-                </a:solidFill>
-              </a:rPr>
-              <a:t>4</a:t>
-            </a:r>
-            <a:endParaRPr lang="zh-CN" altLang="en-US" sz="8800" dirty="0">
-              <a:solidFill>
-                <a:schemeClr val="bg1"/>
-              </a:solidFill>
-            </a:endParaRPr>
-          </a:p>
-        </p:txBody>
-      </p:sp>
-      <p:sp>
-        <p:nvSpPr>
-          <p:cNvPr id="3" name="文本框 14"/>
-          <p:cNvSpPr txBox="1"/>
-          <p:nvPr/>
-        </p:nvSpPr>
-        <p:spPr>
-          <a:xfrm>
-            <a:off x="2390845" y="1015321"/>
-            <a:ext cx="4329358" cy="707886"/>
-          </a:xfrm>
-          <a:prstGeom prst="rect">
-            <a:avLst/>
-          </a:prstGeom>
-          <a:noFill/>
-        </p:spPr>
-        <p:txBody>
-          <a:bodyPr wrap="square" rtlCol="0">
-            <a:spAutoFit/>
-          </a:bodyPr>
-          <a:lstStyle/>
-          <a:p>
-            <a:pPr algn="ctr"/>
-            <a:r>
-              <a:rPr lang="en-US" altLang="zh-CN" sz="4000" b="1" dirty="0" err="1" smtClean="0">
-                <a:solidFill>
-                  <a:schemeClr val="bg1"/>
-                </a:solidFill>
-                <a:latin typeface="Candara" panose="020E0502030303020204" pitchFamily="34" charset="0"/>
-              </a:rPr>
-              <a:t>Conclusie</a:t>
-            </a:r>
-            <a:endParaRPr lang="zh-CN" altLang="en-US" sz="4000" b="1" dirty="0">
-              <a:solidFill>
-                <a:schemeClr val="bg1"/>
-              </a:solidFill>
-              <a:latin typeface="Candara" panose="020E0502030303020204" pitchFamily="34" charset="0"/>
-            </a:endParaRPr>
-          </a:p>
-        </p:txBody>
-      </p:sp>
-    </p:spTree>
-    <p:extLst>
-      <p:ext uri="{BB962C8B-B14F-4D97-AF65-F5344CB8AC3E}">
-        <p14:creationId xmlns:p14="http://schemas.microsoft.com/office/powerpoint/2010/main" val="1983690368"/>
+        <p14:creationId xmlns:p14="http://schemas.microsoft.com/office/powerpoint/2010/main" val="1578716908"/>
       </p:ext>
     </p:extLst>
   </p:cSld>
@@ -22787,14 +24452,6 @@
 <file path=ppt/slides/slide19.xml><?xml version="1.0" encoding="utf-8"?>
 <p:sld xmlns:a="http://schemas.openxmlformats.org/drawingml/2006/main" xmlns:r="http://schemas.openxmlformats.org/officeDocument/2006/relationships" xmlns:p="http://schemas.openxmlformats.org/presentationml/2006/main">
   <p:cSld>
-    <p:bg>
-      <p:bgPr>
-        <a:solidFill>
-          <a:schemeClr val="bg1"/>
-        </a:solidFill>
-        <a:effectLst/>
-      </p:bgPr>
-    </p:bg>
     <p:spTree>
       <p:nvGrpSpPr>
         <p:cNvPr id="1" name=""/>
@@ -22811,16 +24468,16 @@
       </p:grpSpPr>
       <p:grpSp>
         <p:nvGrpSpPr>
-          <p:cNvPr id="2" name="组合 1"/>
+          <p:cNvPr id="4" name="组合 1"/>
           <p:cNvGrpSpPr/>
           <p:nvPr/>
         </p:nvGrpSpPr>
         <p:grpSpPr>
-          <a:xfrm>
-            <a:off x="0" y="1811291"/>
-            <a:ext cx="9144000" cy="1790709"/>
-            <a:chOff x="0" y="1811291"/>
-            <a:chExt cx="9144000" cy="1790709"/>
+          <a:xfrm rot="5400000">
+            <a:off x="4883389" y="3070657"/>
+            <a:ext cx="6858000" cy="716692"/>
+            <a:chOff x="0" y="2391141"/>
+            <a:chExt cx="9144000" cy="1021271"/>
           </a:xfrm>
         </p:grpSpPr>
         <p:cxnSp>
@@ -22853,102 +24510,6 @@
             </a:fontRef>
           </p:style>
         </p:cxnSp>
-        <p:sp>
-          <p:nvSpPr>
-            <p:cNvPr id="6" name="椭圆 5"/>
-            <p:cNvSpPr/>
-            <p:nvPr/>
-          </p:nvSpPr>
-          <p:spPr>
-            <a:xfrm>
-              <a:off x="1441622" y="2215978"/>
-              <a:ext cx="1367481" cy="1367481"/>
-            </a:xfrm>
-            <a:prstGeom prst="ellipse">
-              <a:avLst/>
-            </a:prstGeom>
-            <a:solidFill>
-              <a:srgbClr val="94CF50"/>
-            </a:solidFill>
-            <a:ln w="76200">
-              <a:solidFill>
-                <a:srgbClr val="10B349"/>
-              </a:solidFill>
-            </a:ln>
-          </p:spPr>
-          <p:style>
-            <a:lnRef idx="2">
-              <a:schemeClr val="accent1">
-                <a:shade val="50000"/>
-              </a:schemeClr>
-            </a:lnRef>
-            <a:fillRef idx="1">
-              <a:schemeClr val="accent1"/>
-            </a:fillRef>
-            <a:effectRef idx="0">
-              <a:schemeClr val="accent1"/>
-            </a:effectRef>
-            <a:fontRef idx="minor">
-              <a:schemeClr val="lt1"/>
-            </a:fontRef>
-          </p:style>
-          <p:txBody>
-            <a:bodyPr rtlCol="0" anchor="ctr"/>
-            <a:lstStyle/>
-            <a:p>
-              <a:pPr algn="ctr"/>
-              <a:endParaRPr lang="zh-CN" altLang="en-US"/>
-            </a:p>
-          </p:txBody>
-        </p:sp>
-        <p:sp>
-          <p:nvSpPr>
-            <p:cNvPr id="7" name="椭圆 6"/>
-            <p:cNvSpPr/>
-            <p:nvPr/>
-          </p:nvSpPr>
-          <p:spPr>
-            <a:xfrm>
-              <a:off x="3611258" y="2763793"/>
-              <a:ext cx="275970" cy="275970"/>
-            </a:xfrm>
-            <a:prstGeom prst="ellipse">
-              <a:avLst/>
-            </a:prstGeom>
-            <a:solidFill>
-              <a:srgbClr val="94CF50"/>
-            </a:solidFill>
-            <a:ln w="9525">
-              <a:solidFill>
-                <a:srgbClr val="10B349"/>
-              </a:solidFill>
-            </a:ln>
-          </p:spPr>
-          <p:style>
-            <a:lnRef idx="2">
-              <a:schemeClr val="accent1">
-                <a:shade val="50000"/>
-              </a:schemeClr>
-            </a:lnRef>
-            <a:fillRef idx="1">
-              <a:schemeClr val="accent1"/>
-            </a:fillRef>
-            <a:effectRef idx="0">
-              <a:schemeClr val="accent1"/>
-            </a:effectRef>
-            <a:fontRef idx="minor">
-              <a:schemeClr val="lt1"/>
-            </a:fontRef>
-          </p:style>
-          <p:txBody>
-            <a:bodyPr rtlCol="0" anchor="ctr"/>
-            <a:lstStyle/>
-            <a:p>
-              <a:pPr algn="ctr"/>
-              <a:endParaRPr lang="zh-CN" altLang="en-US"/>
-            </a:p>
-          </p:txBody>
-        </p:sp>
         <p:sp>
           <p:nvSpPr>
             <p:cNvPr id="8" name="椭圆 7"/>
@@ -23047,202 +24608,14 @@
         </p:sp>
         <p:sp>
           <p:nvSpPr>
-            <p:cNvPr id="10" name="椭圆 9"/>
-            <p:cNvSpPr/>
-            <p:nvPr/>
-          </p:nvSpPr>
-          <p:spPr>
-            <a:xfrm>
-              <a:off x="7201927" y="2675233"/>
-              <a:ext cx="448966" cy="448966"/>
-            </a:xfrm>
-            <a:prstGeom prst="ellipse">
-              <a:avLst/>
-            </a:prstGeom>
-            <a:solidFill>
-              <a:srgbClr val="94CF50"/>
-            </a:solidFill>
-            <a:ln>
-              <a:solidFill>
-                <a:srgbClr val="10B349"/>
-              </a:solidFill>
-            </a:ln>
-          </p:spPr>
-          <p:style>
-            <a:lnRef idx="2">
-              <a:schemeClr val="accent1">
-                <a:shade val="50000"/>
-              </a:schemeClr>
-            </a:lnRef>
-            <a:fillRef idx="1">
-              <a:schemeClr val="accent1"/>
-            </a:fillRef>
-            <a:effectRef idx="0">
-              <a:schemeClr val="accent1"/>
-            </a:effectRef>
-            <a:fontRef idx="minor">
-              <a:schemeClr val="lt1"/>
-            </a:fontRef>
-          </p:style>
-          <p:txBody>
-            <a:bodyPr rtlCol="0" anchor="ctr"/>
-            <a:lstStyle/>
-            <a:p>
-              <a:pPr algn="ctr"/>
-              <a:endParaRPr lang="zh-CN" altLang="en-US"/>
-            </a:p>
-          </p:txBody>
-        </p:sp>
-        <p:sp>
-          <p:nvSpPr>
-            <p:cNvPr id="11" name="圆角矩形标注 10"/>
-            <p:cNvSpPr/>
-            <p:nvPr/>
-          </p:nvSpPr>
-          <p:spPr>
-            <a:xfrm>
-              <a:off x="3537121" y="3264249"/>
-              <a:ext cx="848498" cy="337751"/>
-            </a:xfrm>
-            <a:prstGeom prst="wedgeRoundRectCallout">
-              <a:avLst>
-                <a:gd name="adj1" fmla="val -24834"/>
-                <a:gd name="adj2" fmla="val -93598"/>
-                <a:gd name="adj3" fmla="val 16667"/>
-              </a:avLst>
-            </a:prstGeom>
-            <a:solidFill>
-              <a:schemeClr val="bg1">
-                <a:lumMod val="85000"/>
-              </a:schemeClr>
-            </a:solidFill>
-            <a:ln>
-              <a:noFill/>
-            </a:ln>
-          </p:spPr>
-          <p:style>
-            <a:lnRef idx="2">
-              <a:schemeClr val="accent1">
-                <a:shade val="50000"/>
-              </a:schemeClr>
-            </a:lnRef>
-            <a:fillRef idx="1">
-              <a:schemeClr val="accent1"/>
-            </a:fillRef>
-            <a:effectRef idx="0">
-              <a:schemeClr val="accent1"/>
-            </a:effectRef>
-            <a:fontRef idx="minor">
-              <a:schemeClr val="lt1"/>
-            </a:fontRef>
-          </p:style>
-          <p:txBody>
-            <a:bodyPr rtlCol="0" anchor="ctr"/>
-            <a:lstStyle/>
-            <a:p>
-              <a:pPr algn="ctr"/>
-              <a:r>
-                <a:rPr lang="en-US" altLang="zh-CN" sz="1400" dirty="0" smtClean="0"/>
-                <a:t>2011</a:t>
-              </a:r>
-              <a:endParaRPr lang="zh-CN" altLang="en-US" sz="1400" dirty="0"/>
-            </a:p>
-          </p:txBody>
-        </p:sp>
-        <p:sp>
-          <p:nvSpPr>
-            <p:cNvPr id="12" name="圆角矩形标注 11"/>
-            <p:cNvSpPr/>
-            <p:nvPr/>
-          </p:nvSpPr>
-          <p:spPr>
-            <a:xfrm>
-              <a:off x="6810633" y="1811291"/>
-              <a:ext cx="1680519" cy="650790"/>
-            </a:xfrm>
-            <a:prstGeom prst="wedgeRoundRectCallout">
-              <a:avLst/>
-            </a:prstGeom>
-            <a:solidFill>
-              <a:srgbClr val="58DAF8"/>
-            </a:solidFill>
-            <a:ln>
-              <a:noFill/>
-            </a:ln>
-          </p:spPr>
-          <p:style>
-            <a:lnRef idx="2">
-              <a:schemeClr val="accent1">
-                <a:shade val="50000"/>
-              </a:schemeClr>
-            </a:lnRef>
-            <a:fillRef idx="1">
-              <a:schemeClr val="accent1"/>
-            </a:fillRef>
-            <a:effectRef idx="0">
-              <a:schemeClr val="accent1"/>
-            </a:effectRef>
-            <a:fontRef idx="minor">
-              <a:schemeClr val="lt1"/>
-            </a:fontRef>
-          </p:style>
-          <p:txBody>
-            <a:bodyPr rtlCol="0" anchor="ctr"/>
-            <a:lstStyle/>
-            <a:p>
-              <a:pPr algn="ctr"/>
-              <a:endParaRPr lang="zh-CN" altLang="en-US"/>
-            </a:p>
-          </p:txBody>
-        </p:sp>
-        <p:sp>
-          <p:nvSpPr>
-            <p:cNvPr id="13" name="文本框 12"/>
-            <p:cNvSpPr txBox="1"/>
-            <p:nvPr/>
-          </p:nvSpPr>
-          <p:spPr>
-            <a:xfrm>
-              <a:off x="6886832" y="1937424"/>
-              <a:ext cx="1604320" cy="461665"/>
-            </a:xfrm>
-            <a:prstGeom prst="rect">
-              <a:avLst/>
-            </a:prstGeom>
-            <a:noFill/>
-          </p:spPr>
-          <p:txBody>
-            <a:bodyPr wrap="square" rtlCol="0">
-              <a:spAutoFit/>
-            </a:bodyPr>
-            <a:lstStyle/>
-            <a:p>
-              <a:r>
-                <a:rPr lang="en-US" altLang="zh-CN" sz="1200" dirty="0" smtClean="0">
-                  <a:solidFill>
-                    <a:schemeClr val="bg1"/>
-                  </a:solidFill>
-                </a:rPr>
-                <a:t>Add text here add text here</a:t>
-              </a:r>
-              <a:endParaRPr lang="zh-CN" altLang="en-US" sz="1200" dirty="0">
-                <a:solidFill>
-                  <a:schemeClr val="bg1"/>
-                </a:solidFill>
-              </a:endParaRPr>
-            </a:p>
-          </p:txBody>
-        </p:sp>
-        <p:sp>
-          <p:nvSpPr>
             <p:cNvPr id="14" name="文本框 13"/>
             <p:cNvSpPr txBox="1"/>
             <p:nvPr/>
           </p:nvSpPr>
           <p:spPr>
-            <a:xfrm>
-              <a:off x="1659664" y="2576550"/>
-              <a:ext cx="955589" cy="646331"/>
+            <a:xfrm rot="16200000">
+              <a:off x="1614726" y="2429853"/>
+              <a:ext cx="1021271" cy="943848"/>
             </a:xfrm>
             <a:prstGeom prst="rect">
               <a:avLst/>
@@ -23257,18 +24630,597 @@
             <a:p>
               <a:pPr algn="ctr"/>
               <a:r>
-                <a:rPr lang="en-US" altLang="zh-CN" dirty="0" smtClean="0"/>
-                <a:t>TEXT HERE</a:t>
+                <a:rPr lang="en-US" altLang="zh-CN" sz="4000" dirty="0">
+                  <a:solidFill>
+                    <a:schemeClr val="bg1"/>
+                  </a:solidFill>
+                </a:rPr>
+                <a:t>1</a:t>
               </a:r>
-              <a:endParaRPr lang="zh-CN" altLang="en-US" dirty="0"/>
+              <a:endParaRPr lang="zh-CN" altLang="en-US" sz="4000" dirty="0">
+                <a:solidFill>
+                  <a:schemeClr val="bg1"/>
+                </a:solidFill>
+              </a:endParaRPr>
             </a:p>
           </p:txBody>
         </p:sp>
       </p:grpSp>
+      <p:sp>
+        <p:nvSpPr>
+          <p:cNvPr id="19" name="椭圆 9"/>
+          <p:cNvSpPr/>
+          <p:nvPr/>
+        </p:nvSpPr>
+        <p:spPr>
+          <a:xfrm rot="5400000">
+            <a:off x="8144024" y="2317181"/>
+            <a:ext cx="336725" cy="336534"/>
+          </a:xfrm>
+          <a:prstGeom prst="ellipse">
+            <a:avLst/>
+          </a:prstGeom>
+          <a:solidFill>
+            <a:srgbClr val="94CF50"/>
+          </a:solidFill>
+          <a:ln>
+            <a:solidFill>
+              <a:srgbClr val="10B349"/>
+            </a:solidFill>
+          </a:ln>
+        </p:spPr>
+        <p:style>
+          <a:lnRef idx="2">
+            <a:schemeClr val="accent1">
+              <a:shade val="50000"/>
+            </a:schemeClr>
+          </a:lnRef>
+          <a:fillRef idx="1">
+            <a:schemeClr val="accent1"/>
+          </a:fillRef>
+          <a:effectRef idx="0">
+            <a:schemeClr val="accent1"/>
+          </a:effectRef>
+          <a:fontRef idx="minor">
+            <a:schemeClr val="lt1"/>
+          </a:fontRef>
+        </p:style>
+        <p:txBody>
+          <a:bodyPr rtlCol="0" anchor="ctr"/>
+          <a:lstStyle/>
+          <a:p>
+            <a:pPr algn="ctr"/>
+            <a:endParaRPr lang="zh-CN" altLang="en-US"/>
+          </a:p>
+        </p:txBody>
+      </p:sp>
+      <p:sp>
+        <p:nvSpPr>
+          <p:cNvPr id="20" name="椭圆 9"/>
+          <p:cNvSpPr/>
+          <p:nvPr/>
+        </p:nvSpPr>
+        <p:spPr>
+          <a:xfrm rot="5400000">
+            <a:off x="8133291" y="3634138"/>
+            <a:ext cx="336725" cy="336534"/>
+          </a:xfrm>
+          <a:prstGeom prst="ellipse">
+            <a:avLst/>
+          </a:prstGeom>
+          <a:solidFill>
+            <a:srgbClr val="94CF50"/>
+          </a:solidFill>
+          <a:ln>
+            <a:solidFill>
+              <a:srgbClr val="10B349"/>
+            </a:solidFill>
+          </a:ln>
+        </p:spPr>
+        <p:style>
+          <a:lnRef idx="2">
+            <a:schemeClr val="accent1">
+              <a:shade val="50000"/>
+            </a:schemeClr>
+          </a:lnRef>
+          <a:fillRef idx="1">
+            <a:schemeClr val="accent1"/>
+          </a:fillRef>
+          <a:effectRef idx="0">
+            <a:schemeClr val="accent1"/>
+          </a:effectRef>
+          <a:fontRef idx="minor">
+            <a:schemeClr val="lt1"/>
+          </a:fontRef>
+        </p:style>
+        <p:txBody>
+          <a:bodyPr rtlCol="0" anchor="ctr"/>
+          <a:lstStyle/>
+          <a:p>
+            <a:pPr algn="ctr"/>
+            <a:endParaRPr lang="zh-CN" altLang="en-US"/>
+          </a:p>
+        </p:txBody>
+      </p:sp>
+      <p:sp>
+        <p:nvSpPr>
+          <p:cNvPr id="21" name="椭圆 9"/>
+          <p:cNvSpPr/>
+          <p:nvPr/>
+        </p:nvSpPr>
+        <p:spPr>
+          <a:xfrm rot="5400000">
+            <a:off x="8133290" y="4559183"/>
+            <a:ext cx="336725" cy="336534"/>
+          </a:xfrm>
+          <a:prstGeom prst="ellipse">
+            <a:avLst/>
+          </a:prstGeom>
+          <a:solidFill>
+            <a:srgbClr val="94CF50"/>
+          </a:solidFill>
+          <a:ln>
+            <a:solidFill>
+              <a:srgbClr val="10B349"/>
+            </a:solidFill>
+          </a:ln>
+        </p:spPr>
+        <p:style>
+          <a:lnRef idx="2">
+            <a:schemeClr val="accent1">
+              <a:shade val="50000"/>
+            </a:schemeClr>
+          </a:lnRef>
+          <a:fillRef idx="1">
+            <a:schemeClr val="accent1"/>
+          </a:fillRef>
+          <a:effectRef idx="0">
+            <a:schemeClr val="accent1"/>
+          </a:effectRef>
+          <a:fontRef idx="minor">
+            <a:schemeClr val="lt1"/>
+          </a:fontRef>
+        </p:style>
+        <p:txBody>
+          <a:bodyPr rtlCol="0" anchor="ctr"/>
+          <a:lstStyle/>
+          <a:p>
+            <a:pPr algn="ctr"/>
+            <a:endParaRPr lang="zh-CN" altLang="en-US"/>
+          </a:p>
+        </p:txBody>
+      </p:sp>
+      <p:sp>
+        <p:nvSpPr>
+          <p:cNvPr id="15" name="椭圆 5"/>
+          <p:cNvSpPr/>
+          <p:nvPr/>
+        </p:nvSpPr>
+        <p:spPr>
+          <a:xfrm rot="5400000">
+            <a:off x="7799582" y="3221026"/>
+            <a:ext cx="1025611" cy="959650"/>
+          </a:xfrm>
+          <a:prstGeom prst="ellipse">
+            <a:avLst/>
+          </a:prstGeom>
+          <a:solidFill>
+            <a:srgbClr val="94CF50"/>
+          </a:solidFill>
+          <a:ln w="76200">
+            <a:solidFill>
+              <a:srgbClr val="10B349"/>
+            </a:solidFill>
+          </a:ln>
+        </p:spPr>
+        <p:style>
+          <a:lnRef idx="2">
+            <a:schemeClr val="accent1">
+              <a:shade val="50000"/>
+            </a:schemeClr>
+          </a:lnRef>
+          <a:fillRef idx="1">
+            <a:schemeClr val="accent1"/>
+          </a:fillRef>
+          <a:effectRef idx="0">
+            <a:schemeClr val="accent1"/>
+          </a:effectRef>
+          <a:fontRef idx="minor">
+            <a:schemeClr val="lt1"/>
+          </a:fontRef>
+        </p:style>
+        <p:txBody>
+          <a:bodyPr rtlCol="0" anchor="ctr"/>
+          <a:lstStyle/>
+          <a:p>
+            <a:pPr algn="ctr"/>
+            <a:endParaRPr lang="zh-CN" altLang="en-US"/>
+          </a:p>
+        </p:txBody>
+      </p:sp>
+      <p:sp>
+        <p:nvSpPr>
+          <p:cNvPr id="17" name="椭圆 9"/>
+          <p:cNvSpPr/>
+          <p:nvPr/>
+        </p:nvSpPr>
+        <p:spPr>
+          <a:xfrm rot="5400000">
+            <a:off x="8144024" y="1441550"/>
+            <a:ext cx="336725" cy="336534"/>
+          </a:xfrm>
+          <a:prstGeom prst="ellipse">
+            <a:avLst/>
+          </a:prstGeom>
+          <a:solidFill>
+            <a:srgbClr val="94CF50"/>
+          </a:solidFill>
+          <a:ln>
+            <a:solidFill>
+              <a:srgbClr val="10B349"/>
+            </a:solidFill>
+          </a:ln>
+        </p:spPr>
+        <p:style>
+          <a:lnRef idx="2">
+            <a:schemeClr val="accent1">
+              <a:shade val="50000"/>
+            </a:schemeClr>
+          </a:lnRef>
+          <a:fillRef idx="1">
+            <a:schemeClr val="accent1"/>
+          </a:fillRef>
+          <a:effectRef idx="0">
+            <a:schemeClr val="accent1"/>
+          </a:effectRef>
+          <a:fontRef idx="minor">
+            <a:schemeClr val="lt1"/>
+          </a:fontRef>
+        </p:style>
+        <p:txBody>
+          <a:bodyPr rtlCol="0" anchor="ctr"/>
+          <a:lstStyle/>
+          <a:p>
+            <a:pPr algn="ctr"/>
+            <a:endParaRPr lang="zh-CN" altLang="en-US"/>
+          </a:p>
+        </p:txBody>
+      </p:sp>
+      <p:sp>
+        <p:nvSpPr>
+          <p:cNvPr id="18" name="文本框 13"/>
+          <p:cNvSpPr txBox="1"/>
+          <p:nvPr/>
+        </p:nvSpPr>
+        <p:spPr>
+          <a:xfrm>
+            <a:off x="7933248" y="3338797"/>
+            <a:ext cx="778065" cy="707886"/>
+          </a:xfrm>
+          <a:prstGeom prst="rect">
+            <a:avLst/>
+          </a:prstGeom>
+          <a:noFill/>
+        </p:spPr>
+        <p:txBody>
+          <a:bodyPr wrap="square" rtlCol="0">
+            <a:spAutoFit/>
+          </a:bodyPr>
+          <a:lstStyle/>
+          <a:p>
+            <a:pPr algn="ctr"/>
+            <a:r>
+              <a:rPr lang="en-US" altLang="zh-CN" sz="4000" smtClean="0">
+                <a:solidFill>
+                  <a:schemeClr val="bg1"/>
+                </a:solidFill>
+              </a:rPr>
+              <a:t>V3</a:t>
+            </a:r>
+            <a:endParaRPr lang="zh-CN" altLang="en-US" sz="4000" dirty="0">
+              <a:solidFill>
+                <a:schemeClr val="bg1"/>
+              </a:solidFill>
+            </a:endParaRPr>
+          </a:p>
+        </p:txBody>
+      </p:sp>
+      <p:sp>
+        <p:nvSpPr>
+          <p:cNvPr id="23" name="矩形 3"/>
+          <p:cNvSpPr/>
+          <p:nvPr/>
+        </p:nvSpPr>
+        <p:spPr>
+          <a:xfrm>
+            <a:off x="0" y="708454"/>
+            <a:ext cx="238897" cy="749643"/>
+          </a:xfrm>
+          <a:prstGeom prst="rect">
+            <a:avLst/>
+          </a:prstGeom>
+          <a:solidFill>
+            <a:srgbClr val="10B349"/>
+          </a:solidFill>
+          <a:ln>
+            <a:noFill/>
+          </a:ln>
+        </p:spPr>
+        <p:style>
+          <a:lnRef idx="2">
+            <a:schemeClr val="accent1">
+              <a:shade val="50000"/>
+            </a:schemeClr>
+          </a:lnRef>
+          <a:fillRef idx="1">
+            <a:schemeClr val="accent1"/>
+          </a:fillRef>
+          <a:effectRef idx="0">
+            <a:schemeClr val="accent1"/>
+          </a:effectRef>
+          <a:fontRef idx="minor">
+            <a:schemeClr val="lt1"/>
+          </a:fontRef>
+        </p:style>
+        <p:txBody>
+          <a:bodyPr rtlCol="0" anchor="ctr"/>
+          <a:lstStyle/>
+          <a:p>
+            <a:pPr algn="ctr"/>
+            <a:endParaRPr lang="zh-CN" altLang="en-US"/>
+          </a:p>
+        </p:txBody>
+      </p:sp>
+      <p:sp>
+        <p:nvSpPr>
+          <p:cNvPr id="24" name="文本框 4"/>
+          <p:cNvSpPr txBox="1"/>
+          <p:nvPr/>
+        </p:nvSpPr>
+        <p:spPr>
+          <a:xfrm>
+            <a:off x="238897" y="852442"/>
+            <a:ext cx="3543394" cy="461665"/>
+          </a:xfrm>
+          <a:prstGeom prst="rect">
+            <a:avLst/>
+          </a:prstGeom>
+          <a:noFill/>
+        </p:spPr>
+        <p:txBody>
+          <a:bodyPr wrap="square" rtlCol="0">
+            <a:spAutoFit/>
+          </a:bodyPr>
+          <a:lstStyle/>
+          <a:p>
+            <a:r>
+              <a:rPr lang="en-US" altLang="zh-CN" sz="2400" u="sng" dirty="0" smtClean="0"/>
+              <a:t>RESULTAAT</a:t>
+            </a:r>
+            <a:r>
+              <a:rPr lang="en-US" altLang="zh-CN" sz="2400" dirty="0" smtClean="0"/>
+              <a:t>: </a:t>
+            </a:r>
+            <a:r>
+              <a:rPr lang="en-US" altLang="zh-CN" sz="2400" dirty="0" err="1" smtClean="0"/>
+              <a:t>Aantal</a:t>
+            </a:r>
+            <a:r>
+              <a:rPr lang="en-US" altLang="zh-CN" sz="2400" dirty="0" smtClean="0"/>
+              <a:t> </a:t>
+            </a:r>
+            <a:r>
+              <a:rPr lang="en-US" altLang="zh-CN" sz="2400" dirty="0" err="1" smtClean="0"/>
+              <a:t>buren</a:t>
+            </a:r>
+            <a:endParaRPr lang="zh-CN" altLang="en-US" sz="2400" dirty="0"/>
+          </a:p>
+        </p:txBody>
+      </p:sp>
+      <p:sp>
+        <p:nvSpPr>
+          <p:cNvPr id="22" name="Content Placeholder 2"/>
+          <p:cNvSpPr txBox="1">
+            <a:spLocks/>
+          </p:cNvSpPr>
+          <p:nvPr/>
+        </p:nvSpPr>
+        <p:spPr>
+          <a:xfrm rot="16200000">
+            <a:off x="219367" y="2186628"/>
+            <a:ext cx="7315200" cy="6098067"/>
+          </a:xfrm>
+          <a:prstGeom prst="rect">
+            <a:avLst/>
+          </a:prstGeom>
+        </p:spPr>
+        <p:txBody>
+          <a:bodyPr vert="eaVert" lIns="91440" tIns="45720" rIns="91440" bIns="45720" rtlCol="0">
+            <a:normAutofit/>
+          </a:bodyPr>
+          <a:lstStyle>
+            <a:lvl1pPr marL="228600" indent="-228600" algn="l" defTabSz="914400" rtl="0" eaLnBrk="1" latinLnBrk="0" hangingPunct="1">
+              <a:lnSpc>
+                <a:spcPct val="90000"/>
+              </a:lnSpc>
+              <a:spcBef>
+                <a:spcPts val="1000"/>
+              </a:spcBef>
+              <a:buFont typeface="Arial" panose="020B0604020202020204" pitchFamily="34" charset="0"/>
+              <a:buChar char="•"/>
+              <a:defRPr sz="2800" kern="1200">
+                <a:solidFill>
+                  <a:schemeClr val="tx1"/>
+                </a:solidFill>
+                <a:latin typeface="+mn-lt"/>
+                <a:ea typeface="+mn-ea"/>
+                <a:cs typeface="+mn-cs"/>
+              </a:defRPr>
+            </a:lvl1pPr>
+            <a:lvl2pPr marL="685800" indent="-228600" algn="l" defTabSz="914400" rtl="0" eaLnBrk="1" latinLnBrk="0" hangingPunct="1">
+              <a:lnSpc>
+                <a:spcPct val="90000"/>
+              </a:lnSpc>
+              <a:spcBef>
+                <a:spcPts val="500"/>
+              </a:spcBef>
+              <a:buFont typeface="Arial" panose="020B0604020202020204" pitchFamily="34" charset="0"/>
+              <a:buChar char="•"/>
+              <a:defRPr sz="2400" kern="1200">
+                <a:solidFill>
+                  <a:schemeClr val="tx1"/>
+                </a:solidFill>
+                <a:latin typeface="+mn-lt"/>
+                <a:ea typeface="+mn-ea"/>
+                <a:cs typeface="+mn-cs"/>
+              </a:defRPr>
+            </a:lvl2pPr>
+            <a:lvl3pPr marL="1143000" indent="-228600" algn="l" defTabSz="914400" rtl="0" eaLnBrk="1" latinLnBrk="0" hangingPunct="1">
+              <a:lnSpc>
+                <a:spcPct val="90000"/>
+              </a:lnSpc>
+              <a:spcBef>
+                <a:spcPts val="500"/>
+              </a:spcBef>
+              <a:buFont typeface="Arial" panose="020B0604020202020204" pitchFamily="34" charset="0"/>
+              <a:buChar char="•"/>
+              <a:defRPr sz="2000" kern="1200">
+                <a:solidFill>
+                  <a:schemeClr val="tx1"/>
+                </a:solidFill>
+                <a:latin typeface="+mn-lt"/>
+                <a:ea typeface="+mn-ea"/>
+                <a:cs typeface="+mn-cs"/>
+              </a:defRPr>
+            </a:lvl3pPr>
+            <a:lvl4pPr marL="1600200" indent="-228600" algn="l" defTabSz="914400" rtl="0" eaLnBrk="1" latinLnBrk="0" hangingPunct="1">
+              <a:lnSpc>
+                <a:spcPct val="90000"/>
+              </a:lnSpc>
+              <a:spcBef>
+                <a:spcPts val="500"/>
+              </a:spcBef>
+              <a:buFont typeface="Arial" panose="020B0604020202020204" pitchFamily="34" charset="0"/>
+              <a:buChar char="•"/>
+              <a:defRPr sz="1800" kern="1200">
+                <a:solidFill>
+                  <a:schemeClr val="tx1"/>
+                </a:solidFill>
+                <a:latin typeface="+mn-lt"/>
+                <a:ea typeface="+mn-ea"/>
+                <a:cs typeface="+mn-cs"/>
+              </a:defRPr>
+            </a:lvl4pPr>
+            <a:lvl5pPr marL="2057400" indent="-228600" algn="l" defTabSz="914400" rtl="0" eaLnBrk="1" latinLnBrk="0" hangingPunct="1">
+              <a:lnSpc>
+                <a:spcPct val="90000"/>
+              </a:lnSpc>
+              <a:spcBef>
+                <a:spcPts val="500"/>
+              </a:spcBef>
+              <a:buFont typeface="Arial" panose="020B0604020202020204" pitchFamily="34" charset="0"/>
+              <a:buChar char="•"/>
+              <a:defRPr sz="1800" kern="1200">
+                <a:solidFill>
+                  <a:schemeClr val="tx1"/>
+                </a:solidFill>
+                <a:latin typeface="+mn-lt"/>
+                <a:ea typeface="+mn-ea"/>
+                <a:cs typeface="+mn-cs"/>
+              </a:defRPr>
+            </a:lvl5pPr>
+            <a:lvl6pPr marL="2514600" indent="-228600" algn="l" defTabSz="914400" rtl="0" eaLnBrk="1" latinLnBrk="0" hangingPunct="1">
+              <a:lnSpc>
+                <a:spcPct val="90000"/>
+              </a:lnSpc>
+              <a:spcBef>
+                <a:spcPts val="500"/>
+              </a:spcBef>
+              <a:buFont typeface="Arial" panose="020B0604020202020204" pitchFamily="34" charset="0"/>
+              <a:buChar char="•"/>
+              <a:defRPr sz="1800" kern="1200">
+                <a:solidFill>
+                  <a:schemeClr val="tx1"/>
+                </a:solidFill>
+                <a:latin typeface="+mn-lt"/>
+                <a:ea typeface="+mn-ea"/>
+                <a:cs typeface="+mn-cs"/>
+              </a:defRPr>
+            </a:lvl6pPr>
+            <a:lvl7pPr marL="2971800" indent="-228600" algn="l" defTabSz="914400" rtl="0" eaLnBrk="1" latinLnBrk="0" hangingPunct="1">
+              <a:lnSpc>
+                <a:spcPct val="90000"/>
+              </a:lnSpc>
+              <a:spcBef>
+                <a:spcPts val="500"/>
+              </a:spcBef>
+              <a:buFont typeface="Arial" panose="020B0604020202020204" pitchFamily="34" charset="0"/>
+              <a:buChar char="•"/>
+              <a:defRPr sz="1800" kern="1200">
+                <a:solidFill>
+                  <a:schemeClr val="tx1"/>
+                </a:solidFill>
+                <a:latin typeface="+mn-lt"/>
+                <a:ea typeface="+mn-ea"/>
+                <a:cs typeface="+mn-cs"/>
+              </a:defRPr>
+            </a:lvl7pPr>
+            <a:lvl8pPr marL="3429000" indent="-228600" algn="l" defTabSz="914400" rtl="0" eaLnBrk="1" latinLnBrk="0" hangingPunct="1">
+              <a:lnSpc>
+                <a:spcPct val="90000"/>
+              </a:lnSpc>
+              <a:spcBef>
+                <a:spcPts val="500"/>
+              </a:spcBef>
+              <a:buFont typeface="Arial" panose="020B0604020202020204" pitchFamily="34" charset="0"/>
+              <a:buChar char="•"/>
+              <a:defRPr sz="1800" kern="1200">
+                <a:solidFill>
+                  <a:schemeClr val="tx1"/>
+                </a:solidFill>
+                <a:latin typeface="+mn-lt"/>
+                <a:ea typeface="+mn-ea"/>
+                <a:cs typeface="+mn-cs"/>
+              </a:defRPr>
+            </a:lvl8pPr>
+            <a:lvl9pPr marL="3886200" indent="-228600" algn="l" defTabSz="914400" rtl="0" eaLnBrk="1" latinLnBrk="0" hangingPunct="1">
+              <a:lnSpc>
+                <a:spcPct val="90000"/>
+              </a:lnSpc>
+              <a:spcBef>
+                <a:spcPts val="500"/>
+              </a:spcBef>
+              <a:buFont typeface="Arial" panose="020B0604020202020204" pitchFamily="34" charset="0"/>
+              <a:buChar char="•"/>
+              <a:defRPr sz="1800" kern="1200">
+                <a:solidFill>
+                  <a:schemeClr val="tx1"/>
+                </a:solidFill>
+                <a:latin typeface="+mn-lt"/>
+                <a:ea typeface="+mn-ea"/>
+                <a:cs typeface="+mn-cs"/>
+              </a:defRPr>
+            </a:lvl9pPr>
+          </a:lstStyle>
+          <a:p>
+            <a:pPr marL="0" indent="0">
+              <a:buNone/>
+            </a:pPr>
+            <a:endParaRPr lang="nl-NL" sz="1050" dirty="0" smtClean="0"/>
+          </a:p>
+          <a:p>
+            <a:r>
+              <a:rPr lang="nl-NL" dirty="0" smtClean="0"/>
+              <a:t>Netwerk 2</a:t>
+            </a:r>
+            <a:endParaRPr lang="nl-NL" dirty="0"/>
+          </a:p>
+        </p:txBody>
+      </p:sp>
     </p:spTree>
     <p:extLst>
       <p:ext uri="{BB962C8B-B14F-4D97-AF65-F5344CB8AC3E}">
-        <p14:creationId xmlns:p14="http://schemas.microsoft.com/office/powerpoint/2010/main" val="1324793479"/>
+        <p14:creationId xmlns:p14="http://schemas.microsoft.com/office/powerpoint/2010/main" val="2000033062"/>
       </p:ext>
     </p:extLst>
   </p:cSld>
@@ -23852,6 +25804,2507 @@
 </file>
 
 <file path=ppt/slides/slide20.xml><?xml version="1.0" encoding="utf-8"?>
+<p:sld xmlns:a="http://schemas.openxmlformats.org/drawingml/2006/main" xmlns:r="http://schemas.openxmlformats.org/officeDocument/2006/relationships" xmlns:p="http://schemas.openxmlformats.org/presentationml/2006/main">
+  <p:cSld>
+    <p:spTree>
+      <p:nvGrpSpPr>
+        <p:cNvPr id="1" name=""/>
+        <p:cNvGrpSpPr/>
+        <p:nvPr/>
+      </p:nvGrpSpPr>
+      <p:grpSpPr>
+        <a:xfrm>
+          <a:off x="0" y="0"/>
+          <a:ext cx="0" cy="0"/>
+          <a:chOff x="0" y="0"/>
+          <a:chExt cx="0" cy="0"/>
+        </a:xfrm>
+      </p:grpSpPr>
+      <p:grpSp>
+        <p:nvGrpSpPr>
+          <p:cNvPr id="4" name="组合 1"/>
+          <p:cNvGrpSpPr/>
+          <p:nvPr/>
+        </p:nvGrpSpPr>
+        <p:grpSpPr>
+          <a:xfrm rot="5400000">
+            <a:off x="4883389" y="3070657"/>
+            <a:ext cx="6858000" cy="716692"/>
+            <a:chOff x="0" y="2391141"/>
+            <a:chExt cx="9144000" cy="1021271"/>
+          </a:xfrm>
+        </p:grpSpPr>
+        <p:cxnSp>
+          <p:nvCxnSpPr>
+            <p:cNvPr id="5" name="直接连接符 4"/>
+            <p:cNvCxnSpPr/>
+            <p:nvPr/>
+          </p:nvCxnSpPr>
+          <p:spPr>
+            <a:xfrm>
+              <a:off x="0" y="2899719"/>
+              <a:ext cx="9144000" cy="0"/>
+            </a:xfrm>
+            <a:prstGeom prst="line">
+              <a:avLst/>
+            </a:prstGeom>
+          </p:spPr>
+          <p:style>
+            <a:lnRef idx="1">
+              <a:schemeClr val="accent1"/>
+            </a:lnRef>
+            <a:fillRef idx="0">
+              <a:schemeClr val="accent1"/>
+            </a:fillRef>
+            <a:effectRef idx="0">
+              <a:schemeClr val="accent1"/>
+            </a:effectRef>
+            <a:fontRef idx="minor">
+              <a:schemeClr val="tx1"/>
+            </a:fontRef>
+          </p:style>
+        </p:cxnSp>
+        <p:sp>
+          <p:nvSpPr>
+            <p:cNvPr id="8" name="椭圆 7"/>
+            <p:cNvSpPr/>
+            <p:nvPr/>
+          </p:nvSpPr>
+          <p:spPr>
+            <a:xfrm>
+              <a:off x="4923650" y="2763793"/>
+              <a:ext cx="275970" cy="275970"/>
+            </a:xfrm>
+            <a:prstGeom prst="ellipse">
+              <a:avLst/>
+            </a:prstGeom>
+            <a:solidFill>
+              <a:srgbClr val="94CF50"/>
+            </a:solidFill>
+            <a:ln w="9525">
+              <a:solidFill>
+                <a:srgbClr val="10B349"/>
+              </a:solidFill>
+            </a:ln>
+          </p:spPr>
+          <p:style>
+            <a:lnRef idx="2">
+              <a:schemeClr val="accent1">
+                <a:shade val="50000"/>
+              </a:schemeClr>
+            </a:lnRef>
+            <a:fillRef idx="1">
+              <a:schemeClr val="accent1"/>
+            </a:fillRef>
+            <a:effectRef idx="0">
+              <a:schemeClr val="accent1"/>
+            </a:effectRef>
+            <a:fontRef idx="minor">
+              <a:schemeClr val="lt1"/>
+            </a:fontRef>
+          </p:style>
+          <p:txBody>
+            <a:bodyPr rtlCol="0" anchor="ctr"/>
+            <a:lstStyle/>
+            <a:p>
+              <a:pPr algn="ctr"/>
+              <a:endParaRPr lang="zh-CN" altLang="en-US"/>
+            </a:p>
+          </p:txBody>
+        </p:sp>
+        <p:sp>
+          <p:nvSpPr>
+            <p:cNvPr id="9" name="椭圆 8"/>
+            <p:cNvSpPr/>
+            <p:nvPr/>
+          </p:nvSpPr>
+          <p:spPr>
+            <a:xfrm>
+              <a:off x="6123802" y="2763793"/>
+              <a:ext cx="275970" cy="275970"/>
+            </a:xfrm>
+            <a:prstGeom prst="ellipse">
+              <a:avLst/>
+            </a:prstGeom>
+            <a:solidFill>
+              <a:srgbClr val="94CF50"/>
+            </a:solidFill>
+            <a:ln w="9525">
+              <a:solidFill>
+                <a:srgbClr val="10B349"/>
+              </a:solidFill>
+            </a:ln>
+          </p:spPr>
+          <p:style>
+            <a:lnRef idx="2">
+              <a:schemeClr val="accent1">
+                <a:shade val="50000"/>
+              </a:schemeClr>
+            </a:lnRef>
+            <a:fillRef idx="1">
+              <a:schemeClr val="accent1"/>
+            </a:fillRef>
+            <a:effectRef idx="0">
+              <a:schemeClr val="accent1"/>
+            </a:effectRef>
+            <a:fontRef idx="minor">
+              <a:schemeClr val="lt1"/>
+            </a:fontRef>
+          </p:style>
+          <p:txBody>
+            <a:bodyPr rtlCol="0" anchor="ctr"/>
+            <a:lstStyle/>
+            <a:p>
+              <a:pPr algn="ctr"/>
+              <a:endParaRPr lang="zh-CN" altLang="en-US"/>
+            </a:p>
+          </p:txBody>
+        </p:sp>
+        <p:sp>
+          <p:nvSpPr>
+            <p:cNvPr id="14" name="文本框 13"/>
+            <p:cNvSpPr txBox="1"/>
+            <p:nvPr/>
+          </p:nvSpPr>
+          <p:spPr>
+            <a:xfrm rot="16200000">
+              <a:off x="1614726" y="2429853"/>
+              <a:ext cx="1021271" cy="943848"/>
+            </a:xfrm>
+            <a:prstGeom prst="rect">
+              <a:avLst/>
+            </a:prstGeom>
+            <a:noFill/>
+          </p:spPr>
+          <p:txBody>
+            <a:bodyPr wrap="square" rtlCol="0">
+              <a:spAutoFit/>
+            </a:bodyPr>
+            <a:lstStyle/>
+            <a:p>
+              <a:pPr algn="ctr"/>
+              <a:r>
+                <a:rPr lang="en-US" altLang="zh-CN" sz="4000" dirty="0">
+                  <a:solidFill>
+                    <a:schemeClr val="bg1"/>
+                  </a:solidFill>
+                </a:rPr>
+                <a:t>1</a:t>
+              </a:r>
+              <a:endParaRPr lang="zh-CN" altLang="en-US" sz="4000" dirty="0">
+                <a:solidFill>
+                  <a:schemeClr val="bg1"/>
+                </a:solidFill>
+              </a:endParaRPr>
+            </a:p>
+          </p:txBody>
+        </p:sp>
+      </p:grpSp>
+      <p:sp>
+        <p:nvSpPr>
+          <p:cNvPr id="19" name="椭圆 9"/>
+          <p:cNvSpPr/>
+          <p:nvPr/>
+        </p:nvSpPr>
+        <p:spPr>
+          <a:xfrm rot="5400000">
+            <a:off x="8144024" y="2317181"/>
+            <a:ext cx="336725" cy="336534"/>
+          </a:xfrm>
+          <a:prstGeom prst="ellipse">
+            <a:avLst/>
+          </a:prstGeom>
+          <a:solidFill>
+            <a:srgbClr val="94CF50"/>
+          </a:solidFill>
+          <a:ln>
+            <a:solidFill>
+              <a:srgbClr val="10B349"/>
+            </a:solidFill>
+          </a:ln>
+        </p:spPr>
+        <p:style>
+          <a:lnRef idx="2">
+            <a:schemeClr val="accent1">
+              <a:shade val="50000"/>
+            </a:schemeClr>
+          </a:lnRef>
+          <a:fillRef idx="1">
+            <a:schemeClr val="accent1"/>
+          </a:fillRef>
+          <a:effectRef idx="0">
+            <a:schemeClr val="accent1"/>
+          </a:effectRef>
+          <a:fontRef idx="minor">
+            <a:schemeClr val="lt1"/>
+          </a:fontRef>
+        </p:style>
+        <p:txBody>
+          <a:bodyPr rtlCol="0" anchor="ctr"/>
+          <a:lstStyle/>
+          <a:p>
+            <a:pPr algn="ctr"/>
+            <a:endParaRPr lang="zh-CN" altLang="en-US"/>
+          </a:p>
+        </p:txBody>
+      </p:sp>
+      <p:sp>
+        <p:nvSpPr>
+          <p:cNvPr id="20" name="椭圆 9"/>
+          <p:cNvSpPr/>
+          <p:nvPr/>
+        </p:nvSpPr>
+        <p:spPr>
+          <a:xfrm rot="5400000">
+            <a:off x="8133291" y="3634138"/>
+            <a:ext cx="336725" cy="336534"/>
+          </a:xfrm>
+          <a:prstGeom prst="ellipse">
+            <a:avLst/>
+          </a:prstGeom>
+          <a:solidFill>
+            <a:srgbClr val="94CF50"/>
+          </a:solidFill>
+          <a:ln>
+            <a:solidFill>
+              <a:srgbClr val="10B349"/>
+            </a:solidFill>
+          </a:ln>
+        </p:spPr>
+        <p:style>
+          <a:lnRef idx="2">
+            <a:schemeClr val="accent1">
+              <a:shade val="50000"/>
+            </a:schemeClr>
+          </a:lnRef>
+          <a:fillRef idx="1">
+            <a:schemeClr val="accent1"/>
+          </a:fillRef>
+          <a:effectRef idx="0">
+            <a:schemeClr val="accent1"/>
+          </a:effectRef>
+          <a:fontRef idx="minor">
+            <a:schemeClr val="lt1"/>
+          </a:fontRef>
+        </p:style>
+        <p:txBody>
+          <a:bodyPr rtlCol="0" anchor="ctr"/>
+          <a:lstStyle/>
+          <a:p>
+            <a:pPr algn="ctr"/>
+            <a:endParaRPr lang="zh-CN" altLang="en-US"/>
+          </a:p>
+        </p:txBody>
+      </p:sp>
+      <p:sp>
+        <p:nvSpPr>
+          <p:cNvPr id="21" name="椭圆 9"/>
+          <p:cNvSpPr/>
+          <p:nvPr/>
+        </p:nvSpPr>
+        <p:spPr>
+          <a:xfrm rot="5400000">
+            <a:off x="8133290" y="4559183"/>
+            <a:ext cx="336725" cy="336534"/>
+          </a:xfrm>
+          <a:prstGeom prst="ellipse">
+            <a:avLst/>
+          </a:prstGeom>
+          <a:solidFill>
+            <a:srgbClr val="94CF50"/>
+          </a:solidFill>
+          <a:ln>
+            <a:solidFill>
+              <a:srgbClr val="10B349"/>
+            </a:solidFill>
+          </a:ln>
+        </p:spPr>
+        <p:style>
+          <a:lnRef idx="2">
+            <a:schemeClr val="accent1">
+              <a:shade val="50000"/>
+            </a:schemeClr>
+          </a:lnRef>
+          <a:fillRef idx="1">
+            <a:schemeClr val="accent1"/>
+          </a:fillRef>
+          <a:effectRef idx="0">
+            <a:schemeClr val="accent1"/>
+          </a:effectRef>
+          <a:fontRef idx="minor">
+            <a:schemeClr val="lt1"/>
+          </a:fontRef>
+        </p:style>
+        <p:txBody>
+          <a:bodyPr rtlCol="0" anchor="ctr"/>
+          <a:lstStyle/>
+          <a:p>
+            <a:pPr algn="ctr"/>
+            <a:endParaRPr lang="zh-CN" altLang="en-US"/>
+          </a:p>
+        </p:txBody>
+      </p:sp>
+      <p:sp>
+        <p:nvSpPr>
+          <p:cNvPr id="15" name="椭圆 5"/>
+          <p:cNvSpPr/>
+          <p:nvPr/>
+        </p:nvSpPr>
+        <p:spPr>
+          <a:xfrm rot="5400000">
+            <a:off x="7799582" y="3221026"/>
+            <a:ext cx="1025611" cy="959650"/>
+          </a:xfrm>
+          <a:prstGeom prst="ellipse">
+            <a:avLst/>
+          </a:prstGeom>
+          <a:solidFill>
+            <a:srgbClr val="94CF50"/>
+          </a:solidFill>
+          <a:ln w="76200">
+            <a:solidFill>
+              <a:srgbClr val="10B349"/>
+            </a:solidFill>
+          </a:ln>
+        </p:spPr>
+        <p:style>
+          <a:lnRef idx="2">
+            <a:schemeClr val="accent1">
+              <a:shade val="50000"/>
+            </a:schemeClr>
+          </a:lnRef>
+          <a:fillRef idx="1">
+            <a:schemeClr val="accent1"/>
+          </a:fillRef>
+          <a:effectRef idx="0">
+            <a:schemeClr val="accent1"/>
+          </a:effectRef>
+          <a:fontRef idx="minor">
+            <a:schemeClr val="lt1"/>
+          </a:fontRef>
+        </p:style>
+        <p:txBody>
+          <a:bodyPr rtlCol="0" anchor="ctr"/>
+          <a:lstStyle/>
+          <a:p>
+            <a:pPr algn="ctr"/>
+            <a:endParaRPr lang="zh-CN" altLang="en-US"/>
+          </a:p>
+        </p:txBody>
+      </p:sp>
+      <p:sp>
+        <p:nvSpPr>
+          <p:cNvPr id="17" name="椭圆 9"/>
+          <p:cNvSpPr/>
+          <p:nvPr/>
+        </p:nvSpPr>
+        <p:spPr>
+          <a:xfrm rot="5400000">
+            <a:off x="8144024" y="1441550"/>
+            <a:ext cx="336725" cy="336534"/>
+          </a:xfrm>
+          <a:prstGeom prst="ellipse">
+            <a:avLst/>
+          </a:prstGeom>
+          <a:solidFill>
+            <a:srgbClr val="94CF50"/>
+          </a:solidFill>
+          <a:ln>
+            <a:solidFill>
+              <a:srgbClr val="10B349"/>
+            </a:solidFill>
+          </a:ln>
+        </p:spPr>
+        <p:style>
+          <a:lnRef idx="2">
+            <a:schemeClr val="accent1">
+              <a:shade val="50000"/>
+            </a:schemeClr>
+          </a:lnRef>
+          <a:fillRef idx="1">
+            <a:schemeClr val="accent1"/>
+          </a:fillRef>
+          <a:effectRef idx="0">
+            <a:schemeClr val="accent1"/>
+          </a:effectRef>
+          <a:fontRef idx="minor">
+            <a:schemeClr val="lt1"/>
+          </a:fontRef>
+        </p:style>
+        <p:txBody>
+          <a:bodyPr rtlCol="0" anchor="ctr"/>
+          <a:lstStyle/>
+          <a:p>
+            <a:pPr algn="ctr"/>
+            <a:endParaRPr lang="zh-CN" altLang="en-US"/>
+          </a:p>
+        </p:txBody>
+      </p:sp>
+      <p:sp>
+        <p:nvSpPr>
+          <p:cNvPr id="18" name="文本框 13"/>
+          <p:cNvSpPr txBox="1"/>
+          <p:nvPr/>
+        </p:nvSpPr>
+        <p:spPr>
+          <a:xfrm>
+            <a:off x="7933248" y="3338797"/>
+            <a:ext cx="778065" cy="707886"/>
+          </a:xfrm>
+          <a:prstGeom prst="rect">
+            <a:avLst/>
+          </a:prstGeom>
+          <a:noFill/>
+        </p:spPr>
+        <p:txBody>
+          <a:bodyPr wrap="square" rtlCol="0">
+            <a:spAutoFit/>
+          </a:bodyPr>
+          <a:lstStyle/>
+          <a:p>
+            <a:pPr algn="ctr"/>
+            <a:r>
+              <a:rPr lang="en-US" altLang="zh-CN" sz="4000" smtClean="0">
+                <a:solidFill>
+                  <a:schemeClr val="bg1"/>
+                </a:solidFill>
+              </a:rPr>
+              <a:t>V3</a:t>
+            </a:r>
+            <a:endParaRPr lang="zh-CN" altLang="en-US" sz="4000" dirty="0">
+              <a:solidFill>
+                <a:schemeClr val="bg1"/>
+              </a:solidFill>
+            </a:endParaRPr>
+          </a:p>
+        </p:txBody>
+      </p:sp>
+      <p:sp>
+        <p:nvSpPr>
+          <p:cNvPr id="23" name="矩形 3"/>
+          <p:cNvSpPr/>
+          <p:nvPr/>
+        </p:nvSpPr>
+        <p:spPr>
+          <a:xfrm>
+            <a:off x="0" y="708454"/>
+            <a:ext cx="238897" cy="749643"/>
+          </a:xfrm>
+          <a:prstGeom prst="rect">
+            <a:avLst/>
+          </a:prstGeom>
+          <a:solidFill>
+            <a:srgbClr val="10B349"/>
+          </a:solidFill>
+          <a:ln>
+            <a:noFill/>
+          </a:ln>
+        </p:spPr>
+        <p:style>
+          <a:lnRef idx="2">
+            <a:schemeClr val="accent1">
+              <a:shade val="50000"/>
+            </a:schemeClr>
+          </a:lnRef>
+          <a:fillRef idx="1">
+            <a:schemeClr val="accent1"/>
+          </a:fillRef>
+          <a:effectRef idx="0">
+            <a:schemeClr val="accent1"/>
+          </a:effectRef>
+          <a:fontRef idx="minor">
+            <a:schemeClr val="lt1"/>
+          </a:fontRef>
+        </p:style>
+        <p:txBody>
+          <a:bodyPr rtlCol="0" anchor="ctr"/>
+          <a:lstStyle/>
+          <a:p>
+            <a:pPr algn="ctr"/>
+            <a:endParaRPr lang="zh-CN" altLang="en-US"/>
+          </a:p>
+        </p:txBody>
+      </p:sp>
+      <p:sp>
+        <p:nvSpPr>
+          <p:cNvPr id="24" name="文本框 4"/>
+          <p:cNvSpPr txBox="1"/>
+          <p:nvPr/>
+        </p:nvSpPr>
+        <p:spPr>
+          <a:xfrm>
+            <a:off x="238897" y="852442"/>
+            <a:ext cx="3543394" cy="461665"/>
+          </a:xfrm>
+          <a:prstGeom prst="rect">
+            <a:avLst/>
+          </a:prstGeom>
+          <a:noFill/>
+        </p:spPr>
+        <p:txBody>
+          <a:bodyPr wrap="square" rtlCol="0">
+            <a:spAutoFit/>
+          </a:bodyPr>
+          <a:lstStyle/>
+          <a:p>
+            <a:r>
+              <a:rPr lang="en-US" altLang="zh-CN" sz="2400" u="sng" dirty="0" smtClean="0"/>
+              <a:t>RESULTAAT</a:t>
+            </a:r>
+            <a:r>
+              <a:rPr lang="en-US" altLang="zh-CN" sz="2400" dirty="0" smtClean="0"/>
+              <a:t>: </a:t>
+            </a:r>
+            <a:r>
+              <a:rPr lang="en-US" altLang="zh-CN" sz="2400" dirty="0" err="1" smtClean="0"/>
+              <a:t>Aantal</a:t>
+            </a:r>
+            <a:r>
+              <a:rPr lang="en-US" altLang="zh-CN" sz="2400" dirty="0" smtClean="0"/>
+              <a:t> </a:t>
+            </a:r>
+            <a:r>
+              <a:rPr lang="en-US" altLang="zh-CN" sz="2400" dirty="0" err="1" smtClean="0"/>
+              <a:t>buren</a:t>
+            </a:r>
+            <a:endParaRPr lang="zh-CN" altLang="en-US" sz="2400" dirty="0"/>
+          </a:p>
+        </p:txBody>
+      </p:sp>
+      <p:sp>
+        <p:nvSpPr>
+          <p:cNvPr id="22" name="Content Placeholder 2"/>
+          <p:cNvSpPr txBox="1">
+            <a:spLocks/>
+          </p:cNvSpPr>
+          <p:nvPr/>
+        </p:nvSpPr>
+        <p:spPr>
+          <a:xfrm rot="16200000">
+            <a:off x="219367" y="2186628"/>
+            <a:ext cx="7315200" cy="6098067"/>
+          </a:xfrm>
+          <a:prstGeom prst="rect">
+            <a:avLst/>
+          </a:prstGeom>
+        </p:spPr>
+        <p:txBody>
+          <a:bodyPr vert="eaVert" lIns="91440" tIns="45720" rIns="91440" bIns="45720" rtlCol="0">
+            <a:normAutofit/>
+          </a:bodyPr>
+          <a:lstStyle>
+            <a:lvl1pPr marL="228600" indent="-228600" algn="l" defTabSz="914400" rtl="0" eaLnBrk="1" latinLnBrk="0" hangingPunct="1">
+              <a:lnSpc>
+                <a:spcPct val="90000"/>
+              </a:lnSpc>
+              <a:spcBef>
+                <a:spcPts val="1000"/>
+              </a:spcBef>
+              <a:buFont typeface="Arial" panose="020B0604020202020204" pitchFamily="34" charset="0"/>
+              <a:buChar char="•"/>
+              <a:defRPr sz="2800" kern="1200">
+                <a:solidFill>
+                  <a:schemeClr val="tx1"/>
+                </a:solidFill>
+                <a:latin typeface="+mn-lt"/>
+                <a:ea typeface="+mn-ea"/>
+                <a:cs typeface="+mn-cs"/>
+              </a:defRPr>
+            </a:lvl1pPr>
+            <a:lvl2pPr marL="685800" indent="-228600" algn="l" defTabSz="914400" rtl="0" eaLnBrk="1" latinLnBrk="0" hangingPunct="1">
+              <a:lnSpc>
+                <a:spcPct val="90000"/>
+              </a:lnSpc>
+              <a:spcBef>
+                <a:spcPts val="500"/>
+              </a:spcBef>
+              <a:buFont typeface="Arial" panose="020B0604020202020204" pitchFamily="34" charset="0"/>
+              <a:buChar char="•"/>
+              <a:defRPr sz="2400" kern="1200">
+                <a:solidFill>
+                  <a:schemeClr val="tx1"/>
+                </a:solidFill>
+                <a:latin typeface="+mn-lt"/>
+                <a:ea typeface="+mn-ea"/>
+                <a:cs typeface="+mn-cs"/>
+              </a:defRPr>
+            </a:lvl2pPr>
+            <a:lvl3pPr marL="1143000" indent="-228600" algn="l" defTabSz="914400" rtl="0" eaLnBrk="1" latinLnBrk="0" hangingPunct="1">
+              <a:lnSpc>
+                <a:spcPct val="90000"/>
+              </a:lnSpc>
+              <a:spcBef>
+                <a:spcPts val="500"/>
+              </a:spcBef>
+              <a:buFont typeface="Arial" panose="020B0604020202020204" pitchFamily="34" charset="0"/>
+              <a:buChar char="•"/>
+              <a:defRPr sz="2000" kern="1200">
+                <a:solidFill>
+                  <a:schemeClr val="tx1"/>
+                </a:solidFill>
+                <a:latin typeface="+mn-lt"/>
+                <a:ea typeface="+mn-ea"/>
+                <a:cs typeface="+mn-cs"/>
+              </a:defRPr>
+            </a:lvl3pPr>
+            <a:lvl4pPr marL="1600200" indent="-228600" algn="l" defTabSz="914400" rtl="0" eaLnBrk="1" latinLnBrk="0" hangingPunct="1">
+              <a:lnSpc>
+                <a:spcPct val="90000"/>
+              </a:lnSpc>
+              <a:spcBef>
+                <a:spcPts val="500"/>
+              </a:spcBef>
+              <a:buFont typeface="Arial" panose="020B0604020202020204" pitchFamily="34" charset="0"/>
+              <a:buChar char="•"/>
+              <a:defRPr sz="1800" kern="1200">
+                <a:solidFill>
+                  <a:schemeClr val="tx1"/>
+                </a:solidFill>
+                <a:latin typeface="+mn-lt"/>
+                <a:ea typeface="+mn-ea"/>
+                <a:cs typeface="+mn-cs"/>
+              </a:defRPr>
+            </a:lvl4pPr>
+            <a:lvl5pPr marL="2057400" indent="-228600" algn="l" defTabSz="914400" rtl="0" eaLnBrk="1" latinLnBrk="0" hangingPunct="1">
+              <a:lnSpc>
+                <a:spcPct val="90000"/>
+              </a:lnSpc>
+              <a:spcBef>
+                <a:spcPts val="500"/>
+              </a:spcBef>
+              <a:buFont typeface="Arial" panose="020B0604020202020204" pitchFamily="34" charset="0"/>
+              <a:buChar char="•"/>
+              <a:defRPr sz="1800" kern="1200">
+                <a:solidFill>
+                  <a:schemeClr val="tx1"/>
+                </a:solidFill>
+                <a:latin typeface="+mn-lt"/>
+                <a:ea typeface="+mn-ea"/>
+                <a:cs typeface="+mn-cs"/>
+              </a:defRPr>
+            </a:lvl5pPr>
+            <a:lvl6pPr marL="2514600" indent="-228600" algn="l" defTabSz="914400" rtl="0" eaLnBrk="1" latinLnBrk="0" hangingPunct="1">
+              <a:lnSpc>
+                <a:spcPct val="90000"/>
+              </a:lnSpc>
+              <a:spcBef>
+                <a:spcPts val="500"/>
+              </a:spcBef>
+              <a:buFont typeface="Arial" panose="020B0604020202020204" pitchFamily="34" charset="0"/>
+              <a:buChar char="•"/>
+              <a:defRPr sz="1800" kern="1200">
+                <a:solidFill>
+                  <a:schemeClr val="tx1"/>
+                </a:solidFill>
+                <a:latin typeface="+mn-lt"/>
+                <a:ea typeface="+mn-ea"/>
+                <a:cs typeface="+mn-cs"/>
+              </a:defRPr>
+            </a:lvl6pPr>
+            <a:lvl7pPr marL="2971800" indent="-228600" algn="l" defTabSz="914400" rtl="0" eaLnBrk="1" latinLnBrk="0" hangingPunct="1">
+              <a:lnSpc>
+                <a:spcPct val="90000"/>
+              </a:lnSpc>
+              <a:spcBef>
+                <a:spcPts val="500"/>
+              </a:spcBef>
+              <a:buFont typeface="Arial" panose="020B0604020202020204" pitchFamily="34" charset="0"/>
+              <a:buChar char="•"/>
+              <a:defRPr sz="1800" kern="1200">
+                <a:solidFill>
+                  <a:schemeClr val="tx1"/>
+                </a:solidFill>
+                <a:latin typeface="+mn-lt"/>
+                <a:ea typeface="+mn-ea"/>
+                <a:cs typeface="+mn-cs"/>
+              </a:defRPr>
+            </a:lvl7pPr>
+            <a:lvl8pPr marL="3429000" indent="-228600" algn="l" defTabSz="914400" rtl="0" eaLnBrk="1" latinLnBrk="0" hangingPunct="1">
+              <a:lnSpc>
+                <a:spcPct val="90000"/>
+              </a:lnSpc>
+              <a:spcBef>
+                <a:spcPts val="500"/>
+              </a:spcBef>
+              <a:buFont typeface="Arial" panose="020B0604020202020204" pitchFamily="34" charset="0"/>
+              <a:buChar char="•"/>
+              <a:defRPr sz="1800" kern="1200">
+                <a:solidFill>
+                  <a:schemeClr val="tx1"/>
+                </a:solidFill>
+                <a:latin typeface="+mn-lt"/>
+                <a:ea typeface="+mn-ea"/>
+                <a:cs typeface="+mn-cs"/>
+              </a:defRPr>
+            </a:lvl8pPr>
+            <a:lvl9pPr marL="3886200" indent="-228600" algn="l" defTabSz="914400" rtl="0" eaLnBrk="1" latinLnBrk="0" hangingPunct="1">
+              <a:lnSpc>
+                <a:spcPct val="90000"/>
+              </a:lnSpc>
+              <a:spcBef>
+                <a:spcPts val="500"/>
+              </a:spcBef>
+              <a:buFont typeface="Arial" panose="020B0604020202020204" pitchFamily="34" charset="0"/>
+              <a:buChar char="•"/>
+              <a:defRPr sz="1800" kern="1200">
+                <a:solidFill>
+                  <a:schemeClr val="tx1"/>
+                </a:solidFill>
+                <a:latin typeface="+mn-lt"/>
+                <a:ea typeface="+mn-ea"/>
+                <a:cs typeface="+mn-cs"/>
+              </a:defRPr>
+            </a:lvl9pPr>
+          </a:lstStyle>
+          <a:p>
+            <a:pPr marL="0" indent="0">
+              <a:buNone/>
+            </a:pPr>
+            <a:endParaRPr lang="nl-NL" sz="1050" dirty="0" smtClean="0"/>
+          </a:p>
+          <a:p>
+            <a:r>
+              <a:rPr lang="nl-NL" dirty="0" smtClean="0"/>
+              <a:t>Netwerk 3</a:t>
+            </a:r>
+            <a:endParaRPr lang="nl-NL" dirty="0"/>
+          </a:p>
+        </p:txBody>
+      </p:sp>
+    </p:spTree>
+    <p:extLst>
+      <p:ext uri="{BB962C8B-B14F-4D97-AF65-F5344CB8AC3E}">
+        <p14:creationId xmlns:p14="http://schemas.microsoft.com/office/powerpoint/2010/main" val="87522686"/>
+      </p:ext>
+    </p:extLst>
+  </p:cSld>
+  <p:clrMapOvr>
+    <a:masterClrMapping/>
+  </p:clrMapOvr>
+</p:sld>
+</file>
+
+<file path=ppt/slides/slide21.xml><?xml version="1.0" encoding="utf-8"?>
+<p:sld xmlns:a="http://schemas.openxmlformats.org/drawingml/2006/main" xmlns:r="http://schemas.openxmlformats.org/officeDocument/2006/relationships" xmlns:p="http://schemas.openxmlformats.org/presentationml/2006/main">
+  <p:cSld>
+    <p:bg>
+      <p:bgPr>
+        <a:solidFill>
+          <a:schemeClr val="bg1"/>
+        </a:solidFill>
+        <a:effectLst/>
+      </p:bgPr>
+    </p:bg>
+    <p:spTree>
+      <p:nvGrpSpPr>
+        <p:cNvPr id="1" name=""/>
+        <p:cNvGrpSpPr/>
+        <p:nvPr/>
+      </p:nvGrpSpPr>
+      <p:grpSpPr>
+        <a:xfrm>
+          <a:off x="0" y="0"/>
+          <a:ext cx="0" cy="0"/>
+          <a:chOff x="0" y="0"/>
+          <a:chExt cx="0" cy="0"/>
+        </a:xfrm>
+      </p:grpSpPr>
+      <p:grpSp>
+        <p:nvGrpSpPr>
+          <p:cNvPr id="4" name="组合 1"/>
+          <p:cNvGrpSpPr/>
+          <p:nvPr/>
+        </p:nvGrpSpPr>
+        <p:grpSpPr>
+          <a:xfrm rot="5400000">
+            <a:off x="4883389" y="3070657"/>
+            <a:ext cx="6858000" cy="716692"/>
+            <a:chOff x="0" y="2391141"/>
+            <a:chExt cx="9144000" cy="1021271"/>
+          </a:xfrm>
+        </p:grpSpPr>
+        <p:cxnSp>
+          <p:nvCxnSpPr>
+            <p:cNvPr id="5" name="直接连接符 4"/>
+            <p:cNvCxnSpPr/>
+            <p:nvPr/>
+          </p:nvCxnSpPr>
+          <p:spPr>
+            <a:xfrm>
+              <a:off x="0" y="2899719"/>
+              <a:ext cx="9144000" cy="0"/>
+            </a:xfrm>
+            <a:prstGeom prst="line">
+              <a:avLst/>
+            </a:prstGeom>
+          </p:spPr>
+          <p:style>
+            <a:lnRef idx="1">
+              <a:schemeClr val="accent1"/>
+            </a:lnRef>
+            <a:fillRef idx="0">
+              <a:schemeClr val="accent1"/>
+            </a:fillRef>
+            <a:effectRef idx="0">
+              <a:schemeClr val="accent1"/>
+            </a:effectRef>
+            <a:fontRef idx="minor">
+              <a:schemeClr val="tx1"/>
+            </a:fontRef>
+          </p:style>
+        </p:cxnSp>
+        <p:sp>
+          <p:nvSpPr>
+            <p:cNvPr id="9" name="椭圆 8"/>
+            <p:cNvSpPr/>
+            <p:nvPr/>
+          </p:nvSpPr>
+          <p:spPr>
+            <a:xfrm>
+              <a:off x="6123802" y="2763793"/>
+              <a:ext cx="275970" cy="275970"/>
+            </a:xfrm>
+            <a:prstGeom prst="ellipse">
+              <a:avLst/>
+            </a:prstGeom>
+            <a:solidFill>
+              <a:srgbClr val="94CF50"/>
+            </a:solidFill>
+            <a:ln w="9525">
+              <a:solidFill>
+                <a:srgbClr val="10B349"/>
+              </a:solidFill>
+            </a:ln>
+          </p:spPr>
+          <p:style>
+            <a:lnRef idx="2">
+              <a:schemeClr val="accent1">
+                <a:shade val="50000"/>
+              </a:schemeClr>
+            </a:lnRef>
+            <a:fillRef idx="1">
+              <a:schemeClr val="accent1"/>
+            </a:fillRef>
+            <a:effectRef idx="0">
+              <a:schemeClr val="accent1"/>
+            </a:effectRef>
+            <a:fontRef idx="minor">
+              <a:schemeClr val="lt1"/>
+            </a:fontRef>
+          </p:style>
+          <p:txBody>
+            <a:bodyPr rtlCol="0" anchor="ctr"/>
+            <a:lstStyle/>
+            <a:p>
+              <a:pPr algn="ctr"/>
+              <a:endParaRPr lang="zh-CN" altLang="en-US"/>
+            </a:p>
+          </p:txBody>
+        </p:sp>
+        <p:sp>
+          <p:nvSpPr>
+            <p:cNvPr id="14" name="文本框 13"/>
+            <p:cNvSpPr txBox="1"/>
+            <p:nvPr/>
+          </p:nvSpPr>
+          <p:spPr>
+            <a:xfrm rot="16200000">
+              <a:off x="1614726" y="2429853"/>
+              <a:ext cx="1021271" cy="943848"/>
+            </a:xfrm>
+            <a:prstGeom prst="rect">
+              <a:avLst/>
+            </a:prstGeom>
+            <a:noFill/>
+          </p:spPr>
+          <p:txBody>
+            <a:bodyPr wrap="square" rtlCol="0">
+              <a:spAutoFit/>
+            </a:bodyPr>
+            <a:lstStyle/>
+            <a:p>
+              <a:pPr algn="ctr"/>
+              <a:r>
+                <a:rPr lang="en-US" altLang="zh-CN" sz="4000" dirty="0">
+                  <a:solidFill>
+                    <a:schemeClr val="bg1"/>
+                  </a:solidFill>
+                </a:rPr>
+                <a:t>1</a:t>
+              </a:r>
+              <a:endParaRPr lang="zh-CN" altLang="en-US" sz="4000" dirty="0">
+                <a:solidFill>
+                  <a:schemeClr val="bg1"/>
+                </a:solidFill>
+              </a:endParaRPr>
+            </a:p>
+          </p:txBody>
+        </p:sp>
+      </p:grpSp>
+      <p:sp>
+        <p:nvSpPr>
+          <p:cNvPr id="19" name="椭圆 9"/>
+          <p:cNvSpPr/>
+          <p:nvPr/>
+        </p:nvSpPr>
+        <p:spPr>
+          <a:xfrm rot="5400000">
+            <a:off x="8144024" y="2317181"/>
+            <a:ext cx="336725" cy="336534"/>
+          </a:xfrm>
+          <a:prstGeom prst="ellipse">
+            <a:avLst/>
+          </a:prstGeom>
+          <a:solidFill>
+            <a:srgbClr val="94CF50"/>
+          </a:solidFill>
+          <a:ln>
+            <a:solidFill>
+              <a:srgbClr val="10B349"/>
+            </a:solidFill>
+          </a:ln>
+        </p:spPr>
+        <p:style>
+          <a:lnRef idx="2">
+            <a:schemeClr val="accent1">
+              <a:shade val="50000"/>
+            </a:schemeClr>
+          </a:lnRef>
+          <a:fillRef idx="1">
+            <a:schemeClr val="accent1"/>
+          </a:fillRef>
+          <a:effectRef idx="0">
+            <a:schemeClr val="accent1"/>
+          </a:effectRef>
+          <a:fontRef idx="minor">
+            <a:schemeClr val="lt1"/>
+          </a:fontRef>
+        </p:style>
+        <p:txBody>
+          <a:bodyPr rtlCol="0" anchor="ctr"/>
+          <a:lstStyle/>
+          <a:p>
+            <a:pPr algn="ctr"/>
+            <a:endParaRPr lang="zh-CN" altLang="en-US"/>
+          </a:p>
+        </p:txBody>
+      </p:sp>
+      <p:sp>
+        <p:nvSpPr>
+          <p:cNvPr id="20" name="椭圆 9"/>
+          <p:cNvSpPr/>
+          <p:nvPr/>
+        </p:nvSpPr>
+        <p:spPr>
+          <a:xfrm rot="5400000">
+            <a:off x="8133290" y="3305329"/>
+            <a:ext cx="336725" cy="336534"/>
+          </a:xfrm>
+          <a:prstGeom prst="ellipse">
+            <a:avLst/>
+          </a:prstGeom>
+          <a:solidFill>
+            <a:srgbClr val="94CF50"/>
+          </a:solidFill>
+          <a:ln>
+            <a:solidFill>
+              <a:srgbClr val="10B349"/>
+            </a:solidFill>
+          </a:ln>
+        </p:spPr>
+        <p:style>
+          <a:lnRef idx="2">
+            <a:schemeClr val="accent1">
+              <a:shade val="50000"/>
+            </a:schemeClr>
+          </a:lnRef>
+          <a:fillRef idx="1">
+            <a:schemeClr val="accent1"/>
+          </a:fillRef>
+          <a:effectRef idx="0">
+            <a:schemeClr val="accent1"/>
+          </a:effectRef>
+          <a:fontRef idx="minor">
+            <a:schemeClr val="lt1"/>
+          </a:fontRef>
+        </p:style>
+        <p:txBody>
+          <a:bodyPr rtlCol="0" anchor="ctr"/>
+          <a:lstStyle/>
+          <a:p>
+            <a:pPr algn="ctr"/>
+            <a:endParaRPr lang="zh-CN" altLang="en-US"/>
+          </a:p>
+        </p:txBody>
+      </p:sp>
+      <p:sp>
+        <p:nvSpPr>
+          <p:cNvPr id="21" name="椭圆 9"/>
+          <p:cNvSpPr/>
+          <p:nvPr/>
+        </p:nvSpPr>
+        <p:spPr>
+          <a:xfrm rot="5400000">
+            <a:off x="8133290" y="4559183"/>
+            <a:ext cx="336725" cy="336534"/>
+          </a:xfrm>
+          <a:prstGeom prst="ellipse">
+            <a:avLst/>
+          </a:prstGeom>
+          <a:solidFill>
+            <a:srgbClr val="94CF50"/>
+          </a:solidFill>
+          <a:ln>
+            <a:solidFill>
+              <a:srgbClr val="10B349"/>
+            </a:solidFill>
+          </a:ln>
+        </p:spPr>
+        <p:style>
+          <a:lnRef idx="2">
+            <a:schemeClr val="accent1">
+              <a:shade val="50000"/>
+            </a:schemeClr>
+          </a:lnRef>
+          <a:fillRef idx="1">
+            <a:schemeClr val="accent1"/>
+          </a:fillRef>
+          <a:effectRef idx="0">
+            <a:schemeClr val="accent1"/>
+          </a:effectRef>
+          <a:fontRef idx="minor">
+            <a:schemeClr val="lt1"/>
+          </a:fontRef>
+        </p:style>
+        <p:txBody>
+          <a:bodyPr rtlCol="0" anchor="ctr"/>
+          <a:lstStyle/>
+          <a:p>
+            <a:pPr algn="ctr"/>
+            <a:endParaRPr lang="zh-CN" altLang="en-US"/>
+          </a:p>
+        </p:txBody>
+      </p:sp>
+      <p:sp>
+        <p:nvSpPr>
+          <p:cNvPr id="17" name="椭圆 9"/>
+          <p:cNvSpPr/>
+          <p:nvPr/>
+        </p:nvSpPr>
+        <p:spPr>
+          <a:xfrm rot="5400000">
+            <a:off x="8144024" y="1441550"/>
+            <a:ext cx="336725" cy="336534"/>
+          </a:xfrm>
+          <a:prstGeom prst="ellipse">
+            <a:avLst/>
+          </a:prstGeom>
+          <a:solidFill>
+            <a:srgbClr val="94CF50"/>
+          </a:solidFill>
+          <a:ln>
+            <a:solidFill>
+              <a:srgbClr val="10B349"/>
+            </a:solidFill>
+          </a:ln>
+        </p:spPr>
+        <p:style>
+          <a:lnRef idx="2">
+            <a:schemeClr val="accent1">
+              <a:shade val="50000"/>
+            </a:schemeClr>
+          </a:lnRef>
+          <a:fillRef idx="1">
+            <a:schemeClr val="accent1"/>
+          </a:fillRef>
+          <a:effectRef idx="0">
+            <a:schemeClr val="accent1"/>
+          </a:effectRef>
+          <a:fontRef idx="minor">
+            <a:schemeClr val="lt1"/>
+          </a:fontRef>
+        </p:style>
+        <p:txBody>
+          <a:bodyPr rtlCol="0" anchor="ctr"/>
+          <a:lstStyle/>
+          <a:p>
+            <a:pPr algn="ctr"/>
+            <a:endParaRPr lang="zh-CN" altLang="en-US"/>
+          </a:p>
+        </p:txBody>
+      </p:sp>
+      <p:sp>
+        <p:nvSpPr>
+          <p:cNvPr id="23" name="椭圆 5"/>
+          <p:cNvSpPr/>
+          <p:nvPr/>
+        </p:nvSpPr>
+        <p:spPr>
+          <a:xfrm rot="5400000">
+            <a:off x="7801028" y="4320007"/>
+            <a:ext cx="1025611" cy="959650"/>
+          </a:xfrm>
+          <a:prstGeom prst="ellipse">
+            <a:avLst/>
+          </a:prstGeom>
+          <a:solidFill>
+            <a:srgbClr val="94CF50"/>
+          </a:solidFill>
+          <a:ln w="76200">
+            <a:solidFill>
+              <a:srgbClr val="10B349"/>
+            </a:solidFill>
+          </a:ln>
+        </p:spPr>
+        <p:style>
+          <a:lnRef idx="2">
+            <a:schemeClr val="accent1">
+              <a:shade val="50000"/>
+            </a:schemeClr>
+          </a:lnRef>
+          <a:fillRef idx="1">
+            <a:schemeClr val="accent1"/>
+          </a:fillRef>
+          <a:effectRef idx="0">
+            <a:schemeClr val="accent1"/>
+          </a:effectRef>
+          <a:fontRef idx="minor">
+            <a:schemeClr val="lt1"/>
+          </a:fontRef>
+        </p:style>
+        <p:txBody>
+          <a:bodyPr rtlCol="0" anchor="ctr"/>
+          <a:lstStyle/>
+          <a:p>
+            <a:pPr algn="ctr"/>
+            <a:endParaRPr lang="zh-CN" altLang="en-US"/>
+          </a:p>
+        </p:txBody>
+      </p:sp>
+      <p:sp>
+        <p:nvSpPr>
+          <p:cNvPr id="24" name="文本框 13"/>
+          <p:cNvSpPr txBox="1"/>
+          <p:nvPr/>
+        </p:nvSpPr>
+        <p:spPr>
+          <a:xfrm>
+            <a:off x="7893301" y="4445889"/>
+            <a:ext cx="838170" cy="707886"/>
+          </a:xfrm>
+          <a:prstGeom prst="rect">
+            <a:avLst/>
+          </a:prstGeom>
+          <a:noFill/>
+        </p:spPr>
+        <p:txBody>
+          <a:bodyPr wrap="square" rtlCol="0">
+            <a:spAutoFit/>
+          </a:bodyPr>
+          <a:lstStyle/>
+          <a:p>
+            <a:pPr algn="ctr"/>
+            <a:r>
+              <a:rPr lang="en-US" altLang="zh-CN" sz="4000" smtClean="0">
+                <a:solidFill>
+                  <a:schemeClr val="bg1"/>
+                </a:solidFill>
+              </a:rPr>
+              <a:t>V4</a:t>
+            </a:r>
+            <a:endParaRPr lang="zh-CN" altLang="en-US" sz="4000" dirty="0">
+              <a:solidFill>
+                <a:schemeClr val="bg1"/>
+              </a:solidFill>
+            </a:endParaRPr>
+          </a:p>
+        </p:txBody>
+      </p:sp>
+      <p:sp>
+        <p:nvSpPr>
+          <p:cNvPr id="25" name="矩形 3"/>
+          <p:cNvSpPr/>
+          <p:nvPr/>
+        </p:nvSpPr>
+        <p:spPr>
+          <a:xfrm>
+            <a:off x="0" y="708454"/>
+            <a:ext cx="238897" cy="749643"/>
+          </a:xfrm>
+          <a:prstGeom prst="rect">
+            <a:avLst/>
+          </a:prstGeom>
+          <a:solidFill>
+            <a:srgbClr val="10B349"/>
+          </a:solidFill>
+          <a:ln>
+            <a:noFill/>
+          </a:ln>
+        </p:spPr>
+        <p:style>
+          <a:lnRef idx="2">
+            <a:schemeClr val="accent1">
+              <a:shade val="50000"/>
+            </a:schemeClr>
+          </a:lnRef>
+          <a:fillRef idx="1">
+            <a:schemeClr val="accent1"/>
+          </a:fillRef>
+          <a:effectRef idx="0">
+            <a:schemeClr val="accent1"/>
+          </a:effectRef>
+          <a:fontRef idx="minor">
+            <a:schemeClr val="lt1"/>
+          </a:fontRef>
+        </p:style>
+        <p:txBody>
+          <a:bodyPr rtlCol="0" anchor="ctr"/>
+          <a:lstStyle/>
+          <a:p>
+            <a:pPr algn="ctr"/>
+            <a:endParaRPr lang="zh-CN" altLang="en-US"/>
+          </a:p>
+        </p:txBody>
+      </p:sp>
+      <p:sp>
+        <p:nvSpPr>
+          <p:cNvPr id="26" name="文本框 4"/>
+          <p:cNvSpPr txBox="1"/>
+          <p:nvPr/>
+        </p:nvSpPr>
+        <p:spPr>
+          <a:xfrm>
+            <a:off x="238896" y="852442"/>
+            <a:ext cx="6747120" cy="461665"/>
+          </a:xfrm>
+          <a:prstGeom prst="rect">
+            <a:avLst/>
+          </a:prstGeom>
+          <a:noFill/>
+        </p:spPr>
+        <p:txBody>
+          <a:bodyPr wrap="square" rtlCol="0">
+            <a:spAutoFit/>
+          </a:bodyPr>
+          <a:lstStyle/>
+          <a:p>
+            <a:r>
+              <a:rPr lang="en-US" altLang="zh-CN" sz="2400" u="sng" dirty="0" smtClean="0"/>
+              <a:t>METHODE</a:t>
+            </a:r>
+            <a:r>
+              <a:rPr lang="en-US" altLang="zh-CN" sz="2400" dirty="0" smtClean="0"/>
+              <a:t>: </a:t>
+            </a:r>
+            <a:r>
+              <a:rPr lang="en-US" altLang="zh-CN" sz="2400" dirty="0" err="1" smtClean="0"/>
+              <a:t>Toepassen</a:t>
+            </a:r>
+            <a:r>
+              <a:rPr lang="en-US" altLang="zh-CN" sz="2400" dirty="0" smtClean="0"/>
+              <a:t> </a:t>
+            </a:r>
+            <a:r>
+              <a:rPr lang="en-US" altLang="zh-CN" sz="2400" dirty="0" err="1" smtClean="0"/>
+              <a:t>controle</a:t>
+            </a:r>
+            <a:r>
+              <a:rPr lang="en-US" altLang="zh-CN" sz="2400" dirty="0" smtClean="0"/>
+              <a:t> </a:t>
+            </a:r>
+            <a:r>
+              <a:rPr lang="en-US" altLang="zh-CN" sz="2400" dirty="0" err="1" smtClean="0"/>
+              <a:t>theorie</a:t>
+            </a:r>
+            <a:r>
+              <a:rPr lang="en-US" altLang="zh-CN" sz="2400" dirty="0" smtClean="0"/>
+              <a:t> + </a:t>
+            </a:r>
+            <a:r>
+              <a:rPr lang="en-US" altLang="zh-CN" sz="2400" dirty="0" err="1" smtClean="0"/>
+              <a:t>moduleren</a:t>
+            </a:r>
+            <a:endParaRPr lang="zh-CN" altLang="en-US" sz="2400" dirty="0"/>
+          </a:p>
+        </p:txBody>
+      </p:sp>
+    </p:spTree>
+    <p:extLst>
+      <p:ext uri="{BB962C8B-B14F-4D97-AF65-F5344CB8AC3E}">
+        <p14:creationId xmlns:p14="http://schemas.microsoft.com/office/powerpoint/2010/main" val="1369678468"/>
+      </p:ext>
+    </p:extLst>
+  </p:cSld>
+  <p:clrMapOvr>
+    <a:masterClrMapping/>
+  </p:clrMapOvr>
+</p:sld>
+</file>
+
+<file path=ppt/slides/slide22.xml><?xml version="1.0" encoding="utf-8"?>
+<p:sld xmlns:a="http://schemas.openxmlformats.org/drawingml/2006/main" xmlns:r="http://schemas.openxmlformats.org/officeDocument/2006/relationships" xmlns:p="http://schemas.openxmlformats.org/presentationml/2006/main">
+  <p:cSld>
+    <p:spTree>
+      <p:nvGrpSpPr>
+        <p:cNvPr id="1" name=""/>
+        <p:cNvGrpSpPr/>
+        <p:nvPr/>
+      </p:nvGrpSpPr>
+      <p:grpSpPr>
+        <a:xfrm>
+          <a:off x="0" y="0"/>
+          <a:ext cx="0" cy="0"/>
+          <a:chOff x="0" y="0"/>
+          <a:chExt cx="0" cy="0"/>
+        </a:xfrm>
+      </p:grpSpPr>
+      <p:grpSp>
+        <p:nvGrpSpPr>
+          <p:cNvPr id="4" name="组合 1"/>
+          <p:cNvGrpSpPr/>
+          <p:nvPr/>
+        </p:nvGrpSpPr>
+        <p:grpSpPr>
+          <a:xfrm rot="5400000">
+            <a:off x="4883389" y="3070657"/>
+            <a:ext cx="6858000" cy="716692"/>
+            <a:chOff x="0" y="2391141"/>
+            <a:chExt cx="9144000" cy="1021271"/>
+          </a:xfrm>
+        </p:grpSpPr>
+        <p:cxnSp>
+          <p:nvCxnSpPr>
+            <p:cNvPr id="5" name="直接连接符 4"/>
+            <p:cNvCxnSpPr/>
+            <p:nvPr/>
+          </p:nvCxnSpPr>
+          <p:spPr>
+            <a:xfrm>
+              <a:off x="0" y="2899719"/>
+              <a:ext cx="9144000" cy="0"/>
+            </a:xfrm>
+            <a:prstGeom prst="line">
+              <a:avLst/>
+            </a:prstGeom>
+          </p:spPr>
+          <p:style>
+            <a:lnRef idx="1">
+              <a:schemeClr val="accent1"/>
+            </a:lnRef>
+            <a:fillRef idx="0">
+              <a:schemeClr val="accent1"/>
+            </a:fillRef>
+            <a:effectRef idx="0">
+              <a:schemeClr val="accent1"/>
+            </a:effectRef>
+            <a:fontRef idx="minor">
+              <a:schemeClr val="tx1"/>
+            </a:fontRef>
+          </p:style>
+        </p:cxnSp>
+        <p:sp>
+          <p:nvSpPr>
+            <p:cNvPr id="9" name="椭圆 8"/>
+            <p:cNvSpPr/>
+            <p:nvPr/>
+          </p:nvSpPr>
+          <p:spPr>
+            <a:xfrm>
+              <a:off x="6123802" y="2763793"/>
+              <a:ext cx="275970" cy="275970"/>
+            </a:xfrm>
+            <a:prstGeom prst="ellipse">
+              <a:avLst/>
+            </a:prstGeom>
+            <a:solidFill>
+              <a:srgbClr val="94CF50"/>
+            </a:solidFill>
+            <a:ln w="9525">
+              <a:solidFill>
+                <a:srgbClr val="10B349"/>
+              </a:solidFill>
+            </a:ln>
+          </p:spPr>
+          <p:style>
+            <a:lnRef idx="2">
+              <a:schemeClr val="accent1">
+                <a:shade val="50000"/>
+              </a:schemeClr>
+            </a:lnRef>
+            <a:fillRef idx="1">
+              <a:schemeClr val="accent1"/>
+            </a:fillRef>
+            <a:effectRef idx="0">
+              <a:schemeClr val="accent1"/>
+            </a:effectRef>
+            <a:fontRef idx="minor">
+              <a:schemeClr val="lt1"/>
+            </a:fontRef>
+          </p:style>
+          <p:txBody>
+            <a:bodyPr rtlCol="0" anchor="ctr"/>
+            <a:lstStyle/>
+            <a:p>
+              <a:pPr algn="ctr"/>
+              <a:endParaRPr lang="zh-CN" altLang="en-US"/>
+            </a:p>
+          </p:txBody>
+        </p:sp>
+        <p:sp>
+          <p:nvSpPr>
+            <p:cNvPr id="14" name="文本框 13"/>
+            <p:cNvSpPr txBox="1"/>
+            <p:nvPr/>
+          </p:nvSpPr>
+          <p:spPr>
+            <a:xfrm rot="16200000">
+              <a:off x="1614726" y="2429853"/>
+              <a:ext cx="1021271" cy="943848"/>
+            </a:xfrm>
+            <a:prstGeom prst="rect">
+              <a:avLst/>
+            </a:prstGeom>
+            <a:noFill/>
+          </p:spPr>
+          <p:txBody>
+            <a:bodyPr wrap="square" rtlCol="0">
+              <a:spAutoFit/>
+            </a:bodyPr>
+            <a:lstStyle/>
+            <a:p>
+              <a:pPr algn="ctr"/>
+              <a:r>
+                <a:rPr lang="en-US" altLang="zh-CN" sz="4000" dirty="0">
+                  <a:solidFill>
+                    <a:schemeClr val="bg1"/>
+                  </a:solidFill>
+                </a:rPr>
+                <a:t>1</a:t>
+              </a:r>
+              <a:endParaRPr lang="zh-CN" altLang="en-US" sz="4000" dirty="0">
+                <a:solidFill>
+                  <a:schemeClr val="bg1"/>
+                </a:solidFill>
+              </a:endParaRPr>
+            </a:p>
+          </p:txBody>
+        </p:sp>
+      </p:grpSp>
+      <p:sp>
+        <p:nvSpPr>
+          <p:cNvPr id="19" name="椭圆 9"/>
+          <p:cNvSpPr/>
+          <p:nvPr/>
+        </p:nvSpPr>
+        <p:spPr>
+          <a:xfrm rot="5400000">
+            <a:off x="8144024" y="2317181"/>
+            <a:ext cx="336725" cy="336534"/>
+          </a:xfrm>
+          <a:prstGeom prst="ellipse">
+            <a:avLst/>
+          </a:prstGeom>
+          <a:solidFill>
+            <a:srgbClr val="94CF50"/>
+          </a:solidFill>
+          <a:ln>
+            <a:solidFill>
+              <a:srgbClr val="10B349"/>
+            </a:solidFill>
+          </a:ln>
+        </p:spPr>
+        <p:style>
+          <a:lnRef idx="2">
+            <a:schemeClr val="accent1">
+              <a:shade val="50000"/>
+            </a:schemeClr>
+          </a:lnRef>
+          <a:fillRef idx="1">
+            <a:schemeClr val="accent1"/>
+          </a:fillRef>
+          <a:effectRef idx="0">
+            <a:schemeClr val="accent1"/>
+          </a:effectRef>
+          <a:fontRef idx="minor">
+            <a:schemeClr val="lt1"/>
+          </a:fontRef>
+        </p:style>
+        <p:txBody>
+          <a:bodyPr rtlCol="0" anchor="ctr"/>
+          <a:lstStyle/>
+          <a:p>
+            <a:pPr algn="ctr"/>
+            <a:endParaRPr lang="zh-CN" altLang="en-US"/>
+          </a:p>
+        </p:txBody>
+      </p:sp>
+      <p:sp>
+        <p:nvSpPr>
+          <p:cNvPr id="20" name="椭圆 9"/>
+          <p:cNvSpPr/>
+          <p:nvPr/>
+        </p:nvSpPr>
+        <p:spPr>
+          <a:xfrm rot="5400000">
+            <a:off x="8133290" y="3305329"/>
+            <a:ext cx="336725" cy="336534"/>
+          </a:xfrm>
+          <a:prstGeom prst="ellipse">
+            <a:avLst/>
+          </a:prstGeom>
+          <a:solidFill>
+            <a:srgbClr val="94CF50"/>
+          </a:solidFill>
+          <a:ln>
+            <a:solidFill>
+              <a:srgbClr val="10B349"/>
+            </a:solidFill>
+          </a:ln>
+        </p:spPr>
+        <p:style>
+          <a:lnRef idx="2">
+            <a:schemeClr val="accent1">
+              <a:shade val="50000"/>
+            </a:schemeClr>
+          </a:lnRef>
+          <a:fillRef idx="1">
+            <a:schemeClr val="accent1"/>
+          </a:fillRef>
+          <a:effectRef idx="0">
+            <a:schemeClr val="accent1"/>
+          </a:effectRef>
+          <a:fontRef idx="minor">
+            <a:schemeClr val="lt1"/>
+          </a:fontRef>
+        </p:style>
+        <p:txBody>
+          <a:bodyPr rtlCol="0" anchor="ctr"/>
+          <a:lstStyle/>
+          <a:p>
+            <a:pPr algn="ctr"/>
+            <a:endParaRPr lang="zh-CN" altLang="en-US"/>
+          </a:p>
+        </p:txBody>
+      </p:sp>
+      <p:sp>
+        <p:nvSpPr>
+          <p:cNvPr id="21" name="椭圆 9"/>
+          <p:cNvSpPr/>
+          <p:nvPr/>
+        </p:nvSpPr>
+        <p:spPr>
+          <a:xfrm rot="5400000">
+            <a:off x="8133290" y="4559183"/>
+            <a:ext cx="336725" cy="336534"/>
+          </a:xfrm>
+          <a:prstGeom prst="ellipse">
+            <a:avLst/>
+          </a:prstGeom>
+          <a:solidFill>
+            <a:srgbClr val="94CF50"/>
+          </a:solidFill>
+          <a:ln>
+            <a:solidFill>
+              <a:srgbClr val="10B349"/>
+            </a:solidFill>
+          </a:ln>
+        </p:spPr>
+        <p:style>
+          <a:lnRef idx="2">
+            <a:schemeClr val="accent1">
+              <a:shade val="50000"/>
+            </a:schemeClr>
+          </a:lnRef>
+          <a:fillRef idx="1">
+            <a:schemeClr val="accent1"/>
+          </a:fillRef>
+          <a:effectRef idx="0">
+            <a:schemeClr val="accent1"/>
+          </a:effectRef>
+          <a:fontRef idx="minor">
+            <a:schemeClr val="lt1"/>
+          </a:fontRef>
+        </p:style>
+        <p:txBody>
+          <a:bodyPr rtlCol="0" anchor="ctr"/>
+          <a:lstStyle/>
+          <a:p>
+            <a:pPr algn="ctr"/>
+            <a:endParaRPr lang="zh-CN" altLang="en-US"/>
+          </a:p>
+        </p:txBody>
+      </p:sp>
+      <p:sp>
+        <p:nvSpPr>
+          <p:cNvPr id="17" name="椭圆 9"/>
+          <p:cNvSpPr/>
+          <p:nvPr/>
+        </p:nvSpPr>
+        <p:spPr>
+          <a:xfrm rot="5400000">
+            <a:off x="8144024" y="1441550"/>
+            <a:ext cx="336725" cy="336534"/>
+          </a:xfrm>
+          <a:prstGeom prst="ellipse">
+            <a:avLst/>
+          </a:prstGeom>
+          <a:solidFill>
+            <a:srgbClr val="94CF50"/>
+          </a:solidFill>
+          <a:ln>
+            <a:solidFill>
+              <a:srgbClr val="10B349"/>
+            </a:solidFill>
+          </a:ln>
+        </p:spPr>
+        <p:style>
+          <a:lnRef idx="2">
+            <a:schemeClr val="accent1">
+              <a:shade val="50000"/>
+            </a:schemeClr>
+          </a:lnRef>
+          <a:fillRef idx="1">
+            <a:schemeClr val="accent1"/>
+          </a:fillRef>
+          <a:effectRef idx="0">
+            <a:schemeClr val="accent1"/>
+          </a:effectRef>
+          <a:fontRef idx="minor">
+            <a:schemeClr val="lt1"/>
+          </a:fontRef>
+        </p:style>
+        <p:txBody>
+          <a:bodyPr rtlCol="0" anchor="ctr"/>
+          <a:lstStyle/>
+          <a:p>
+            <a:pPr algn="ctr"/>
+            <a:endParaRPr lang="zh-CN" altLang="en-US"/>
+          </a:p>
+        </p:txBody>
+      </p:sp>
+      <p:sp>
+        <p:nvSpPr>
+          <p:cNvPr id="23" name="椭圆 5"/>
+          <p:cNvSpPr/>
+          <p:nvPr/>
+        </p:nvSpPr>
+        <p:spPr>
+          <a:xfrm rot="5400000">
+            <a:off x="7801028" y="4320007"/>
+            <a:ext cx="1025611" cy="959650"/>
+          </a:xfrm>
+          <a:prstGeom prst="ellipse">
+            <a:avLst/>
+          </a:prstGeom>
+          <a:solidFill>
+            <a:srgbClr val="94CF50"/>
+          </a:solidFill>
+          <a:ln w="76200">
+            <a:solidFill>
+              <a:srgbClr val="10B349"/>
+            </a:solidFill>
+          </a:ln>
+        </p:spPr>
+        <p:style>
+          <a:lnRef idx="2">
+            <a:schemeClr val="accent1">
+              <a:shade val="50000"/>
+            </a:schemeClr>
+          </a:lnRef>
+          <a:fillRef idx="1">
+            <a:schemeClr val="accent1"/>
+          </a:fillRef>
+          <a:effectRef idx="0">
+            <a:schemeClr val="accent1"/>
+          </a:effectRef>
+          <a:fontRef idx="minor">
+            <a:schemeClr val="lt1"/>
+          </a:fontRef>
+        </p:style>
+        <p:txBody>
+          <a:bodyPr rtlCol="0" anchor="ctr"/>
+          <a:lstStyle/>
+          <a:p>
+            <a:pPr algn="ctr"/>
+            <a:endParaRPr lang="zh-CN" altLang="en-US"/>
+          </a:p>
+        </p:txBody>
+      </p:sp>
+      <p:sp>
+        <p:nvSpPr>
+          <p:cNvPr id="24" name="文本框 13"/>
+          <p:cNvSpPr txBox="1"/>
+          <p:nvPr/>
+        </p:nvSpPr>
+        <p:spPr>
+          <a:xfrm>
+            <a:off x="7893301" y="4445889"/>
+            <a:ext cx="838170" cy="707886"/>
+          </a:xfrm>
+          <a:prstGeom prst="rect">
+            <a:avLst/>
+          </a:prstGeom>
+          <a:noFill/>
+        </p:spPr>
+        <p:txBody>
+          <a:bodyPr wrap="square" rtlCol="0">
+            <a:spAutoFit/>
+          </a:bodyPr>
+          <a:lstStyle/>
+          <a:p>
+            <a:pPr algn="ctr"/>
+            <a:r>
+              <a:rPr lang="en-US" altLang="zh-CN" sz="4000" smtClean="0">
+                <a:solidFill>
+                  <a:schemeClr val="bg1"/>
+                </a:solidFill>
+              </a:rPr>
+              <a:t>V4</a:t>
+            </a:r>
+            <a:endParaRPr lang="zh-CN" altLang="en-US" sz="4000" dirty="0">
+              <a:solidFill>
+                <a:schemeClr val="bg1"/>
+              </a:solidFill>
+            </a:endParaRPr>
+          </a:p>
+        </p:txBody>
+      </p:sp>
+      <p:sp>
+        <p:nvSpPr>
+          <p:cNvPr id="25" name="矩形 3"/>
+          <p:cNvSpPr/>
+          <p:nvPr/>
+        </p:nvSpPr>
+        <p:spPr>
+          <a:xfrm>
+            <a:off x="0" y="708454"/>
+            <a:ext cx="238897" cy="749643"/>
+          </a:xfrm>
+          <a:prstGeom prst="rect">
+            <a:avLst/>
+          </a:prstGeom>
+          <a:solidFill>
+            <a:srgbClr val="10B349"/>
+          </a:solidFill>
+          <a:ln>
+            <a:noFill/>
+          </a:ln>
+        </p:spPr>
+        <p:style>
+          <a:lnRef idx="2">
+            <a:schemeClr val="accent1">
+              <a:shade val="50000"/>
+            </a:schemeClr>
+          </a:lnRef>
+          <a:fillRef idx="1">
+            <a:schemeClr val="accent1"/>
+          </a:fillRef>
+          <a:effectRef idx="0">
+            <a:schemeClr val="accent1"/>
+          </a:effectRef>
+          <a:fontRef idx="minor">
+            <a:schemeClr val="lt1"/>
+          </a:fontRef>
+        </p:style>
+        <p:txBody>
+          <a:bodyPr rtlCol="0" anchor="ctr"/>
+          <a:lstStyle/>
+          <a:p>
+            <a:pPr algn="ctr"/>
+            <a:endParaRPr lang="zh-CN" altLang="en-US"/>
+          </a:p>
+        </p:txBody>
+      </p:sp>
+      <p:sp>
+        <p:nvSpPr>
+          <p:cNvPr id="26" name="文本框 4"/>
+          <p:cNvSpPr txBox="1"/>
+          <p:nvPr/>
+        </p:nvSpPr>
+        <p:spPr>
+          <a:xfrm>
+            <a:off x="238896" y="852442"/>
+            <a:ext cx="7548322" cy="461665"/>
+          </a:xfrm>
+          <a:prstGeom prst="rect">
+            <a:avLst/>
+          </a:prstGeom>
+          <a:noFill/>
+        </p:spPr>
+        <p:txBody>
+          <a:bodyPr wrap="square" rtlCol="0">
+            <a:spAutoFit/>
+          </a:bodyPr>
+          <a:lstStyle/>
+          <a:p>
+            <a:r>
+              <a:rPr lang="en-US" altLang="zh-CN" sz="2400" u="sng" dirty="0" smtClean="0"/>
+              <a:t>RESULTAAT</a:t>
+            </a:r>
+            <a:r>
+              <a:rPr lang="en-US" altLang="zh-CN" sz="2400" dirty="0"/>
+              <a:t>: </a:t>
+            </a:r>
+            <a:r>
+              <a:rPr lang="en-US" altLang="zh-CN" sz="2400" dirty="0" err="1"/>
+              <a:t>Toepassen</a:t>
+            </a:r>
+            <a:r>
+              <a:rPr lang="en-US" altLang="zh-CN" sz="2400" dirty="0"/>
+              <a:t> </a:t>
+            </a:r>
+            <a:r>
+              <a:rPr lang="en-US" altLang="zh-CN" sz="2400" dirty="0" err="1"/>
+              <a:t>controle</a:t>
+            </a:r>
+            <a:r>
+              <a:rPr lang="en-US" altLang="zh-CN" sz="2400" dirty="0"/>
+              <a:t> </a:t>
+            </a:r>
+            <a:r>
+              <a:rPr lang="en-US" altLang="zh-CN" sz="2400" dirty="0" err="1"/>
+              <a:t>theorie</a:t>
+            </a:r>
+            <a:r>
+              <a:rPr lang="en-US" altLang="zh-CN" sz="2400" dirty="0"/>
+              <a:t> + </a:t>
+            </a:r>
+            <a:r>
+              <a:rPr lang="en-US" altLang="zh-CN" sz="2400" dirty="0" err="1"/>
+              <a:t>moduleren</a:t>
+            </a:r>
+            <a:endParaRPr lang="zh-CN" altLang="en-US" sz="2400" dirty="0"/>
+          </a:p>
+        </p:txBody>
+      </p:sp>
+    </p:spTree>
+    <p:extLst>
+      <p:ext uri="{BB962C8B-B14F-4D97-AF65-F5344CB8AC3E}">
+        <p14:creationId xmlns:p14="http://schemas.microsoft.com/office/powerpoint/2010/main" val="1939964443"/>
+      </p:ext>
+    </p:extLst>
+  </p:cSld>
+  <p:clrMapOvr>
+    <a:masterClrMapping/>
+  </p:clrMapOvr>
+</p:sld>
+</file>
+
+<file path=ppt/slides/slide23.xml><?xml version="1.0" encoding="utf-8"?>
+<p:sld xmlns:a="http://schemas.openxmlformats.org/drawingml/2006/main" xmlns:r="http://schemas.openxmlformats.org/officeDocument/2006/relationships" xmlns:p="http://schemas.openxmlformats.org/presentationml/2006/main">
+  <p:cSld>
+    <p:bg>
+      <p:bgPr>
+        <a:solidFill>
+          <a:schemeClr val="accent2">
+            <a:lumMod val="75000"/>
+          </a:schemeClr>
+        </a:solidFill>
+        <a:effectLst/>
+      </p:bgPr>
+    </p:bg>
+    <p:spTree>
+      <p:nvGrpSpPr>
+        <p:cNvPr id="1" name=""/>
+        <p:cNvGrpSpPr/>
+        <p:nvPr/>
+      </p:nvGrpSpPr>
+      <p:grpSpPr>
+        <a:xfrm>
+          <a:off x="0" y="0"/>
+          <a:ext cx="0" cy="0"/>
+          <a:chOff x="0" y="0"/>
+          <a:chExt cx="0" cy="0"/>
+        </a:xfrm>
+      </p:grpSpPr>
+      <p:sp>
+        <p:nvSpPr>
+          <p:cNvPr id="10" name="文本框 9"/>
+          <p:cNvSpPr txBox="1"/>
+          <p:nvPr/>
+        </p:nvSpPr>
+        <p:spPr>
+          <a:xfrm>
+            <a:off x="3945924" y="2718311"/>
+            <a:ext cx="1219200" cy="1446550"/>
+          </a:xfrm>
+          <a:prstGeom prst="rect">
+            <a:avLst/>
+          </a:prstGeom>
+          <a:noFill/>
+        </p:spPr>
+        <p:txBody>
+          <a:bodyPr wrap="square" rtlCol="0">
+            <a:spAutoFit/>
+          </a:bodyPr>
+          <a:lstStyle/>
+          <a:p>
+            <a:pPr algn="ctr"/>
+            <a:r>
+              <a:rPr lang="en-US" altLang="zh-CN" sz="8800" dirty="0">
+                <a:solidFill>
+                  <a:schemeClr val="bg1"/>
+                </a:solidFill>
+              </a:rPr>
+              <a:t>4</a:t>
+            </a:r>
+            <a:endParaRPr lang="zh-CN" altLang="en-US" sz="8800" dirty="0">
+              <a:solidFill>
+                <a:schemeClr val="bg1"/>
+              </a:solidFill>
+            </a:endParaRPr>
+          </a:p>
+        </p:txBody>
+      </p:sp>
+      <p:sp>
+        <p:nvSpPr>
+          <p:cNvPr id="3" name="文本框 14"/>
+          <p:cNvSpPr txBox="1"/>
+          <p:nvPr/>
+        </p:nvSpPr>
+        <p:spPr>
+          <a:xfrm>
+            <a:off x="2390845" y="1015321"/>
+            <a:ext cx="4329358" cy="707886"/>
+          </a:xfrm>
+          <a:prstGeom prst="rect">
+            <a:avLst/>
+          </a:prstGeom>
+          <a:noFill/>
+        </p:spPr>
+        <p:txBody>
+          <a:bodyPr wrap="square" rtlCol="0">
+            <a:spAutoFit/>
+          </a:bodyPr>
+          <a:lstStyle/>
+          <a:p>
+            <a:pPr algn="ctr"/>
+            <a:r>
+              <a:rPr lang="en-US" altLang="zh-CN" sz="4000" b="1" dirty="0" err="1" smtClean="0">
+                <a:solidFill>
+                  <a:schemeClr val="bg1"/>
+                </a:solidFill>
+                <a:latin typeface="Candara" panose="020E0502030303020204" pitchFamily="34" charset="0"/>
+              </a:rPr>
+              <a:t>Conclusie</a:t>
+            </a:r>
+            <a:endParaRPr lang="zh-CN" altLang="en-US" sz="4000" b="1" dirty="0">
+              <a:solidFill>
+                <a:schemeClr val="bg1"/>
+              </a:solidFill>
+              <a:latin typeface="Candara" panose="020E0502030303020204" pitchFamily="34" charset="0"/>
+            </a:endParaRPr>
+          </a:p>
+        </p:txBody>
+      </p:sp>
+    </p:spTree>
+    <p:extLst>
+      <p:ext uri="{BB962C8B-B14F-4D97-AF65-F5344CB8AC3E}">
+        <p14:creationId xmlns:p14="http://schemas.microsoft.com/office/powerpoint/2010/main" val="1983690368"/>
+      </p:ext>
+    </p:extLst>
+  </p:cSld>
+  <p:clrMapOvr>
+    <a:masterClrMapping/>
+  </p:clrMapOvr>
+</p:sld>
+</file>
+
+<file path=ppt/slides/slide24.xml><?xml version="1.0" encoding="utf-8"?>
+<p:sld xmlns:a="http://schemas.openxmlformats.org/drawingml/2006/main" xmlns:r="http://schemas.openxmlformats.org/officeDocument/2006/relationships" xmlns:p="http://schemas.openxmlformats.org/presentationml/2006/main">
+  <p:cSld>
+    <p:bg>
+      <p:bgPr>
+        <a:solidFill>
+          <a:schemeClr val="bg1"/>
+        </a:solidFill>
+        <a:effectLst/>
+      </p:bgPr>
+    </p:bg>
+    <p:spTree>
+      <p:nvGrpSpPr>
+        <p:cNvPr id="1" name=""/>
+        <p:cNvGrpSpPr/>
+        <p:nvPr/>
+      </p:nvGrpSpPr>
+      <p:grpSpPr>
+        <a:xfrm>
+          <a:off x="0" y="0"/>
+          <a:ext cx="0" cy="0"/>
+          <a:chOff x="0" y="0"/>
+          <a:chExt cx="0" cy="0"/>
+        </a:xfrm>
+      </p:grpSpPr>
+      <p:grpSp>
+        <p:nvGrpSpPr>
+          <p:cNvPr id="2" name="组合 1"/>
+          <p:cNvGrpSpPr/>
+          <p:nvPr/>
+        </p:nvGrpSpPr>
+        <p:grpSpPr>
+          <a:xfrm>
+            <a:off x="0" y="1811291"/>
+            <a:ext cx="9144000" cy="1790709"/>
+            <a:chOff x="0" y="1811291"/>
+            <a:chExt cx="9144000" cy="1790709"/>
+          </a:xfrm>
+        </p:grpSpPr>
+        <p:cxnSp>
+          <p:nvCxnSpPr>
+            <p:cNvPr id="5" name="直接连接符 4"/>
+            <p:cNvCxnSpPr/>
+            <p:nvPr/>
+          </p:nvCxnSpPr>
+          <p:spPr>
+            <a:xfrm>
+              <a:off x="0" y="2899719"/>
+              <a:ext cx="9144000" cy="0"/>
+            </a:xfrm>
+            <a:prstGeom prst="line">
+              <a:avLst/>
+            </a:prstGeom>
+          </p:spPr>
+          <p:style>
+            <a:lnRef idx="1">
+              <a:schemeClr val="accent1"/>
+            </a:lnRef>
+            <a:fillRef idx="0">
+              <a:schemeClr val="accent1"/>
+            </a:fillRef>
+            <a:effectRef idx="0">
+              <a:schemeClr val="accent1"/>
+            </a:effectRef>
+            <a:fontRef idx="minor">
+              <a:schemeClr val="tx1"/>
+            </a:fontRef>
+          </p:style>
+        </p:cxnSp>
+        <p:sp>
+          <p:nvSpPr>
+            <p:cNvPr id="6" name="椭圆 5"/>
+            <p:cNvSpPr/>
+            <p:nvPr/>
+          </p:nvSpPr>
+          <p:spPr>
+            <a:xfrm>
+              <a:off x="1441622" y="2215978"/>
+              <a:ext cx="1367481" cy="1367481"/>
+            </a:xfrm>
+            <a:prstGeom prst="ellipse">
+              <a:avLst/>
+            </a:prstGeom>
+            <a:solidFill>
+              <a:srgbClr val="94CF50"/>
+            </a:solidFill>
+            <a:ln w="76200">
+              <a:solidFill>
+                <a:srgbClr val="10B349"/>
+              </a:solidFill>
+            </a:ln>
+          </p:spPr>
+          <p:style>
+            <a:lnRef idx="2">
+              <a:schemeClr val="accent1">
+                <a:shade val="50000"/>
+              </a:schemeClr>
+            </a:lnRef>
+            <a:fillRef idx="1">
+              <a:schemeClr val="accent1"/>
+            </a:fillRef>
+            <a:effectRef idx="0">
+              <a:schemeClr val="accent1"/>
+            </a:effectRef>
+            <a:fontRef idx="minor">
+              <a:schemeClr val="lt1"/>
+            </a:fontRef>
+          </p:style>
+          <p:txBody>
+            <a:bodyPr rtlCol="0" anchor="ctr"/>
+            <a:lstStyle/>
+            <a:p>
+              <a:pPr algn="ctr"/>
+              <a:endParaRPr lang="zh-CN" altLang="en-US"/>
+            </a:p>
+          </p:txBody>
+        </p:sp>
+        <p:sp>
+          <p:nvSpPr>
+            <p:cNvPr id="7" name="椭圆 6"/>
+            <p:cNvSpPr/>
+            <p:nvPr/>
+          </p:nvSpPr>
+          <p:spPr>
+            <a:xfrm>
+              <a:off x="3611258" y="2763793"/>
+              <a:ext cx="275970" cy="275970"/>
+            </a:xfrm>
+            <a:prstGeom prst="ellipse">
+              <a:avLst/>
+            </a:prstGeom>
+            <a:solidFill>
+              <a:srgbClr val="94CF50"/>
+            </a:solidFill>
+            <a:ln w="9525">
+              <a:solidFill>
+                <a:srgbClr val="10B349"/>
+              </a:solidFill>
+            </a:ln>
+          </p:spPr>
+          <p:style>
+            <a:lnRef idx="2">
+              <a:schemeClr val="accent1">
+                <a:shade val="50000"/>
+              </a:schemeClr>
+            </a:lnRef>
+            <a:fillRef idx="1">
+              <a:schemeClr val="accent1"/>
+            </a:fillRef>
+            <a:effectRef idx="0">
+              <a:schemeClr val="accent1"/>
+            </a:effectRef>
+            <a:fontRef idx="minor">
+              <a:schemeClr val="lt1"/>
+            </a:fontRef>
+          </p:style>
+          <p:txBody>
+            <a:bodyPr rtlCol="0" anchor="ctr"/>
+            <a:lstStyle/>
+            <a:p>
+              <a:pPr algn="ctr"/>
+              <a:endParaRPr lang="zh-CN" altLang="en-US"/>
+            </a:p>
+          </p:txBody>
+        </p:sp>
+        <p:sp>
+          <p:nvSpPr>
+            <p:cNvPr id="8" name="椭圆 7"/>
+            <p:cNvSpPr/>
+            <p:nvPr/>
+          </p:nvSpPr>
+          <p:spPr>
+            <a:xfrm>
+              <a:off x="4923650" y="2763793"/>
+              <a:ext cx="275970" cy="275970"/>
+            </a:xfrm>
+            <a:prstGeom prst="ellipse">
+              <a:avLst/>
+            </a:prstGeom>
+            <a:solidFill>
+              <a:srgbClr val="94CF50"/>
+            </a:solidFill>
+            <a:ln w="9525">
+              <a:solidFill>
+                <a:srgbClr val="10B349"/>
+              </a:solidFill>
+            </a:ln>
+          </p:spPr>
+          <p:style>
+            <a:lnRef idx="2">
+              <a:schemeClr val="accent1">
+                <a:shade val="50000"/>
+              </a:schemeClr>
+            </a:lnRef>
+            <a:fillRef idx="1">
+              <a:schemeClr val="accent1"/>
+            </a:fillRef>
+            <a:effectRef idx="0">
+              <a:schemeClr val="accent1"/>
+            </a:effectRef>
+            <a:fontRef idx="minor">
+              <a:schemeClr val="lt1"/>
+            </a:fontRef>
+          </p:style>
+          <p:txBody>
+            <a:bodyPr rtlCol="0" anchor="ctr"/>
+            <a:lstStyle/>
+            <a:p>
+              <a:pPr algn="ctr"/>
+              <a:endParaRPr lang="zh-CN" altLang="en-US"/>
+            </a:p>
+          </p:txBody>
+        </p:sp>
+        <p:sp>
+          <p:nvSpPr>
+            <p:cNvPr id="9" name="椭圆 8"/>
+            <p:cNvSpPr/>
+            <p:nvPr/>
+          </p:nvSpPr>
+          <p:spPr>
+            <a:xfrm>
+              <a:off x="6123802" y="2763793"/>
+              <a:ext cx="275970" cy="275970"/>
+            </a:xfrm>
+            <a:prstGeom prst="ellipse">
+              <a:avLst/>
+            </a:prstGeom>
+            <a:solidFill>
+              <a:srgbClr val="94CF50"/>
+            </a:solidFill>
+            <a:ln w="9525">
+              <a:solidFill>
+                <a:srgbClr val="10B349"/>
+              </a:solidFill>
+            </a:ln>
+          </p:spPr>
+          <p:style>
+            <a:lnRef idx="2">
+              <a:schemeClr val="accent1">
+                <a:shade val="50000"/>
+              </a:schemeClr>
+            </a:lnRef>
+            <a:fillRef idx="1">
+              <a:schemeClr val="accent1"/>
+            </a:fillRef>
+            <a:effectRef idx="0">
+              <a:schemeClr val="accent1"/>
+            </a:effectRef>
+            <a:fontRef idx="minor">
+              <a:schemeClr val="lt1"/>
+            </a:fontRef>
+          </p:style>
+          <p:txBody>
+            <a:bodyPr rtlCol="0" anchor="ctr"/>
+            <a:lstStyle/>
+            <a:p>
+              <a:pPr algn="ctr"/>
+              <a:endParaRPr lang="zh-CN" altLang="en-US"/>
+            </a:p>
+          </p:txBody>
+        </p:sp>
+        <p:sp>
+          <p:nvSpPr>
+            <p:cNvPr id="10" name="椭圆 9"/>
+            <p:cNvSpPr/>
+            <p:nvPr/>
+          </p:nvSpPr>
+          <p:spPr>
+            <a:xfrm>
+              <a:off x="7201927" y="2675233"/>
+              <a:ext cx="448966" cy="448966"/>
+            </a:xfrm>
+            <a:prstGeom prst="ellipse">
+              <a:avLst/>
+            </a:prstGeom>
+            <a:solidFill>
+              <a:srgbClr val="94CF50"/>
+            </a:solidFill>
+            <a:ln>
+              <a:solidFill>
+                <a:srgbClr val="10B349"/>
+              </a:solidFill>
+            </a:ln>
+          </p:spPr>
+          <p:style>
+            <a:lnRef idx="2">
+              <a:schemeClr val="accent1">
+                <a:shade val="50000"/>
+              </a:schemeClr>
+            </a:lnRef>
+            <a:fillRef idx="1">
+              <a:schemeClr val="accent1"/>
+            </a:fillRef>
+            <a:effectRef idx="0">
+              <a:schemeClr val="accent1"/>
+            </a:effectRef>
+            <a:fontRef idx="minor">
+              <a:schemeClr val="lt1"/>
+            </a:fontRef>
+          </p:style>
+          <p:txBody>
+            <a:bodyPr rtlCol="0" anchor="ctr"/>
+            <a:lstStyle/>
+            <a:p>
+              <a:pPr algn="ctr"/>
+              <a:endParaRPr lang="zh-CN" altLang="en-US"/>
+            </a:p>
+          </p:txBody>
+        </p:sp>
+        <p:sp>
+          <p:nvSpPr>
+            <p:cNvPr id="11" name="圆角矩形标注 10"/>
+            <p:cNvSpPr/>
+            <p:nvPr/>
+          </p:nvSpPr>
+          <p:spPr>
+            <a:xfrm>
+              <a:off x="3537121" y="3264249"/>
+              <a:ext cx="848498" cy="337751"/>
+            </a:xfrm>
+            <a:prstGeom prst="wedgeRoundRectCallout">
+              <a:avLst>
+                <a:gd name="adj1" fmla="val -24834"/>
+                <a:gd name="adj2" fmla="val -93598"/>
+                <a:gd name="adj3" fmla="val 16667"/>
+              </a:avLst>
+            </a:prstGeom>
+            <a:solidFill>
+              <a:schemeClr val="bg1">
+                <a:lumMod val="85000"/>
+              </a:schemeClr>
+            </a:solidFill>
+            <a:ln>
+              <a:noFill/>
+            </a:ln>
+          </p:spPr>
+          <p:style>
+            <a:lnRef idx="2">
+              <a:schemeClr val="accent1">
+                <a:shade val="50000"/>
+              </a:schemeClr>
+            </a:lnRef>
+            <a:fillRef idx="1">
+              <a:schemeClr val="accent1"/>
+            </a:fillRef>
+            <a:effectRef idx="0">
+              <a:schemeClr val="accent1"/>
+            </a:effectRef>
+            <a:fontRef idx="minor">
+              <a:schemeClr val="lt1"/>
+            </a:fontRef>
+          </p:style>
+          <p:txBody>
+            <a:bodyPr rtlCol="0" anchor="ctr"/>
+            <a:lstStyle/>
+            <a:p>
+              <a:pPr algn="ctr"/>
+              <a:r>
+                <a:rPr lang="en-US" altLang="zh-CN" sz="1400" dirty="0" smtClean="0"/>
+                <a:t>2011</a:t>
+              </a:r>
+              <a:endParaRPr lang="zh-CN" altLang="en-US" sz="1400" dirty="0"/>
+            </a:p>
+          </p:txBody>
+        </p:sp>
+        <p:sp>
+          <p:nvSpPr>
+            <p:cNvPr id="12" name="圆角矩形标注 11"/>
+            <p:cNvSpPr/>
+            <p:nvPr/>
+          </p:nvSpPr>
+          <p:spPr>
+            <a:xfrm>
+              <a:off x="6810633" y="1811291"/>
+              <a:ext cx="1680519" cy="650790"/>
+            </a:xfrm>
+            <a:prstGeom prst="wedgeRoundRectCallout">
+              <a:avLst/>
+            </a:prstGeom>
+            <a:solidFill>
+              <a:srgbClr val="58DAF8"/>
+            </a:solidFill>
+            <a:ln>
+              <a:noFill/>
+            </a:ln>
+          </p:spPr>
+          <p:style>
+            <a:lnRef idx="2">
+              <a:schemeClr val="accent1">
+                <a:shade val="50000"/>
+              </a:schemeClr>
+            </a:lnRef>
+            <a:fillRef idx="1">
+              <a:schemeClr val="accent1"/>
+            </a:fillRef>
+            <a:effectRef idx="0">
+              <a:schemeClr val="accent1"/>
+            </a:effectRef>
+            <a:fontRef idx="minor">
+              <a:schemeClr val="lt1"/>
+            </a:fontRef>
+          </p:style>
+          <p:txBody>
+            <a:bodyPr rtlCol="0" anchor="ctr"/>
+            <a:lstStyle/>
+            <a:p>
+              <a:pPr algn="ctr"/>
+              <a:endParaRPr lang="zh-CN" altLang="en-US"/>
+            </a:p>
+          </p:txBody>
+        </p:sp>
+        <p:sp>
+          <p:nvSpPr>
+            <p:cNvPr id="13" name="文本框 12"/>
+            <p:cNvSpPr txBox="1"/>
+            <p:nvPr/>
+          </p:nvSpPr>
+          <p:spPr>
+            <a:xfrm>
+              <a:off x="6886832" y="1937424"/>
+              <a:ext cx="1604320" cy="461665"/>
+            </a:xfrm>
+            <a:prstGeom prst="rect">
+              <a:avLst/>
+            </a:prstGeom>
+            <a:noFill/>
+          </p:spPr>
+          <p:txBody>
+            <a:bodyPr wrap="square" rtlCol="0">
+              <a:spAutoFit/>
+            </a:bodyPr>
+            <a:lstStyle/>
+            <a:p>
+              <a:r>
+                <a:rPr lang="en-US" altLang="zh-CN" sz="1200" dirty="0" smtClean="0">
+                  <a:solidFill>
+                    <a:schemeClr val="bg1"/>
+                  </a:solidFill>
+                </a:rPr>
+                <a:t>Add text here add text here</a:t>
+              </a:r>
+              <a:endParaRPr lang="zh-CN" altLang="en-US" sz="1200" dirty="0">
+                <a:solidFill>
+                  <a:schemeClr val="bg1"/>
+                </a:solidFill>
+              </a:endParaRPr>
+            </a:p>
+          </p:txBody>
+        </p:sp>
+        <p:sp>
+          <p:nvSpPr>
+            <p:cNvPr id="14" name="文本框 13"/>
+            <p:cNvSpPr txBox="1"/>
+            <p:nvPr/>
+          </p:nvSpPr>
+          <p:spPr>
+            <a:xfrm>
+              <a:off x="1659664" y="2576550"/>
+              <a:ext cx="955589" cy="646331"/>
+            </a:xfrm>
+            <a:prstGeom prst="rect">
+              <a:avLst/>
+            </a:prstGeom>
+            <a:noFill/>
+          </p:spPr>
+          <p:txBody>
+            <a:bodyPr wrap="square" rtlCol="0">
+              <a:spAutoFit/>
+            </a:bodyPr>
+            <a:lstStyle/>
+            <a:p>
+              <a:pPr algn="ctr"/>
+              <a:r>
+                <a:rPr lang="en-US" altLang="zh-CN" dirty="0" smtClean="0"/>
+                <a:t>TEXT HERE</a:t>
+              </a:r>
+              <a:endParaRPr lang="zh-CN" altLang="en-US" dirty="0"/>
+            </a:p>
+          </p:txBody>
+        </p:sp>
+      </p:grpSp>
+    </p:spTree>
+    <p:extLst>
+      <p:ext uri="{BB962C8B-B14F-4D97-AF65-F5344CB8AC3E}">
+        <p14:creationId xmlns:p14="http://schemas.microsoft.com/office/powerpoint/2010/main" val="1324793479"/>
+      </p:ext>
+    </p:extLst>
+  </p:cSld>
+  <p:clrMapOvr>
+    <a:masterClrMapping/>
+  </p:clrMapOvr>
+</p:sld>
+</file>
+
+<file path=ppt/slides/slide25.xml><?xml version="1.0" encoding="utf-8"?>
 <p:sld xmlns:a="http://schemas.openxmlformats.org/drawingml/2006/main" xmlns:r="http://schemas.openxmlformats.org/officeDocument/2006/relationships" xmlns:p="http://schemas.openxmlformats.org/presentationml/2006/main">
   <p:cSld>
     <p:bg>
@@ -24642,7 +29095,7 @@
 </p:sld>
 </file>
 
-<file path=ppt/slides/slide21.xml><?xml version="1.0" encoding="utf-8"?>
+<file path=ppt/slides/slide26.xml><?xml version="1.0" encoding="utf-8"?>
 <p:sld xmlns:a="http://schemas.openxmlformats.org/drawingml/2006/main" xmlns:r="http://schemas.openxmlformats.org/officeDocument/2006/relationships" xmlns:p="http://schemas.openxmlformats.org/presentationml/2006/main">
   <p:cSld>
     <p:bg>
@@ -24856,7 +29309,7 @@
 </p:sld>
 </file>
 
-<file path=ppt/slides/slide22.xml><?xml version="1.0" encoding="utf-8"?>
+<file path=ppt/slides/slide27.xml><?xml version="1.0" encoding="utf-8"?>
 <p:sld xmlns:a="http://schemas.openxmlformats.org/drawingml/2006/main" xmlns:r="http://schemas.openxmlformats.org/officeDocument/2006/relationships" xmlns:p="http://schemas.openxmlformats.org/presentationml/2006/main">
   <p:cSld>
     <p:bg>
@@ -25297,7 +29750,7 @@
 </p:sld>
 </file>
 
-<file path=ppt/slides/slide23.xml><?xml version="1.0" encoding="utf-8"?>
+<file path=ppt/slides/slide28.xml><?xml version="1.0" encoding="utf-8"?>
 <p:sld xmlns:a="http://schemas.openxmlformats.org/drawingml/2006/main" xmlns:r="http://schemas.openxmlformats.org/officeDocument/2006/relationships" xmlns:p="http://schemas.openxmlformats.org/presentationml/2006/main">
   <p:cSld>
     <p:bg>
@@ -25975,7 +30428,7 @@
 </p:sld>
 </file>
 
-<file path=ppt/slides/slide24.xml><?xml version="1.0" encoding="utf-8"?>
+<file path=ppt/slides/slide29.xml><?xml version="1.0" encoding="utf-8"?>
 <p:sld xmlns:a="http://schemas.openxmlformats.org/drawingml/2006/main" xmlns:r="http://schemas.openxmlformats.org/officeDocument/2006/relationships" xmlns:p="http://schemas.openxmlformats.org/presentationml/2006/main">
   <p:cSld>
     <p:bg>
@@ -26095,7 +30548,125 @@
 </p:sld>
 </file>
 
-<file path=ppt/slides/slide25.xml><?xml version="1.0" encoding="utf-8"?>
+<file path=ppt/slides/slide3.xml><?xml version="1.0" encoding="utf-8"?>
+<p:sld xmlns:a="http://schemas.openxmlformats.org/drawingml/2006/main" xmlns:r="http://schemas.openxmlformats.org/officeDocument/2006/relationships" xmlns:p="http://schemas.openxmlformats.org/presentationml/2006/main">
+  <p:cSld>
+    <p:bg>
+      <p:bgPr>
+        <a:solidFill>
+          <a:srgbClr val="0EB349"/>
+        </a:solidFill>
+        <a:effectLst/>
+      </p:bgPr>
+    </p:bg>
+    <p:spTree>
+      <p:nvGrpSpPr>
+        <p:cNvPr id="1" name=""/>
+        <p:cNvGrpSpPr/>
+        <p:nvPr/>
+      </p:nvGrpSpPr>
+      <p:grpSpPr>
+        <a:xfrm>
+          <a:off x="0" y="0"/>
+          <a:ext cx="0" cy="0"/>
+          <a:chOff x="0" y="0"/>
+          <a:chExt cx="0" cy="0"/>
+        </a:xfrm>
+      </p:grpSpPr>
+      <p:sp>
+        <p:nvSpPr>
+          <p:cNvPr id="10" name="文本框 9"/>
+          <p:cNvSpPr txBox="1"/>
+          <p:nvPr/>
+        </p:nvSpPr>
+        <p:spPr>
+          <a:xfrm>
+            <a:off x="3945924" y="2718311"/>
+            <a:ext cx="1219200" cy="1446550"/>
+          </a:xfrm>
+          <a:prstGeom prst="rect">
+            <a:avLst/>
+          </a:prstGeom>
+          <a:noFill/>
+        </p:spPr>
+        <p:txBody>
+          <a:bodyPr wrap="square" rtlCol="0">
+            <a:spAutoFit/>
+          </a:bodyPr>
+          <a:lstStyle/>
+          <a:p>
+            <a:pPr algn="ctr"/>
+            <a:r>
+              <a:rPr lang="en-US" altLang="zh-CN" sz="8800" dirty="0">
+                <a:solidFill>
+                  <a:schemeClr val="bg1"/>
+                </a:solidFill>
+              </a:rPr>
+              <a:t>1</a:t>
+            </a:r>
+            <a:endParaRPr lang="zh-CN" altLang="en-US" sz="8800" dirty="0">
+              <a:solidFill>
+                <a:schemeClr val="bg1"/>
+              </a:solidFill>
+            </a:endParaRPr>
+          </a:p>
+        </p:txBody>
+      </p:sp>
+      <p:sp>
+        <p:nvSpPr>
+          <p:cNvPr id="3" name="文本框 14"/>
+          <p:cNvSpPr txBox="1"/>
+          <p:nvPr/>
+        </p:nvSpPr>
+        <p:spPr>
+          <a:xfrm>
+            <a:off x="2390845" y="1015321"/>
+            <a:ext cx="4329358" cy="707886"/>
+          </a:xfrm>
+          <a:prstGeom prst="rect">
+            <a:avLst/>
+          </a:prstGeom>
+          <a:noFill/>
+        </p:spPr>
+        <p:txBody>
+          <a:bodyPr wrap="square" rtlCol="0">
+            <a:spAutoFit/>
+          </a:bodyPr>
+          <a:lstStyle/>
+          <a:p>
+            <a:pPr algn="ctr"/>
+            <a:r>
+              <a:rPr lang="en-US" altLang="zh-CN" sz="4000" b="1" smtClean="0">
+                <a:solidFill>
+                  <a:schemeClr val="bg1"/>
+                </a:solidFill>
+                <a:latin typeface="Candara" panose="020E0502030303020204" pitchFamily="34" charset="0"/>
+              </a:rPr>
+              <a:t>Probleemstelling</a:t>
+            </a:r>
+            <a:endParaRPr lang="zh-CN" altLang="en-US" sz="4000" b="1" dirty="0">
+              <a:solidFill>
+                <a:schemeClr val="bg1"/>
+              </a:solidFill>
+              <a:latin typeface="Candara" panose="020E0502030303020204" pitchFamily="34" charset="0"/>
+            </a:endParaRPr>
+          </a:p>
+        </p:txBody>
+      </p:sp>
+    </p:spTree>
+    <p:extLst>
+      <p:ext uri="{BB962C8B-B14F-4D97-AF65-F5344CB8AC3E}">
+        <p14:creationId xmlns:p14="http://schemas.microsoft.com/office/powerpoint/2010/main" val="150517567"/>
+      </p:ext>
+    </p:extLst>
+  </p:cSld>
+  <p:clrMapOvr>
+    <a:masterClrMapping/>
+  </p:clrMapOvr>
+</p:sld>
+</file>
+
+<file path=ppt/slides/slide30.xml><?xml version="1.0" encoding="utf-8"?>
 <p:sld xmlns:a="http://schemas.openxmlformats.org/drawingml/2006/main" xmlns:r="http://schemas.openxmlformats.org/officeDocument/2006/relationships" xmlns:p="http://schemas.openxmlformats.org/presentationml/2006/main">
   <p:cSld>
     <p:bg>
@@ -26245,7 +30816,7 @@
 </p:sld>
 </file>
 
-<file path=ppt/slides/slide26.xml><?xml version="1.0" encoding="utf-8"?>
+<file path=ppt/slides/slide31.xml><?xml version="1.0" encoding="utf-8"?>
 <p:sld xmlns:a="http://schemas.openxmlformats.org/drawingml/2006/main" xmlns:r="http://schemas.openxmlformats.org/officeDocument/2006/relationships" xmlns:p="http://schemas.openxmlformats.org/presentationml/2006/main">
   <p:cSld>
     <p:bg>
@@ -27047,124 +31618,6 @@
     <p:extLst>
       <p:ext uri="{BB962C8B-B14F-4D97-AF65-F5344CB8AC3E}">
         <p14:creationId xmlns:p14="http://schemas.microsoft.com/office/powerpoint/2010/main" val="2245491086"/>
-      </p:ext>
-    </p:extLst>
-  </p:cSld>
-  <p:clrMapOvr>
-    <a:masterClrMapping/>
-  </p:clrMapOvr>
-</p:sld>
-</file>
-
-<file path=ppt/slides/slide3.xml><?xml version="1.0" encoding="utf-8"?>
-<p:sld xmlns:a="http://schemas.openxmlformats.org/drawingml/2006/main" xmlns:r="http://schemas.openxmlformats.org/officeDocument/2006/relationships" xmlns:p="http://schemas.openxmlformats.org/presentationml/2006/main">
-  <p:cSld>
-    <p:bg>
-      <p:bgPr>
-        <a:solidFill>
-          <a:srgbClr val="0EB349"/>
-        </a:solidFill>
-        <a:effectLst/>
-      </p:bgPr>
-    </p:bg>
-    <p:spTree>
-      <p:nvGrpSpPr>
-        <p:cNvPr id="1" name=""/>
-        <p:cNvGrpSpPr/>
-        <p:nvPr/>
-      </p:nvGrpSpPr>
-      <p:grpSpPr>
-        <a:xfrm>
-          <a:off x="0" y="0"/>
-          <a:ext cx="0" cy="0"/>
-          <a:chOff x="0" y="0"/>
-          <a:chExt cx="0" cy="0"/>
-        </a:xfrm>
-      </p:grpSpPr>
-      <p:sp>
-        <p:nvSpPr>
-          <p:cNvPr id="10" name="文本框 9"/>
-          <p:cNvSpPr txBox="1"/>
-          <p:nvPr/>
-        </p:nvSpPr>
-        <p:spPr>
-          <a:xfrm>
-            <a:off x="3945924" y="2718311"/>
-            <a:ext cx="1219200" cy="1446550"/>
-          </a:xfrm>
-          <a:prstGeom prst="rect">
-            <a:avLst/>
-          </a:prstGeom>
-          <a:noFill/>
-        </p:spPr>
-        <p:txBody>
-          <a:bodyPr wrap="square" rtlCol="0">
-            <a:spAutoFit/>
-          </a:bodyPr>
-          <a:lstStyle/>
-          <a:p>
-            <a:pPr algn="ctr"/>
-            <a:r>
-              <a:rPr lang="en-US" altLang="zh-CN" sz="8800" dirty="0">
-                <a:solidFill>
-                  <a:schemeClr val="bg1"/>
-                </a:solidFill>
-              </a:rPr>
-              <a:t>1</a:t>
-            </a:r>
-            <a:endParaRPr lang="zh-CN" altLang="en-US" sz="8800" dirty="0">
-              <a:solidFill>
-                <a:schemeClr val="bg1"/>
-              </a:solidFill>
-            </a:endParaRPr>
-          </a:p>
-        </p:txBody>
-      </p:sp>
-      <p:sp>
-        <p:nvSpPr>
-          <p:cNvPr id="3" name="文本框 14"/>
-          <p:cNvSpPr txBox="1"/>
-          <p:nvPr/>
-        </p:nvSpPr>
-        <p:spPr>
-          <a:xfrm>
-            <a:off x="2390845" y="1015321"/>
-            <a:ext cx="4329358" cy="707886"/>
-          </a:xfrm>
-          <a:prstGeom prst="rect">
-            <a:avLst/>
-          </a:prstGeom>
-          <a:noFill/>
-        </p:spPr>
-        <p:txBody>
-          <a:bodyPr wrap="square" rtlCol="0">
-            <a:spAutoFit/>
-          </a:bodyPr>
-          <a:lstStyle/>
-          <a:p>
-            <a:pPr algn="ctr"/>
-            <a:r>
-              <a:rPr lang="en-US" altLang="zh-CN" sz="4000" b="1" smtClean="0">
-                <a:solidFill>
-                  <a:schemeClr val="bg1"/>
-                </a:solidFill>
-                <a:latin typeface="Candara" panose="020E0502030303020204" pitchFamily="34" charset="0"/>
-              </a:rPr>
-              <a:t>Probleemstelling</a:t>
-            </a:r>
-            <a:endParaRPr lang="zh-CN" altLang="en-US" sz="4000" b="1" dirty="0">
-              <a:solidFill>
-                <a:schemeClr val="bg1"/>
-              </a:solidFill>
-              <a:latin typeface="Candara" panose="020E0502030303020204" pitchFamily="34" charset="0"/>
-            </a:endParaRPr>
-          </a:p>
-        </p:txBody>
-      </p:sp>
-    </p:spTree>
-    <p:extLst>
-      <p:ext uri="{BB962C8B-B14F-4D97-AF65-F5344CB8AC3E}">
-        <p14:creationId xmlns:p14="http://schemas.microsoft.com/office/powerpoint/2010/main" val="150517567"/>
       </p:ext>
     </p:extLst>
   </p:cSld>
